--- a/trunk/DOCUMENTOS TP1/PPT SUB-ITERACION I_v1.0.pptx
+++ b/trunk/DOCUMENTOS TP1/PPT SUB-ITERACION I_v1.0.pptx
@@ -1,6 +1,6 @@
 
 <file path=ppt/presentation.xml><?xml version="1.0" encoding="utf-8"?>
-<p:presentation xmlns:a="http://schemas.openxmlformats.org/drawingml/2006/main" xmlns:r="http://schemas.openxmlformats.org/officeDocument/2006/relationships" xmlns:p="http://schemas.openxmlformats.org/presentationml/2006/main" saveSubsetFonts="1" bookmarkIdSeed="4">
+<p:presentation xmlns:a="http://schemas.openxmlformats.org/drawingml/2006/main" xmlns:r="http://schemas.openxmlformats.org/officeDocument/2006/relationships" xmlns:p="http://schemas.openxmlformats.org/presentationml/2006/main" saveSubsetFonts="1">
   <p:sldMasterIdLst>
     <p:sldMasterId id="2147483660" r:id="rId1"/>
   </p:sldMasterIdLst>
@@ -267,12 +267,12 @@
             <a:pPr>
               <a:defRPr/>
             </a:pPr>
-            <a:fld id="{811DC0D2-5658-42B4-85C0-0F9EFCC9245D}" type="datetimeFigureOut">
+            <a:fld id="{6E14094C-9C60-4D69-8DDF-065C509A87B6}" type="datetimeFigureOut">
               <a:rPr lang="es-PE"/>
               <a:pPr>
                 <a:defRPr/>
               </a:pPr>
-              <a:t>02/09/2012</a:t>
+              <a:t>03/09/2012</a:t>
             </a:fld>
             <a:endParaRPr lang="es-PE"/>
           </a:p>
@@ -454,7 +454,7 @@
             <a:pPr>
               <a:defRPr/>
             </a:pPr>
-            <a:fld id="{619100C4-FE96-4DD8-A39B-FD1970437A74}" type="slidenum">
+            <a:fld id="{7F51046F-1098-4DFB-A1A4-A42F519E2FCF}" type="slidenum">
               <a:rPr lang="es-PE"/>
               <a:pPr>
                 <a:defRPr/>
@@ -612,7 +612,7 @@
       </p:grpSpPr>
       <p:sp>
         <p:nvSpPr>
-          <p:cNvPr id="24577" name="1 Marcador de imagen de diapositiva"/>
+          <p:cNvPr id="34817" name="1 Marcador de imagen de diapositiva"/>
           <p:cNvSpPr>
             <a:spLocks noGrp="1" noRot="1" noChangeAspect="1" noTextEdit="1"/>
           </p:cNvSpPr>
@@ -634,7 +634,7 @@
       </p:sp>
       <p:sp>
         <p:nvSpPr>
-          <p:cNvPr id="24578" name="2 Marcador de notas"/>
+          <p:cNvPr id="34818" name="2 Marcador de notas"/>
           <p:cNvSpPr>
             <a:spLocks noGrp="1"/>
           </p:cNvSpPr>
@@ -692,7 +692,7 @@
             <a:pPr algn="r">
               <a:defRPr/>
             </a:pPr>
-            <a:fld id="{66FE8572-14FB-4E97-983D-AA79736D8356}" type="slidenum">
+            <a:fld id="{C02D6DAF-0013-40D3-BE1B-63B028343E9A}" type="slidenum">
               <a:rPr lang="es-PE" sz="1200">
                 <a:latin typeface="+mn-lt"/>
               </a:rPr>
@@ -734,7 +734,7 @@
       </p:grpSpPr>
       <p:sp>
         <p:nvSpPr>
-          <p:cNvPr id="29697" name="1 Marcador de imagen de diapositiva"/>
+          <p:cNvPr id="37889" name="1 Marcador de imagen de diapositiva"/>
           <p:cNvSpPr>
             <a:spLocks noGrp="1" noRot="1" noChangeAspect="1" noTextEdit="1"/>
           </p:cNvSpPr>
@@ -756,7 +756,7 @@
       </p:sp>
       <p:sp>
         <p:nvSpPr>
-          <p:cNvPr id="29698" name="2 Marcador de notas"/>
+          <p:cNvPr id="37890" name="2 Marcador de notas"/>
           <p:cNvSpPr>
             <a:spLocks noGrp="1"/>
           </p:cNvSpPr>
@@ -814,7 +814,7 @@
             <a:pPr algn="r">
               <a:defRPr/>
             </a:pPr>
-            <a:fld id="{52410A19-F163-4030-A585-8D5DC6E69E8D}" type="slidenum">
+            <a:fld id="{0FDCDF58-2E47-4997-90AC-8589029013AB}" type="slidenum">
               <a:rPr lang="es-PE" sz="1200">
                 <a:latin typeface="+mn-lt"/>
               </a:rPr>
@@ -2697,12 +2697,12 @@
             <a:pPr>
               <a:defRPr/>
             </a:pPr>
-            <a:fld id="{8367A9E3-BD6D-4E11-BD39-FB9D59BEC527}" type="datetimeFigureOut">
+            <a:fld id="{4819C5E8-1B93-4493-927B-7714EF8FC92D}" type="datetimeFigureOut">
               <a:rPr lang="es-PE"/>
               <a:pPr>
                 <a:defRPr/>
               </a:pPr>
-              <a:t>02/09/2012</a:t>
+              <a:t>03/09/2012</a:t>
             </a:fld>
             <a:endParaRPr lang="es-PE"/>
           </a:p>
@@ -2756,7 +2756,7 @@
             <a:pPr>
               <a:defRPr/>
             </a:pPr>
-            <a:fld id="{B909DE6A-D2D0-4257-B5BF-66331D85DB6C}" type="slidenum">
+            <a:fld id="{E3B6A872-EB89-4DBD-8CDD-9A51729125C0}" type="slidenum">
               <a:rPr lang="es-PE"/>
               <a:pPr>
                 <a:defRPr/>
@@ -2905,12 +2905,12 @@
             <a:pPr>
               <a:defRPr/>
             </a:pPr>
-            <a:fld id="{5C0F92D6-2392-4BDB-9D0A-AC74DBF17B0B}" type="datetimeFigureOut">
+            <a:fld id="{F377F89C-16FC-4E7E-8A90-AA106763B500}" type="datetimeFigureOut">
               <a:rPr lang="es-PE"/>
               <a:pPr>
                 <a:defRPr/>
               </a:pPr>
-              <a:t>02/09/2012</a:t>
+              <a:t>03/09/2012</a:t>
             </a:fld>
             <a:endParaRPr lang="es-PE"/>
           </a:p>
@@ -2964,7 +2964,7 @@
             <a:pPr>
               <a:defRPr/>
             </a:pPr>
-            <a:fld id="{C6142725-E735-413E-A3A7-6AA076A91702}" type="slidenum">
+            <a:fld id="{0F232144-86E5-43D5-AD60-0635B42CA241}" type="slidenum">
               <a:rPr lang="es-PE"/>
               <a:pPr>
                 <a:defRPr/>
@@ -4810,12 +4810,12 @@
             <a:pPr>
               <a:defRPr/>
             </a:pPr>
-            <a:fld id="{D0A037F1-4913-4633-ADE3-B54161645B47}" type="datetimeFigureOut">
+            <a:fld id="{11B37C16-1A1F-428E-B12A-D81BA5AD773A}" type="datetimeFigureOut">
               <a:rPr lang="es-PE"/>
               <a:pPr>
                 <a:defRPr/>
               </a:pPr>
-              <a:t>02/09/2012</a:t>
+              <a:t>03/09/2012</a:t>
             </a:fld>
             <a:endParaRPr lang="es-PE"/>
           </a:p>
@@ -4869,7 +4869,7 @@
             <a:pPr>
               <a:defRPr/>
             </a:pPr>
-            <a:fld id="{26B7D584-549B-4990-BE9D-6A99FDB07482}" type="slidenum">
+            <a:fld id="{E0441793-C748-4F9F-A765-F8F5D1430579}" type="slidenum">
               <a:rPr lang="es-PE"/>
               <a:pPr>
                 <a:defRPr/>
@@ -4927,12 +4927,12 @@
             <a:pPr>
               <a:defRPr/>
             </a:pPr>
-            <a:fld id="{64BB48F2-1E57-443C-BA99-860540815444}" type="datetimeFigureOut">
+            <a:fld id="{9F00782A-DF02-43BA-896F-F9066A28740C}" type="datetimeFigureOut">
               <a:rPr lang="es-PE"/>
               <a:pPr>
                 <a:defRPr/>
               </a:pPr>
-              <a:t>02/09/2012</a:t>
+              <a:t>03/09/2012</a:t>
             </a:fld>
             <a:endParaRPr lang="es-PE"/>
           </a:p>
@@ -4986,7 +4986,7 @@
             <a:pPr>
               <a:defRPr/>
             </a:pPr>
-            <a:fld id="{43175E5E-5E17-4EF1-8F63-96EB98CDFE39}" type="slidenum">
+            <a:fld id="{326ACDA3-E6F0-4624-B52A-FE8B31D591DF}" type="slidenum">
               <a:rPr lang="es-PE"/>
               <a:pPr>
                 <a:defRPr/>
@@ -5119,12 +5119,12 @@
             <a:pPr>
               <a:defRPr/>
             </a:pPr>
-            <a:fld id="{A1381F07-65BB-492F-AFB0-8DD09C51F6E0}" type="datetimeFigureOut">
+            <a:fld id="{7762BF6F-C9E4-4610-B01D-AF980E23222F}" type="datetimeFigureOut">
               <a:rPr lang="es-PE"/>
               <a:pPr>
                 <a:defRPr/>
               </a:pPr>
-              <a:t>02/09/2012</a:t>
+              <a:t>03/09/2012</a:t>
             </a:fld>
             <a:endParaRPr lang="es-PE"/>
           </a:p>
@@ -5178,7 +5178,7 @@
             <a:pPr>
               <a:defRPr/>
             </a:pPr>
-            <a:fld id="{FA07D73F-892A-4FEE-8F20-E5B71C30A7CE}" type="slidenum">
+            <a:fld id="{503AEC3A-772A-43E5-927B-A2C4260C4166}" type="slidenum">
               <a:rPr lang="es-PE"/>
               <a:pPr>
                 <a:defRPr/>
@@ -7036,12 +7036,12 @@
             <a:pPr>
               <a:defRPr/>
             </a:pPr>
-            <a:fld id="{B9F87C86-83B4-44A9-B8C0-A641AF19DB07}" type="datetimeFigureOut">
+            <a:fld id="{CB367018-CF5C-49FA-9DFA-54E4B21C1503}" type="datetimeFigureOut">
               <a:rPr lang="es-PE"/>
               <a:pPr>
                 <a:defRPr/>
               </a:pPr>
-              <a:t>02/09/2012</a:t>
+              <a:t>03/09/2012</a:t>
             </a:fld>
             <a:endParaRPr lang="es-PE"/>
           </a:p>
@@ -7095,7 +7095,7 @@
             <a:pPr>
               <a:defRPr/>
             </a:pPr>
-            <a:fld id="{3B0EEEB0-6243-4A49-A375-2295202BF3A5}" type="slidenum">
+            <a:fld id="{A329EE3C-310B-4232-BF08-5ED7949BCE92}" type="slidenum">
               <a:rPr lang="es-PE"/>
               <a:pPr>
                 <a:defRPr/>
@@ -7290,12 +7290,12 @@
             <a:pPr>
               <a:defRPr/>
             </a:pPr>
-            <a:fld id="{3DF3E2B1-6FC6-4652-BE43-EF8B71C2676C}" type="datetimeFigureOut">
+            <a:fld id="{CF01CF48-A25D-4D6B-9480-605A38CA75E5}" type="datetimeFigureOut">
               <a:rPr lang="es-PE"/>
               <a:pPr>
                 <a:defRPr/>
               </a:pPr>
-              <a:t>02/09/2012</a:t>
+              <a:t>03/09/2012</a:t>
             </a:fld>
             <a:endParaRPr lang="es-PE"/>
           </a:p>
@@ -7349,7 +7349,7 @@
             <a:pPr>
               <a:defRPr/>
             </a:pPr>
-            <a:fld id="{F1F00322-2340-4C34-BB1A-56D386CF2736}" type="slidenum">
+            <a:fld id="{A66C117C-0D32-4A3E-A620-12DF35C27F68}" type="slidenum">
               <a:rPr lang="es-PE"/>
               <a:pPr>
                 <a:defRPr/>
@@ -7744,12 +7744,12 @@
             <a:pPr>
               <a:defRPr/>
             </a:pPr>
-            <a:fld id="{DD32581A-B990-468D-BBE0-BD1AAA496AF2}" type="datetimeFigureOut">
+            <a:fld id="{B60635E2-5365-4B65-8F95-AEF6784D50B8}" type="datetimeFigureOut">
               <a:rPr lang="es-PE"/>
               <a:pPr>
                 <a:defRPr/>
               </a:pPr>
-              <a:t>02/09/2012</a:t>
+              <a:t>03/09/2012</a:t>
             </a:fld>
             <a:endParaRPr lang="es-PE"/>
           </a:p>
@@ -7803,7 +7803,7 @@
             <a:pPr>
               <a:defRPr/>
             </a:pPr>
-            <a:fld id="{527CD021-2D8D-4CE3-93F9-1501456D1A00}" type="slidenum">
+            <a:fld id="{0516F6D5-D83A-4ED9-BE62-CBF8BD6B875E}" type="slidenum">
               <a:rPr lang="es-PE"/>
               <a:pPr>
                 <a:defRPr/>
@@ -7884,12 +7884,12 @@
             <a:pPr>
               <a:defRPr/>
             </a:pPr>
-            <a:fld id="{041C1FCA-7EC1-4A25-A6CC-F638B530E440}" type="datetimeFigureOut">
+            <a:fld id="{C036754E-C647-49B8-AF86-1EEE73BCA3CD}" type="datetimeFigureOut">
               <a:rPr lang="es-PE"/>
               <a:pPr>
                 <a:defRPr/>
               </a:pPr>
-              <a:t>02/09/2012</a:t>
+              <a:t>03/09/2012</a:t>
             </a:fld>
             <a:endParaRPr lang="es-PE"/>
           </a:p>
@@ -7943,7 +7943,7 @@
             <a:pPr>
               <a:defRPr/>
             </a:pPr>
-            <a:fld id="{BB2493C2-71C8-475A-8C23-72DA34897327}" type="slidenum">
+            <a:fld id="{E8D763E5-B35E-40D0-9BE6-14310DEA1B87}" type="slidenum">
               <a:rPr lang="es-PE"/>
               <a:pPr>
                 <a:defRPr/>
@@ -9665,12 +9665,12 @@
             <a:pPr>
               <a:defRPr/>
             </a:pPr>
-            <a:fld id="{4321A8E6-DB35-4E5A-8616-4BB9FEBFBF46}" type="datetimeFigureOut">
+            <a:fld id="{4EA184E2-D380-4774-8773-E8BE5B91A2D4}" type="datetimeFigureOut">
               <a:rPr lang="es-PE"/>
               <a:pPr>
                 <a:defRPr/>
               </a:pPr>
-              <a:t>02/09/2012</a:t>
+              <a:t>03/09/2012</a:t>
             </a:fld>
             <a:endParaRPr lang="es-PE"/>
           </a:p>
@@ -9724,7 +9724,7 @@
             <a:pPr>
               <a:defRPr/>
             </a:pPr>
-            <a:fld id="{8E85D2D3-1C5B-4EE1-BC99-56DC7263EB8B}" type="slidenum">
+            <a:fld id="{5B5A6199-83C4-4928-B1CA-E327816CD9DE}" type="slidenum">
               <a:rPr lang="es-PE"/>
               <a:pPr>
                 <a:defRPr/>
@@ -11681,12 +11681,12 @@
             <a:pPr>
               <a:defRPr/>
             </a:pPr>
-            <a:fld id="{3ECC800C-1235-4EA2-B8E6-B6A2E027E892}" type="datetimeFigureOut">
+            <a:fld id="{B34704C0-916D-439E-B121-687BBA8D1C5D}" type="datetimeFigureOut">
               <a:rPr lang="es-PE"/>
               <a:pPr>
                 <a:defRPr/>
               </a:pPr>
-              <a:t>02/09/2012</a:t>
+              <a:t>03/09/2012</a:t>
             </a:fld>
             <a:endParaRPr lang="es-PE"/>
           </a:p>
@@ -11740,7 +11740,7 @@
             <a:pPr>
               <a:defRPr/>
             </a:pPr>
-            <a:fld id="{A7A88101-DFB2-4B79-B7E1-FCBCDE2AF45A}" type="slidenum">
+            <a:fld id="{FC53173B-D9A3-4304-9286-358B5256F9BB}" type="slidenum">
               <a:rPr lang="es-PE"/>
               <a:pPr>
                 <a:defRPr/>
@@ -13668,12 +13668,12 @@
             <a:pPr>
               <a:defRPr/>
             </a:pPr>
-            <a:fld id="{CCDABCFD-D0F1-478B-A434-44041E704B73}" type="datetimeFigureOut">
+            <a:fld id="{2A143A70-4538-4E2A-B4DE-07E4616CA224}" type="datetimeFigureOut">
               <a:rPr lang="es-PE"/>
               <a:pPr>
                 <a:defRPr/>
               </a:pPr>
-              <a:t>02/09/2012</a:t>
+              <a:t>03/09/2012</a:t>
             </a:fld>
             <a:endParaRPr lang="es-PE"/>
           </a:p>
@@ -13727,7 +13727,7 @@
             <a:pPr>
               <a:defRPr/>
             </a:pPr>
-            <a:fld id="{2E947133-27C9-4C5A-8C4C-2F8F90308810}" type="slidenum">
+            <a:fld id="{60114E93-0F19-4CB0-B937-B07B5B5DB2A0}" type="slidenum">
               <a:rPr lang="es-PE"/>
               <a:pPr>
                 <a:defRPr/>
@@ -15516,12 +15516,12 @@
             <a:pPr>
               <a:defRPr/>
             </a:pPr>
-            <a:fld id="{40A03DA6-5B48-4017-8481-CE314B820F88}" type="datetimeFigureOut">
+            <a:fld id="{0B3DC9DD-8E56-400A-B6DC-16DD0D819B7D}" type="datetimeFigureOut">
               <a:rPr lang="es-PE"/>
               <a:pPr>
                 <a:defRPr/>
               </a:pPr>
-              <a:t>02/09/2012</a:t>
+              <a:t>03/09/2012</a:t>
             </a:fld>
             <a:endParaRPr lang="es-PE"/>
           </a:p>
@@ -15613,7 +15613,7 @@
             <a:pPr>
               <a:defRPr/>
             </a:pPr>
-            <a:fld id="{66957034-D55C-4346-B74B-9EE42A8DCB59}" type="slidenum">
+            <a:fld id="{7D80BD97-40C4-490B-BAAF-34BF759EFF49}" type="slidenum">
               <a:rPr lang="es-PE"/>
               <a:pPr>
                 <a:defRPr/>
@@ -16155,7 +16155,7 @@
         <p:spPr bwMode="auto">
           <a:xfrm>
             <a:off x="2278063" y="3641725"/>
-            <a:ext cx="6264275" cy="3046988"/>
+            <a:ext cx="6264275" cy="3046413"/>
           </a:xfrm>
           <a:prstGeom prst="rect">
             <a:avLst/>
@@ -16176,141 +16176,66 @@
           <a:p>
             <a:pPr algn="r"/>
             <a:r>
-              <a:rPr lang="es-PE" sz="2400" dirty="0" smtClean="0">
+              <a:rPr lang="es-PE" sz="2400">
                 <a:latin typeface="Candara" pitchFamily="34" charset="0"/>
               </a:rPr>
-              <a:t>Orlando </a:t>
-            </a:r>
-            <a:r>
-              <a:rPr lang="es-PE" sz="2400" dirty="0" err="1" smtClean="0">
+              <a:t>Orlando Sedamano Cornejo</a:t>
+            </a:r>
+          </a:p>
+          <a:p>
+            <a:pPr algn="r"/>
+            <a:r>
+              <a:rPr lang="es-PE" sz="2400">
                 <a:latin typeface="Candara" pitchFamily="34" charset="0"/>
               </a:rPr>
-              <a:t>Sedamano</a:t>
-            </a:r>
-            <a:r>
-              <a:rPr lang="es-PE" sz="2400" dirty="0" smtClean="0">
+              <a:t>Marco Bustinza </a:t>
+            </a:r>
+          </a:p>
+          <a:p>
+            <a:pPr algn="r"/>
+            <a:r>
+              <a:rPr lang="es-PE" sz="2400">
                 <a:latin typeface="Candara" pitchFamily="34" charset="0"/>
               </a:rPr>
-              <a:t> </a:t>
-            </a:r>
-            <a:r>
-              <a:rPr lang="es-PE" sz="2400" dirty="0" smtClean="0">
+              <a:t>Néstor Robles Cacha</a:t>
+            </a:r>
+          </a:p>
+          <a:p>
+            <a:pPr algn="r"/>
+            <a:r>
+              <a:rPr lang="es-PE" sz="2400">
                 <a:latin typeface="Candara" pitchFamily="34" charset="0"/>
               </a:rPr>
-              <a:t>Cornejo</a:t>
+              <a:t>Gabriela Rojas Munive </a:t>
             </a:r>
           </a:p>
           <a:p>
             <a:pPr algn="r"/>
             <a:r>
-              <a:rPr lang="es-PE" sz="2400" dirty="0" smtClean="0">
+              <a:rPr lang="es-PE" sz="2400">
                 <a:latin typeface="Candara" pitchFamily="34" charset="0"/>
               </a:rPr>
-              <a:t>Marco </a:t>
-            </a:r>
-            <a:r>
-              <a:rPr lang="es-PE" sz="2400" dirty="0" err="1" smtClean="0">
+              <a:t>Paola Rojas Chicoma</a:t>
+            </a:r>
+          </a:p>
+          <a:p>
+            <a:pPr algn="r"/>
+            <a:r>
+              <a:rPr lang="es-PE" sz="2400">
                 <a:latin typeface="Candara" pitchFamily="34" charset="0"/>
               </a:rPr>
-              <a:t>Bustinza</a:t>
-            </a:r>
-            <a:r>
-              <a:rPr lang="es-PE" sz="2400" dirty="0" smtClean="0">
-                <a:latin typeface="Candara" pitchFamily="34" charset="0"/>
-              </a:rPr>
-              <a:t> </a:t>
-            </a:r>
-            <a:endParaRPr lang="es-PE" sz="2400" dirty="0" smtClean="0">
+              <a:t>Augusto Suárez Gutiérrez</a:t>
+            </a:r>
+          </a:p>
+          <a:p>
+            <a:pPr algn="r"/>
+            <a:endParaRPr lang="es-PE" sz="2400">
               <a:latin typeface="Candara" pitchFamily="34" charset="0"/>
             </a:endParaRPr>
           </a:p>
           <a:p>
             <a:pPr algn="r"/>
-            <a:r>
-              <a:rPr lang="es-PE" sz="2400" dirty="0" smtClean="0">
-                <a:latin typeface="Candara" pitchFamily="34" charset="0"/>
-              </a:rPr>
-              <a:t>Néstor </a:t>
-            </a:r>
-            <a:r>
-              <a:rPr lang="es-PE" sz="2400" dirty="0" smtClean="0">
-                <a:latin typeface="Candara" pitchFamily="34" charset="0"/>
-              </a:rPr>
-              <a:t>Robles Cacha</a:t>
-            </a:r>
-          </a:p>
-          <a:p>
-            <a:pPr algn="r"/>
-            <a:r>
-              <a:rPr lang="es-PE" sz="2400" dirty="0" smtClean="0">
-                <a:latin typeface="Candara" pitchFamily="34" charset="0"/>
-              </a:rPr>
-              <a:t>Gabriela Rojas </a:t>
-            </a:r>
-            <a:r>
-              <a:rPr lang="es-PE" sz="2400" dirty="0" err="1" smtClean="0">
-                <a:latin typeface="Candara" pitchFamily="34" charset="0"/>
-              </a:rPr>
-              <a:t>Munive</a:t>
-            </a:r>
-            <a:r>
-              <a:rPr lang="es-PE" sz="2400" dirty="0" smtClean="0">
-                <a:latin typeface="Candara" pitchFamily="34" charset="0"/>
-              </a:rPr>
-              <a:t> </a:t>
-            </a:r>
-          </a:p>
-          <a:p>
-            <a:pPr algn="r"/>
-            <a:r>
-              <a:rPr lang="es-PE" sz="2400" dirty="0" smtClean="0">
-                <a:latin typeface="Candara" pitchFamily="34" charset="0"/>
-              </a:rPr>
-              <a:t>Paola </a:t>
-            </a:r>
-            <a:r>
-              <a:rPr lang="es-PE" sz="2400" dirty="0">
-                <a:latin typeface="Candara" pitchFamily="34" charset="0"/>
-              </a:rPr>
-              <a:t>Rojas </a:t>
-            </a:r>
-            <a:r>
-              <a:rPr lang="es-PE" sz="2400" dirty="0" err="1" smtClean="0">
-                <a:latin typeface="Candara" pitchFamily="34" charset="0"/>
-              </a:rPr>
-              <a:t>Chicoma</a:t>
-            </a:r>
-            <a:endParaRPr lang="es-PE" sz="2400" dirty="0">
-              <a:latin typeface="Candara" pitchFamily="34" charset="0"/>
-            </a:endParaRPr>
-          </a:p>
-          <a:p>
-            <a:pPr algn="r"/>
-            <a:r>
-              <a:rPr lang="es-PE" sz="2400" dirty="0">
-                <a:latin typeface="Candara" pitchFamily="34" charset="0"/>
-              </a:rPr>
-              <a:t>Augusto </a:t>
-            </a:r>
-            <a:r>
-              <a:rPr lang="es-PE" sz="2400" dirty="0" smtClean="0">
-                <a:latin typeface="Candara" pitchFamily="34" charset="0"/>
-              </a:rPr>
-              <a:t>Suárez Gutiérrez</a:t>
-            </a:r>
-            <a:endParaRPr lang="es-PE" sz="2400" dirty="0">
-              <a:latin typeface="Candara" pitchFamily="34" charset="0"/>
-            </a:endParaRPr>
-          </a:p>
-          <a:p>
-            <a:pPr algn="r"/>
-            <a:endParaRPr lang="es-PE" sz="2400" dirty="0">
-              <a:latin typeface="Candara" pitchFamily="34" charset="0"/>
-            </a:endParaRPr>
-          </a:p>
-          <a:p>
-            <a:pPr algn="r"/>
-            <a:endParaRPr lang="es-PE" sz="2400" dirty="0">
+            <a:endParaRPr lang="es-PE" sz="2400">
               <a:solidFill>
                 <a:schemeClr val="bg1"/>
               </a:solidFill>
@@ -16353,7 +16278,7 @@
       </p:grpSpPr>
       <p:sp>
         <p:nvSpPr>
-          <p:cNvPr id="20481" name="2 Título"/>
+          <p:cNvPr id="24577" name="2 Título"/>
           <p:cNvSpPr>
             <a:spLocks noGrp="1"/>
           </p:cNvSpPr>
@@ -16373,18 +16298,13 @@
           <a:p>
             <a:pPr eaLnBrk="1" hangingPunct="1"/>
             <a:r>
-              <a:rPr lang="es-PE" b="1" dirty="0" smtClean="0">
+              <a:rPr lang="es-PE" b="1" smtClean="0">
                 <a:solidFill>
                   <a:schemeClr val="tx2"/>
                 </a:solidFill>
               </a:rPr>
               <a:t>CASOS DE USO DEL NEGOCIO</a:t>
             </a:r>
-            <a:endParaRPr lang="es-PE" b="1" dirty="0" smtClean="0">
-              <a:solidFill>
-                <a:schemeClr val="tx2"/>
-              </a:solidFill>
-            </a:endParaRPr>
           </a:p>
         </p:txBody>
       </p:sp>
@@ -16415,28 +16335,36 @@
       </p:grpSpPr>
       <p:sp>
         <p:nvSpPr>
-          <p:cNvPr id="2" name="1 CuadroTexto"/>
-          <p:cNvSpPr txBox="1"/>
+          <p:cNvPr id="25601" name="1 CuadroTexto"/>
+          <p:cNvSpPr txBox="1">
+            <a:spLocks noChangeArrowheads="1"/>
+          </p:cNvSpPr>
           <p:nvPr/>
         </p:nvSpPr>
-        <p:spPr>
+        <p:spPr bwMode="auto">
           <a:xfrm>
-            <a:off x="251520" y="2420888"/>
-            <a:ext cx="8640960" cy="1015663"/>
+            <a:off x="250825" y="2420938"/>
+            <a:ext cx="8642350" cy="1016000"/>
           </a:xfrm>
           <a:prstGeom prst="rect">
             <a:avLst/>
           </a:prstGeom>
           <a:noFill/>
+          <a:ln w="9525">
+            <a:noFill/>
+            <a:miter lim="800000"/>
+            <a:headEnd/>
+            <a:tailEnd/>
+          </a:ln>
         </p:spPr>
         <p:txBody>
-          <a:bodyPr wrap="square" rtlCol="0">
+          <a:bodyPr>
             <a:spAutoFit/>
           </a:bodyPr>
           <a:lstStyle/>
           <a:p>
             <a:r>
-              <a:rPr lang="es-PE" sz="2000" b="1" i="1" u="sng" dirty="0" smtClean="0">
+              <a:rPr lang="es-PE" sz="2000" b="1" i="1" u="sng">
                 <a:solidFill>
                   <a:schemeClr val="tx2"/>
                 </a:solidFill>
@@ -16445,41 +16373,17 @@
               <a:t>OBSERVACIÓN</a:t>
             </a:r>
             <a:r>
-              <a:rPr lang="es-PE" sz="2000" i="1" dirty="0" smtClean="0">
+              <a:rPr lang="es-PE" sz="2000" i="1">
                 <a:solidFill>
                   <a:schemeClr val="tx2"/>
                 </a:solidFill>
                 <a:latin typeface="Candara" pitchFamily="34" charset="0"/>
               </a:rPr>
-              <a:t>: </a:t>
-            </a:r>
-            <a:r>
-              <a:rPr lang="es-PE" sz="2000" i="1" dirty="0" smtClean="0">
-                <a:solidFill>
-                  <a:schemeClr val="tx2"/>
-                </a:solidFill>
-                <a:latin typeface="Candara" pitchFamily="34" charset="0"/>
-              </a:rPr>
-              <a:t>Representar la generalización del Gestor de Contratos</a:t>
-            </a:r>
-            <a:r>
-              <a:rPr lang="es-PE" sz="2000" i="1" dirty="0" smtClean="0">
-                <a:solidFill>
-                  <a:schemeClr val="tx2"/>
-                </a:solidFill>
-                <a:latin typeface="Candara" pitchFamily="34" charset="0"/>
-              </a:rPr>
-              <a:t>.</a:t>
-            </a:r>
-            <a:endParaRPr lang="es-PE" sz="2000" i="1" dirty="0" smtClean="0">
-              <a:solidFill>
-                <a:schemeClr val="tx2"/>
-              </a:solidFill>
-              <a:latin typeface="Candara" pitchFamily="34" charset="0"/>
-            </a:endParaRPr>
-          </a:p>
-          <a:p>
-            <a:endParaRPr lang="en-US" sz="2000" b="1" i="1" u="sng" dirty="0" smtClean="0">
+              <a:t>: Representar la generalización del Gestor de Contratos.</a:t>
+            </a:r>
+          </a:p>
+          <a:p>
+            <a:endParaRPr lang="en-US" sz="2000" b="1" i="1" u="sng">
               <a:solidFill>
                 <a:srgbClr val="0070C0"/>
               </a:solidFill>
@@ -16488,7 +16392,7 @@
           </a:p>
           <a:p>
             <a:r>
-              <a:rPr lang="en-US" sz="2000" b="1" i="1" u="sng" dirty="0" smtClean="0">
+              <a:rPr lang="en-US" sz="2000" b="1" i="1" u="sng">
                 <a:solidFill>
                   <a:srgbClr val="0070C0"/>
                 </a:solidFill>
@@ -16497,7 +16401,7 @@
               <a:t>CORRECCIÓN</a:t>
             </a:r>
             <a:r>
-              <a:rPr lang="en-US" sz="2000" i="1" dirty="0" smtClean="0">
+              <a:rPr lang="en-US" sz="2000" i="1">
                 <a:solidFill>
                   <a:srgbClr val="0070C0"/>
                 </a:solidFill>
@@ -16505,7 +16409,7 @@
               </a:rPr>
               <a:t>:</a:t>
             </a:r>
-            <a:endParaRPr lang="en-US" sz="2000" b="1" i="1" dirty="0" smtClean="0">
+            <a:endParaRPr lang="en-US" sz="2000" b="1" i="1">
               <a:solidFill>
                 <a:srgbClr val="0070C0"/>
               </a:solidFill>
@@ -16539,33 +16443,19 @@
           </a:ln>
         </p:spPr>
         <p:txBody>
-          <a:bodyPr vert="horz" wrap="square" lIns="91440" tIns="45720" rIns="91440" bIns="45720" numCol="1" rtlCol="0" anchor="ctr" anchorCtr="0" compatLnSpc="1">
-            <a:prstTxWarp prst="textNoShape">
-              <a:avLst/>
-            </a:prstTxWarp>
+          <a:bodyPr anchor="ctr">
             <a:normAutofit fontScale="97500"/>
           </a:bodyPr>
           <a:lstStyle/>
           <a:p>
-            <a:pPr marL="0" marR="0" lvl="0" indent="0" algn="ctr" defTabSz="914400" rtl="0" eaLnBrk="1" fontAlgn="auto" latinLnBrk="0" hangingPunct="1">
-              <a:lnSpc>
-                <a:spcPct val="100000"/>
-              </a:lnSpc>
-              <a:spcBef>
-                <a:spcPct val="0"/>
-              </a:spcBef>
+            <a:pPr algn="ctr" fontAlgn="auto">
               <a:spcAft>
                 <a:spcPts val="0"/>
               </a:spcAft>
-              <a:buClrTx/>
-              <a:buSzTx/>
-              <a:buFontTx/>
-              <a:buNone/>
-              <a:tabLst/>
               <a:defRPr/>
             </a:pPr>
             <a:r>
-              <a:rPr lang="en-US" sz="4400" dirty="0" smtClean="0">
+              <a:rPr lang="en-US" sz="4400" dirty="0">
                 <a:solidFill>
                   <a:srgbClr val="FFFFFF"/>
                 </a:solidFill>
@@ -16575,16 +16465,10 @@
               </a:rPr>
               <a:t>CASOS DE USO DEL NEGOCIO</a:t>
             </a:r>
-            <a:endParaRPr kumimoji="0" lang="es-PE" sz="4400" b="0" i="0" u="none" strike="noStrike" kern="1200" cap="none" spc="0" normalizeH="0" baseline="0" noProof="0" dirty="0">
-              <a:ln>
-                <a:noFill/>
-              </a:ln>
+            <a:endParaRPr lang="es-PE" sz="4400" dirty="0">
               <a:solidFill>
                 <a:srgbClr val="FFFFFF"/>
               </a:solidFill>
-              <a:effectLst/>
-              <a:uLnTx/>
-              <a:uFillTx/>
               <a:latin typeface="+mj-lt"/>
               <a:ea typeface="+mj-ea"/>
               <a:cs typeface="+mj-cs"/>
@@ -16592,6 +16476,39 @@
           </a:p>
         </p:txBody>
       </p:sp>
+      <p:pic>
+        <p:nvPicPr>
+          <p:cNvPr id="25604" name="Picture 4"/>
+          <p:cNvPicPr>
+            <a:picLocks noChangeAspect="1" noChangeArrowheads="1"/>
+          </p:cNvPicPr>
+          <p:nvPr/>
+        </p:nvPicPr>
+        <p:blipFill>
+          <a:blip r:embed="rId2"/>
+          <a:srcRect/>
+          <a:stretch>
+            <a:fillRect/>
+          </a:stretch>
+        </p:blipFill>
+        <p:spPr bwMode="auto">
+          <a:xfrm>
+            <a:off x="2843213" y="3157538"/>
+            <a:ext cx="3659187" cy="3184525"/>
+          </a:xfrm>
+          <a:prstGeom prst="rect">
+            <a:avLst/>
+          </a:prstGeom>
+          <a:noFill/>
+          <a:ln w="9525">
+            <a:noFill/>
+            <a:miter lim="800000"/>
+            <a:headEnd/>
+            <a:tailEnd/>
+          </a:ln>
+          <a:effectLst/>
+        </p:spPr>
+      </p:pic>
     </p:spTree>
   </p:cSld>
   <p:clrMapOvr>
@@ -16619,7 +16536,7 @@
       </p:grpSpPr>
       <p:sp>
         <p:nvSpPr>
-          <p:cNvPr id="20481" name="2 Título"/>
+          <p:cNvPr id="26625" name="2 Título"/>
           <p:cNvSpPr>
             <a:spLocks noGrp="1"/>
           </p:cNvSpPr>
@@ -16639,14 +16556,14 @@
           <a:p>
             <a:pPr eaLnBrk="1" hangingPunct="1"/>
             <a:r>
-              <a:rPr lang="en-US" b="1" dirty="0" smtClean="0">
+              <a:rPr lang="en-US" b="1" smtClean="0">
                 <a:solidFill>
                   <a:schemeClr val="tx2"/>
                 </a:solidFill>
               </a:rPr>
               <a:t>ENTIDADES DEL NEGOCIO</a:t>
             </a:r>
-            <a:endParaRPr lang="es-PE" b="1" dirty="0" smtClean="0">
+            <a:endParaRPr lang="es-PE" b="1" smtClean="0">
               <a:solidFill>
                 <a:schemeClr val="tx2"/>
               </a:solidFill>
@@ -16681,28 +16598,36 @@
       </p:grpSpPr>
       <p:sp>
         <p:nvSpPr>
-          <p:cNvPr id="2" name="1 CuadroTexto"/>
-          <p:cNvSpPr txBox="1"/>
+          <p:cNvPr id="27649" name="1 CuadroTexto"/>
+          <p:cNvSpPr txBox="1">
+            <a:spLocks noChangeArrowheads="1"/>
+          </p:cNvSpPr>
           <p:nvPr/>
         </p:nvSpPr>
-        <p:spPr>
+        <p:spPr bwMode="auto">
           <a:xfrm>
-            <a:off x="251520" y="2420888"/>
-            <a:ext cx="8640960" cy="1323439"/>
+            <a:off x="250825" y="2420938"/>
+            <a:ext cx="8642350" cy="1311275"/>
           </a:xfrm>
           <a:prstGeom prst="rect">
             <a:avLst/>
           </a:prstGeom>
           <a:noFill/>
+          <a:ln w="9525">
+            <a:noFill/>
+            <a:miter lim="800000"/>
+            <a:headEnd/>
+            <a:tailEnd/>
+          </a:ln>
         </p:spPr>
         <p:txBody>
-          <a:bodyPr wrap="square" rtlCol="0">
+          <a:bodyPr>
             <a:spAutoFit/>
           </a:bodyPr>
           <a:lstStyle/>
           <a:p>
             <a:r>
-              <a:rPr lang="es-PE" sz="2000" b="1" i="1" u="sng" dirty="0" smtClean="0">
+              <a:rPr lang="es-PE" sz="2000" b="1" i="1" u="sng">
                 <a:solidFill>
                   <a:schemeClr val="tx2"/>
                 </a:solidFill>
@@ -16711,25 +16636,16 @@
               <a:t>OBSERVACIÓN</a:t>
             </a:r>
             <a:r>
-              <a:rPr lang="es-PE" sz="2000" i="1" dirty="0" smtClean="0">
+              <a:rPr lang="es-PE" sz="2000" i="1">
                 <a:solidFill>
                   <a:schemeClr val="tx2"/>
                 </a:solidFill>
                 <a:latin typeface="Candara" pitchFamily="34" charset="0"/>
               </a:rPr>
-              <a:t>: </a:t>
-            </a:r>
-            <a:r>
-              <a:rPr lang="es-PE" sz="2000" i="1" dirty="0" smtClean="0">
-                <a:solidFill>
-                  <a:schemeClr val="tx2"/>
-                </a:solidFill>
-                <a:latin typeface="Candara" pitchFamily="34" charset="0"/>
-              </a:rPr>
-              <a:t>Verificar las entidades de negocio </a:t>
-            </a:r>
-            <a:r>
-              <a:rPr lang="es-PE" sz="2000" b="1" i="1" dirty="0" smtClean="0">
+              <a:t>: Verificar las entidades de negocio </a:t>
+            </a:r>
+            <a:r>
+              <a:rPr lang="es-PE" sz="2000" b="1" i="1">
                 <a:solidFill>
                   <a:schemeClr val="tx2"/>
                 </a:solidFill>
@@ -16738,7 +16654,7 @@
               <a:t>CC_EN002_Adenda</a:t>
             </a:r>
             <a:r>
-              <a:rPr lang="es-PE" sz="2000" i="1" dirty="0" smtClean="0">
+              <a:rPr lang="es-PE" sz="2000" i="1">
                 <a:solidFill>
                   <a:schemeClr val="tx2"/>
                 </a:solidFill>
@@ -16747,7 +16663,7 @@
               <a:t>, </a:t>
             </a:r>
             <a:r>
-              <a:rPr lang="es-PE" sz="2000" b="1" i="1" dirty="0" smtClean="0">
+              <a:rPr lang="es-PE" sz="2000" b="1" i="1">
                 <a:solidFill>
                   <a:schemeClr val="tx2"/>
                 </a:solidFill>
@@ -16756,11 +16672,11 @@
               <a:t>CC_EN003_Cliente</a:t>
             </a:r>
             <a:r>
-              <a:rPr lang="es-PE" sz="2000" dirty="0" smtClean="0"/>
+              <a:rPr lang="es-PE" sz="2000"/>
               <a:t> </a:t>
             </a:r>
             <a:r>
-              <a:rPr lang="es-PE" sz="2000" i="1" dirty="0" smtClean="0">
+              <a:rPr lang="es-PE" sz="2000" i="1">
                 <a:solidFill>
                   <a:schemeClr val="tx2"/>
                 </a:solidFill>
@@ -16769,7 +16685,7 @@
               <a:t>y </a:t>
             </a:r>
             <a:r>
-              <a:rPr lang="es-PE" sz="2000" b="1" i="1" dirty="0" smtClean="0">
+              <a:rPr lang="es-PE" sz="2000" b="1" i="1">
                 <a:solidFill>
                   <a:schemeClr val="tx2"/>
                 </a:solidFill>
@@ -16778,7 +16694,7 @@
               <a:t>CC_EN004_SLA</a:t>
             </a:r>
             <a:r>
-              <a:rPr lang="es-PE" sz="2000" i="1" dirty="0" smtClean="0">
+              <a:rPr lang="es-PE" sz="2000" i="1">
                 <a:solidFill>
                   <a:schemeClr val="tx2"/>
                 </a:solidFill>
@@ -16786,15 +16702,9 @@
               </a:rPr>
               <a:t>.</a:t>
             </a:r>
-            <a:endParaRPr lang="es-PE" sz="2000" i="1" dirty="0" smtClean="0">
-              <a:solidFill>
-                <a:schemeClr val="tx2"/>
-              </a:solidFill>
-              <a:latin typeface="Candara" pitchFamily="34" charset="0"/>
-            </a:endParaRPr>
-          </a:p>
-          <a:p>
-            <a:endParaRPr lang="en-US" sz="2000" b="1" i="1" u="sng" dirty="0" smtClean="0">
+          </a:p>
+          <a:p>
+            <a:endParaRPr lang="en-US" sz="2000" b="1" i="1" u="sng">
               <a:solidFill>
                 <a:srgbClr val="0070C0"/>
               </a:solidFill>
@@ -16803,26 +16713,26 @@
           </a:p>
           <a:p>
             <a:r>
-              <a:rPr lang="en-US" sz="2000" b="1" i="1" u="sng" dirty="0" smtClean="0">
+              <a:rPr lang="en-US" sz="2000" b="1" i="1" u="sng">
                 <a:solidFill>
-                  <a:srgbClr val="0070C0"/>
+                  <a:srgbClr val="8C2902"/>
                 </a:solidFill>
                 <a:latin typeface="Candara" pitchFamily="34" charset="0"/>
               </a:rPr>
               <a:t>CORRECCIÓN</a:t>
             </a:r>
             <a:r>
-              <a:rPr lang="en-US" sz="2000" i="1" dirty="0" smtClean="0">
+              <a:rPr lang="en-US" sz="2000" i="1">
                 <a:solidFill>
-                  <a:srgbClr val="0070C0"/>
+                  <a:srgbClr val="8C2902"/>
                 </a:solidFill>
                 <a:latin typeface="Candara" pitchFamily="34" charset="0"/>
               </a:rPr>
-              <a:t>:</a:t>
-            </a:r>
-            <a:endParaRPr lang="en-US" sz="2000" b="1" i="1" dirty="0" smtClean="0">
+              <a:t>: En Evaluación</a:t>
+            </a:r>
+            <a:endParaRPr lang="en-US" sz="2000" b="1" i="1">
               <a:solidFill>
-                <a:srgbClr val="0070C0"/>
+                <a:srgbClr val="8C2902"/>
               </a:solidFill>
               <a:latin typeface="Candara" pitchFamily="34" charset="0"/>
             </a:endParaRPr>
@@ -16854,33 +16764,19 @@
           </a:ln>
         </p:spPr>
         <p:txBody>
-          <a:bodyPr vert="horz" wrap="square" lIns="91440" tIns="45720" rIns="91440" bIns="45720" numCol="1" rtlCol="0" anchor="ctr" anchorCtr="0" compatLnSpc="1">
-            <a:prstTxWarp prst="textNoShape">
-              <a:avLst/>
-            </a:prstTxWarp>
+          <a:bodyPr anchor="ctr">
             <a:normAutofit fontScale="97500"/>
           </a:bodyPr>
           <a:lstStyle/>
           <a:p>
-            <a:pPr marL="0" marR="0" lvl="0" indent="0" algn="ctr" defTabSz="914400" rtl="0" eaLnBrk="1" fontAlgn="auto" latinLnBrk="0" hangingPunct="1">
-              <a:lnSpc>
-                <a:spcPct val="100000"/>
-              </a:lnSpc>
-              <a:spcBef>
-                <a:spcPct val="0"/>
-              </a:spcBef>
+            <a:pPr algn="ctr" fontAlgn="auto">
               <a:spcAft>
                 <a:spcPts val="0"/>
               </a:spcAft>
-              <a:buClrTx/>
-              <a:buSzTx/>
-              <a:buFontTx/>
-              <a:buNone/>
-              <a:tabLst/>
               <a:defRPr/>
             </a:pPr>
             <a:r>
-              <a:rPr lang="en-US" sz="4400" dirty="0" smtClean="0">
+              <a:rPr lang="en-US" sz="4400" dirty="0">
                 <a:solidFill>
                   <a:srgbClr val="FFFFFF"/>
                 </a:solidFill>
@@ -16890,16 +16786,10 @@
               </a:rPr>
               <a:t>ENTIDADES DEL NEGOCIO</a:t>
             </a:r>
-            <a:endParaRPr kumimoji="0" lang="es-PE" sz="4400" b="0" i="0" u="none" strike="noStrike" kern="1200" cap="none" spc="0" normalizeH="0" baseline="0" noProof="0" dirty="0">
-              <a:ln>
-                <a:noFill/>
-              </a:ln>
+            <a:endParaRPr lang="es-PE" sz="4400" dirty="0">
               <a:solidFill>
                 <a:srgbClr val="FFFFFF"/>
               </a:solidFill>
-              <a:effectLst/>
-              <a:uLnTx/>
-              <a:uFillTx/>
               <a:latin typeface="+mj-lt"/>
               <a:ea typeface="+mj-ea"/>
               <a:cs typeface="+mj-cs"/>
@@ -16934,7 +16824,7 @@
       </p:grpSpPr>
       <p:sp>
         <p:nvSpPr>
-          <p:cNvPr id="20481" name="2 Título"/>
+          <p:cNvPr id="28673" name="2 Título"/>
           <p:cNvSpPr>
             <a:spLocks noGrp="1"/>
           </p:cNvSpPr>
@@ -16954,18 +16844,13 @@
           <a:p>
             <a:pPr eaLnBrk="1" hangingPunct="1"/>
             <a:r>
-              <a:rPr lang="es-PE" b="1" dirty="0" smtClean="0">
+              <a:rPr lang="es-PE" b="1" smtClean="0">
                 <a:solidFill>
                   <a:schemeClr val="tx2"/>
                 </a:solidFill>
               </a:rPr>
               <a:t>REALIZACION DE LOS CASOS DE USO DEL NEGOCIO</a:t>
             </a:r>
-            <a:endParaRPr lang="es-PE" b="1" dirty="0" smtClean="0">
-              <a:solidFill>
-                <a:schemeClr val="tx2"/>
-              </a:solidFill>
-            </a:endParaRPr>
           </a:p>
         </p:txBody>
       </p:sp>
@@ -16996,28 +16881,36 @@
       </p:grpSpPr>
       <p:sp>
         <p:nvSpPr>
-          <p:cNvPr id="2" name="1 CuadroTexto"/>
-          <p:cNvSpPr txBox="1"/>
+          <p:cNvPr id="29697" name="1 CuadroTexto"/>
+          <p:cNvSpPr txBox="1">
+            <a:spLocks noChangeArrowheads="1"/>
+          </p:cNvSpPr>
           <p:nvPr/>
         </p:nvSpPr>
-        <p:spPr>
+        <p:spPr bwMode="auto">
           <a:xfrm>
-            <a:off x="251520" y="2420888"/>
-            <a:ext cx="8640960" cy="1323439"/>
+            <a:off x="250825" y="2420938"/>
+            <a:ext cx="8642350" cy="1323975"/>
           </a:xfrm>
           <a:prstGeom prst="rect">
             <a:avLst/>
           </a:prstGeom>
           <a:noFill/>
+          <a:ln w="9525">
+            <a:noFill/>
+            <a:miter lim="800000"/>
+            <a:headEnd/>
+            <a:tailEnd/>
+          </a:ln>
         </p:spPr>
         <p:txBody>
-          <a:bodyPr wrap="square" rtlCol="0">
+          <a:bodyPr>
             <a:spAutoFit/>
           </a:bodyPr>
           <a:lstStyle/>
           <a:p>
             <a:r>
-              <a:rPr lang="es-PE" sz="2000" b="1" i="1" u="sng" dirty="0" smtClean="0">
+              <a:rPr lang="es-PE" sz="2000" b="1" i="1" u="sng">
                 <a:solidFill>
                   <a:schemeClr val="tx2"/>
                 </a:solidFill>
@@ -17026,25 +16919,16 @@
               <a:t>OBSERVACIÓN</a:t>
             </a:r>
             <a:r>
-              <a:rPr lang="es-PE" sz="2000" i="1" dirty="0" smtClean="0">
+              <a:rPr lang="es-PE" sz="2000" i="1">
                 <a:solidFill>
                   <a:schemeClr val="tx2"/>
                 </a:solidFill>
                 <a:latin typeface="Candara" pitchFamily="34" charset="0"/>
               </a:rPr>
-              <a:t>: </a:t>
-            </a:r>
-            <a:r>
-              <a:rPr lang="es-PE" sz="2000" i="1" dirty="0" smtClean="0">
-                <a:solidFill>
-                  <a:schemeClr val="tx2"/>
-                </a:solidFill>
-                <a:latin typeface="Candara" pitchFamily="34" charset="0"/>
-              </a:rPr>
-              <a:t>Verificar las entidades de negocio </a:t>
-            </a:r>
-            <a:r>
-              <a:rPr lang="es-PE" sz="2000" b="1" i="1" dirty="0" smtClean="0">
+              <a:t>: Verificar las entidades de negocio </a:t>
+            </a:r>
+            <a:r>
+              <a:rPr lang="es-PE" sz="2000" b="1" i="1">
                 <a:solidFill>
                   <a:schemeClr val="tx2"/>
                 </a:solidFill>
@@ -17053,7 +16937,7 @@
               <a:t>CC_EN002_Adenda</a:t>
             </a:r>
             <a:r>
-              <a:rPr lang="es-PE" sz="2000" i="1" dirty="0" smtClean="0">
+              <a:rPr lang="es-PE" sz="2000" i="1">
                 <a:solidFill>
                   <a:schemeClr val="tx2"/>
                 </a:solidFill>
@@ -17062,7 +16946,7 @@
               <a:t>, </a:t>
             </a:r>
             <a:r>
-              <a:rPr lang="es-PE" sz="2000" b="1" i="1" dirty="0" smtClean="0">
+              <a:rPr lang="es-PE" sz="2000" b="1" i="1">
                 <a:solidFill>
                   <a:schemeClr val="tx2"/>
                 </a:solidFill>
@@ -17071,11 +16955,11 @@
               <a:t>CC_EN003_Cliente</a:t>
             </a:r>
             <a:r>
-              <a:rPr lang="es-PE" sz="2000" dirty="0" smtClean="0"/>
+              <a:rPr lang="es-PE" sz="2000"/>
               <a:t> </a:t>
             </a:r>
             <a:r>
-              <a:rPr lang="es-PE" sz="2000" i="1" dirty="0" smtClean="0">
+              <a:rPr lang="es-PE" sz="2000" i="1">
                 <a:solidFill>
                   <a:schemeClr val="tx2"/>
                 </a:solidFill>
@@ -17084,7 +16968,7 @@
               <a:t>y </a:t>
             </a:r>
             <a:r>
-              <a:rPr lang="es-PE" sz="2000" b="1" i="1" dirty="0" smtClean="0">
+              <a:rPr lang="es-PE" sz="2000" b="1" i="1">
                 <a:solidFill>
                   <a:schemeClr val="tx2"/>
                 </a:solidFill>
@@ -17093,7 +16977,7 @@
               <a:t>CC_EN004_SLA</a:t>
             </a:r>
             <a:r>
-              <a:rPr lang="es-PE" sz="2000" i="1" dirty="0" smtClean="0">
+              <a:rPr lang="es-PE" sz="2000" i="1">
                 <a:solidFill>
                   <a:schemeClr val="tx2"/>
                 </a:solidFill>
@@ -17101,15 +16985,9 @@
               </a:rPr>
               <a:t>.</a:t>
             </a:r>
-            <a:endParaRPr lang="es-PE" sz="2000" i="1" dirty="0" smtClean="0">
-              <a:solidFill>
-                <a:schemeClr val="tx2"/>
-              </a:solidFill>
-              <a:latin typeface="Candara" pitchFamily="34" charset="0"/>
-            </a:endParaRPr>
-          </a:p>
-          <a:p>
-            <a:endParaRPr lang="en-US" sz="2000" b="1" i="1" u="sng" dirty="0" smtClean="0">
+          </a:p>
+          <a:p>
+            <a:endParaRPr lang="en-US" sz="2000" b="1" i="1" u="sng">
               <a:solidFill>
                 <a:srgbClr val="0070C0"/>
               </a:solidFill>
@@ -17118,7 +16996,7 @@
           </a:p>
           <a:p>
             <a:r>
-              <a:rPr lang="en-US" sz="2000" b="1" i="1" u="sng" dirty="0" smtClean="0">
+              <a:rPr lang="en-US" sz="2000" b="1" i="1" u="sng">
                 <a:solidFill>
                   <a:srgbClr val="0070C0"/>
                 </a:solidFill>
@@ -17127,7 +17005,7 @@
               <a:t>CORRECCIÓN</a:t>
             </a:r>
             <a:r>
-              <a:rPr lang="en-US" sz="2000" i="1" dirty="0" smtClean="0">
+              <a:rPr lang="en-US" sz="2000" i="1">
                 <a:solidFill>
                   <a:srgbClr val="0070C0"/>
                 </a:solidFill>
@@ -17135,7 +17013,7 @@
               </a:rPr>
               <a:t>:</a:t>
             </a:r>
-            <a:endParaRPr lang="en-US" sz="2000" b="1" i="1" dirty="0" smtClean="0">
+            <a:endParaRPr lang="en-US" sz="2000" b="1" i="1">
               <a:solidFill>
                 <a:srgbClr val="0070C0"/>
               </a:solidFill>
@@ -17169,55 +17047,26 @@
           </a:ln>
         </p:spPr>
         <p:txBody>
-          <a:bodyPr vert="horz" wrap="square" lIns="91440" tIns="45720" rIns="91440" bIns="45720" numCol="1" rtlCol="0" anchor="ctr" anchorCtr="0" compatLnSpc="1">
-            <a:prstTxWarp prst="textNoShape">
-              <a:avLst/>
-            </a:prstTxWarp>
-            <a:normAutofit fontScale="97500"/>
+          <a:bodyPr anchor="ctr">
+            <a:normAutofit/>
           </a:bodyPr>
           <a:lstStyle/>
           <a:p>
-            <a:pPr marL="0" marR="0" lvl="0" indent="0" algn="ctr" defTabSz="914400" rtl="0" eaLnBrk="1" fontAlgn="auto" latinLnBrk="0" hangingPunct="1">
-              <a:lnSpc>
-                <a:spcPct val="100000"/>
-              </a:lnSpc>
-              <a:spcBef>
-                <a:spcPct val="0"/>
-              </a:spcBef>
-              <a:spcAft>
-                <a:spcPts val="0"/>
-              </a:spcAft>
-              <a:buClrTx/>
-              <a:buSzTx/>
-              <a:buFontTx/>
-              <a:buNone/>
-              <a:tabLst/>
-              <a:defRPr/>
-            </a:pPr>
-            <a:r>
-              <a:rPr lang="en-US" sz="4400" dirty="0" smtClean="0">
+            <a:pPr algn="ctr"/>
+            <a:r>
+              <a:rPr lang="en-US" sz="4300">
                 <a:solidFill>
-                  <a:srgbClr val="FFFFFF"/>
+                  <a:srgbClr val="8C2902"/>
                 </a:solidFill>
-                <a:latin typeface="+mj-lt"/>
-                <a:ea typeface="+mj-ea"/>
-                <a:cs typeface="+mj-cs"/>
+                <a:latin typeface="Candara" pitchFamily="34" charset="0"/>
               </a:rPr>
               <a:t>ENTIDADES DEL NEGOCIO</a:t>
             </a:r>
-            <a:endParaRPr kumimoji="0" lang="es-PE" sz="4400" b="0" i="0" u="none" strike="noStrike" kern="1200" cap="none" spc="0" normalizeH="0" baseline="0" noProof="0" dirty="0">
-              <a:ln>
-                <a:noFill/>
-              </a:ln>
+            <a:endParaRPr lang="es-PE" sz="4300">
               <a:solidFill>
-                <a:srgbClr val="FFFFFF"/>
+                <a:srgbClr val="8C2902"/>
               </a:solidFill>
-              <a:effectLst/>
-              <a:uLnTx/>
-              <a:uFillTx/>
-              <a:latin typeface="+mj-lt"/>
-              <a:ea typeface="+mj-ea"/>
-              <a:cs typeface="+mj-cs"/>
+              <a:latin typeface="Candara" pitchFamily="34" charset="0"/>
             </a:endParaRPr>
           </a:p>
         </p:txBody>
@@ -17249,7 +17098,7 @@
       </p:grpSpPr>
       <p:sp>
         <p:nvSpPr>
-          <p:cNvPr id="20481" name="2 Título"/>
+          <p:cNvPr id="30721" name="2 Título"/>
           <p:cNvSpPr>
             <a:spLocks noGrp="1"/>
           </p:cNvSpPr>
@@ -17269,14 +17118,14 @@
           <a:p>
             <a:pPr eaLnBrk="1" hangingPunct="1"/>
             <a:r>
-              <a:rPr lang="en-US" b="1" dirty="0" smtClean="0">
+              <a:rPr lang="en-US" b="1" smtClean="0">
                 <a:solidFill>
                   <a:schemeClr val="tx2"/>
                 </a:solidFill>
               </a:rPr>
               <a:t>DIAGRAMA DE CLASES DEL NEGOCIO</a:t>
             </a:r>
-            <a:endParaRPr lang="es-PE" b="1" dirty="0" smtClean="0">
+            <a:endParaRPr lang="es-PE" b="1" smtClean="0">
               <a:solidFill>
                 <a:schemeClr val="tx2"/>
               </a:solidFill>
@@ -17311,29 +17160,36 @@
       </p:grpSpPr>
       <p:sp>
         <p:nvSpPr>
-          <p:cNvPr id="2" name="1 CuadroTexto"/>
-          <p:cNvSpPr txBox="1"/>
+          <p:cNvPr id="31745" name="1 CuadroTexto"/>
+          <p:cNvSpPr txBox="1">
+            <a:spLocks noChangeArrowheads="1"/>
+          </p:cNvSpPr>
           <p:nvPr/>
         </p:nvSpPr>
-        <p:spPr>
+        <p:spPr bwMode="auto">
           <a:xfrm>
-            <a:off x="251520" y="1844824"/>
-            <a:ext cx="8640960" cy="1938992"/>
+            <a:off x="250825" y="1844675"/>
+            <a:ext cx="8642350" cy="1939925"/>
           </a:xfrm>
           <a:prstGeom prst="rect">
             <a:avLst/>
           </a:prstGeom>
           <a:noFill/>
+          <a:ln w="9525">
+            <a:noFill/>
+            <a:miter lim="800000"/>
+            <a:headEnd/>
+            <a:tailEnd/>
+          </a:ln>
         </p:spPr>
         <p:txBody>
-          <a:bodyPr wrap="square" rtlCol="0">
+          <a:bodyPr>
             <a:spAutoFit/>
           </a:bodyPr>
           <a:lstStyle/>
           <a:p>
-            <a:pPr lvl="0"/>
-            <a:r>
-              <a:rPr lang="es-PE" sz="2000" b="1" i="1" u="sng" dirty="0" smtClean="0">
+            <a:r>
+              <a:rPr lang="es-PE" sz="2000" b="1" i="1" u="sng">
                 <a:solidFill>
                   <a:schemeClr val="tx2"/>
                 </a:solidFill>
@@ -17342,7 +17198,7 @@
               <a:t>OBSERVACIÓN</a:t>
             </a:r>
             <a:r>
-              <a:rPr lang="es-PE" sz="2000" i="1" dirty="0" smtClean="0">
+              <a:rPr lang="es-PE" sz="2000" i="1">
                 <a:solidFill>
                   <a:schemeClr val="tx2"/>
                 </a:solidFill>
@@ -17350,53 +17206,21 @@
               </a:rPr>
               <a:t>: </a:t>
             </a:r>
-            <a:endParaRPr lang="es-PE" sz="2000" i="1" dirty="0" smtClean="0">
-              <a:solidFill>
-                <a:schemeClr val="tx2"/>
-              </a:solidFill>
-              <a:latin typeface="Candara" pitchFamily="34" charset="0"/>
-            </a:endParaRPr>
-          </a:p>
-          <a:p>
-            <a:pPr lvl="0"/>
-            <a:r>
-              <a:rPr lang="es-PE" sz="2000" i="1" dirty="0" smtClean="0">
+          </a:p>
+          <a:p>
+            <a:r>
+              <a:rPr lang="es-PE" sz="2000" i="1">
                 <a:solidFill>
                   <a:schemeClr val="tx2"/>
                 </a:solidFill>
                 <a:latin typeface="Candara" pitchFamily="34" charset="0"/>
               </a:rPr>
-              <a:t>La </a:t>
-            </a:r>
-            <a:r>
-              <a:rPr lang="es-PE" sz="2000" i="1" dirty="0" smtClean="0">
-                <a:solidFill>
-                  <a:schemeClr val="tx2"/>
-                </a:solidFill>
-                <a:latin typeface="Candara" pitchFamily="34" charset="0"/>
-              </a:rPr>
-              <a:t>entidades de negocio </a:t>
-            </a:r>
-            <a:r>
-              <a:rPr lang="es-PE" sz="2000" i="1" dirty="0" smtClean="0">
-                <a:solidFill>
-                  <a:schemeClr val="tx2"/>
-                </a:solidFill>
-                <a:latin typeface="Candara" pitchFamily="34" charset="0"/>
-              </a:rPr>
-              <a:t>no deben relacionarse entre si.</a:t>
-            </a:r>
-            <a:endParaRPr lang="es-PE" sz="2000" i="1" dirty="0" smtClean="0">
-              <a:solidFill>
-                <a:schemeClr val="tx2"/>
-              </a:solidFill>
-              <a:latin typeface="Candara" pitchFamily="34" charset="0"/>
-            </a:endParaRPr>
-          </a:p>
-          <a:p>
-            <a:pPr lvl="0"/>
-            <a:r>
-              <a:rPr lang="es-PE" sz="2000" b="1" i="1" dirty="0" smtClean="0">
+              <a:t>La entidades de negocio no deben relacionarse entre si.</a:t>
+            </a:r>
+          </a:p>
+          <a:p>
+            <a:r>
+              <a:rPr lang="es-PE" sz="2000" b="1" i="1">
                 <a:solidFill>
                   <a:schemeClr val="tx2"/>
                 </a:solidFill>
@@ -17405,25 +17229,16 @@
               <a:t>CC_EN005_Línea_Servicio</a:t>
             </a:r>
             <a:r>
-              <a:rPr lang="es-PE" sz="2000" i="1" dirty="0" smtClean="0">
+              <a:rPr lang="es-PE" sz="2000" i="1">
                 <a:solidFill>
                   <a:schemeClr val="tx2"/>
                 </a:solidFill>
                 <a:latin typeface="Candara" pitchFamily="34" charset="0"/>
               </a:rPr>
-              <a:t> </a:t>
-            </a:r>
-            <a:r>
-              <a:rPr lang="es-PE" sz="2000" i="1" dirty="0" smtClean="0">
-                <a:solidFill>
-                  <a:schemeClr val="tx2"/>
-                </a:solidFill>
-                <a:latin typeface="Candara" pitchFamily="34" charset="0"/>
-              </a:rPr>
-              <a:t>y </a:t>
-            </a:r>
-            <a:r>
-              <a:rPr lang="es-PE" sz="2000" b="1" i="1" dirty="0" smtClean="0">
+              <a:t> y </a:t>
+            </a:r>
+            <a:r>
+              <a:rPr lang="es-PE" sz="2000" b="1" i="1">
                 <a:solidFill>
                   <a:schemeClr val="tx2"/>
                 </a:solidFill>
@@ -17432,34 +17247,16 @@
               <a:t>CC_EN010_Servicio</a:t>
             </a:r>
             <a:r>
-              <a:rPr lang="es-PE" sz="2000" i="1" dirty="0" smtClean="0">
+              <a:rPr lang="es-PE" sz="2000" i="1">
                 <a:solidFill>
                   <a:schemeClr val="tx2"/>
                 </a:solidFill>
                 <a:latin typeface="Candara" pitchFamily="34" charset="0"/>
               </a:rPr>
-              <a:t> </a:t>
-            </a:r>
-            <a:r>
-              <a:rPr lang="es-PE" sz="2000" i="1" dirty="0" smtClean="0">
-                <a:solidFill>
-                  <a:schemeClr val="tx2"/>
-                </a:solidFill>
-                <a:latin typeface="Candara" pitchFamily="34" charset="0"/>
-              </a:rPr>
-              <a:t>deben apuntar </a:t>
-            </a:r>
-            <a:r>
-              <a:rPr lang="es-PE" sz="2000" i="1" dirty="0" smtClean="0">
-                <a:solidFill>
-                  <a:schemeClr val="tx2"/>
-                </a:solidFill>
-                <a:latin typeface="Candara" pitchFamily="34" charset="0"/>
-              </a:rPr>
-              <a:t>al </a:t>
-            </a:r>
-            <a:r>
-              <a:rPr lang="es-PE" sz="2000" b="1" i="1" dirty="0" smtClean="0">
+              <a:t> deben apuntar al </a:t>
+            </a:r>
+            <a:r>
+              <a:rPr lang="es-PE" sz="2000" b="1" i="1">
                 <a:solidFill>
                   <a:schemeClr val="tx2"/>
                 </a:solidFill>
@@ -17468,7 +17265,7 @@
               <a:t>CC_TN001_Jefe_Comercial</a:t>
             </a:r>
             <a:r>
-              <a:rPr lang="es-PE" sz="2000" i="1" dirty="0" smtClean="0">
+              <a:rPr lang="es-PE" sz="2000" i="1">
                 <a:solidFill>
                   <a:schemeClr val="tx2"/>
                 </a:solidFill>
@@ -17478,8 +17275,7 @@
             </a:r>
           </a:p>
           <a:p>
-            <a:pPr lvl="0"/>
-            <a:endParaRPr lang="en-US" sz="2000" b="1" i="1" u="sng" dirty="0" smtClean="0">
+            <a:endParaRPr lang="en-US" sz="2000" b="1" i="1" u="sng">
               <a:solidFill>
                 <a:srgbClr val="0070C0"/>
               </a:solidFill>
@@ -17488,7 +17284,7 @@
           </a:p>
           <a:p>
             <a:r>
-              <a:rPr lang="en-US" sz="2000" b="1" i="1" u="sng" dirty="0" smtClean="0">
+              <a:rPr lang="en-US" sz="2000" b="1" i="1" u="sng">
                 <a:solidFill>
                   <a:srgbClr val="0070C0"/>
                 </a:solidFill>
@@ -17497,7 +17293,7 @@
               <a:t>CORRECCIÓN</a:t>
             </a:r>
             <a:r>
-              <a:rPr lang="en-US" sz="2000" i="1" dirty="0" smtClean="0">
+              <a:rPr lang="en-US" sz="2000" i="1">
                 <a:solidFill>
                   <a:srgbClr val="0070C0"/>
                 </a:solidFill>
@@ -17505,7 +17301,7 @@
               </a:rPr>
               <a:t>:</a:t>
             </a:r>
-            <a:endParaRPr lang="en-US" sz="2000" b="1" i="1" dirty="0" smtClean="0">
+            <a:endParaRPr lang="en-US" sz="2000" b="1" i="1">
               <a:solidFill>
                 <a:srgbClr val="0070C0"/>
               </a:solidFill>
@@ -17539,33 +17335,19 @@
           </a:ln>
         </p:spPr>
         <p:txBody>
-          <a:bodyPr vert="horz" wrap="square" lIns="91440" tIns="45720" rIns="91440" bIns="45720" numCol="1" rtlCol="0" anchor="ctr" anchorCtr="0" compatLnSpc="1">
-            <a:prstTxWarp prst="textNoShape">
-              <a:avLst/>
-            </a:prstTxWarp>
+          <a:bodyPr anchor="ctr">
             <a:normAutofit fontScale="90000"/>
           </a:bodyPr>
           <a:lstStyle/>
           <a:p>
-            <a:pPr marL="0" marR="0" lvl="0" indent="0" algn="ctr" defTabSz="914400" rtl="0" eaLnBrk="1" fontAlgn="auto" latinLnBrk="0" hangingPunct="1">
-              <a:lnSpc>
-                <a:spcPct val="100000"/>
-              </a:lnSpc>
-              <a:spcBef>
-                <a:spcPct val="0"/>
-              </a:spcBef>
+            <a:pPr algn="ctr" fontAlgn="auto">
               <a:spcAft>
                 <a:spcPts val="0"/>
               </a:spcAft>
-              <a:buClrTx/>
-              <a:buSzTx/>
-              <a:buFontTx/>
-              <a:buNone/>
-              <a:tabLst/>
               <a:defRPr/>
             </a:pPr>
             <a:r>
-              <a:rPr lang="en-US" sz="4400" dirty="0" smtClean="0">
+              <a:rPr lang="en-US" sz="4400" dirty="0">
                 <a:solidFill>
                   <a:srgbClr val="FFFFFF"/>
                 </a:solidFill>
@@ -17575,16 +17357,10 @@
               </a:rPr>
               <a:t>DIAGRAMA DE CLASES DEL NEGOCIO</a:t>
             </a:r>
-            <a:endParaRPr kumimoji="0" lang="es-PE" sz="4400" b="0" i="0" u="none" strike="noStrike" kern="1200" cap="none" spc="0" normalizeH="0" baseline="0" noProof="0" dirty="0">
-              <a:ln>
-                <a:noFill/>
-              </a:ln>
+            <a:endParaRPr lang="es-PE" sz="4400" dirty="0">
               <a:solidFill>
                 <a:srgbClr val="FFFFFF"/>
               </a:solidFill>
-              <a:effectLst/>
-              <a:uLnTx/>
-              <a:uFillTx/>
               <a:latin typeface="+mj-lt"/>
               <a:ea typeface="+mj-ea"/>
               <a:cs typeface="+mj-cs"/>
@@ -17592,6 +17368,38 @@
           </a:p>
         </p:txBody>
       </p:sp>
+      <p:pic>
+        <p:nvPicPr>
+          <p:cNvPr id="31748" name="Picture 4"/>
+          <p:cNvPicPr>
+            <a:picLocks noChangeAspect="1" noChangeArrowheads="1"/>
+          </p:cNvPicPr>
+          <p:nvPr/>
+        </p:nvPicPr>
+        <p:blipFill>
+          <a:blip r:embed="rId2"/>
+          <a:srcRect/>
+          <a:stretch>
+            <a:fillRect/>
+          </a:stretch>
+        </p:blipFill>
+        <p:spPr bwMode="auto">
+          <a:xfrm>
+            <a:off x="2124075" y="3429000"/>
+            <a:ext cx="5256213" cy="3305175"/>
+          </a:xfrm>
+          <a:prstGeom prst="rect">
+            <a:avLst/>
+          </a:prstGeom>
+          <a:noFill/>
+          <a:ln w="9525">
+            <a:noFill/>
+            <a:miter lim="800000"/>
+            <a:headEnd/>
+            <a:tailEnd/>
+          </a:ln>
+        </p:spPr>
+      </p:pic>
     </p:spTree>
   </p:cSld>
   <p:clrMapOvr>
@@ -17619,7 +17427,7 @@
       </p:grpSpPr>
       <p:sp>
         <p:nvSpPr>
-          <p:cNvPr id="20481" name="2 Título"/>
+          <p:cNvPr id="32769" name="2 Título"/>
           <p:cNvSpPr>
             <a:spLocks noGrp="1"/>
           </p:cNvSpPr>
@@ -17676,7 +17484,7 @@
       </p:grpSpPr>
       <p:sp>
         <p:nvSpPr>
-          <p:cNvPr id="23553" name="2 Título"/>
+          <p:cNvPr id="33793" name="2 Título"/>
           <p:cNvSpPr>
             <a:spLocks noGrp="1"/>
           </p:cNvSpPr>
@@ -17691,7 +17499,7 @@
           <a:p>
             <a:pPr eaLnBrk="1" hangingPunct="1"/>
             <a:r>
-              <a:rPr lang="es-PE" dirty="0" smtClean="0"/>
+              <a:rPr lang="es-PE" smtClean="0"/>
               <a:t>REQUERIMIENTOS FUNCIONALES</a:t>
             </a:r>
           </a:p>
@@ -17706,8 +17514,8 @@
           <p:nvPr/>
         </p:nvGraphicFramePr>
         <p:xfrm>
-          <a:off x="323850" y="2564904"/>
-          <a:ext cx="8568630" cy="2163928"/>
+          <a:off x="323850" y="2565400"/>
+          <a:ext cx="8569325" cy="2163763"/>
         </p:xfrm>
         <a:graphic>
           <a:graphicData uri="http://schemas.openxmlformats.org/drawingml/2006/table">
@@ -17962,29 +17770,36 @@
       </p:graphicFrame>
       <p:sp>
         <p:nvSpPr>
-          <p:cNvPr id="4" name="3 CuadroTexto"/>
-          <p:cNvSpPr txBox="1"/>
+          <p:cNvPr id="33802" name="3 CuadroTexto"/>
+          <p:cNvSpPr txBox="1">
+            <a:spLocks noChangeArrowheads="1"/>
+          </p:cNvSpPr>
           <p:nvPr/>
         </p:nvSpPr>
-        <p:spPr>
+        <p:spPr bwMode="auto">
           <a:xfrm>
-            <a:off x="251520" y="1844824"/>
-            <a:ext cx="8640960" cy="707886"/>
+            <a:off x="250825" y="1844675"/>
+            <a:ext cx="8642350" cy="708025"/>
           </a:xfrm>
           <a:prstGeom prst="rect">
             <a:avLst/>
           </a:prstGeom>
           <a:noFill/>
+          <a:ln w="9525">
+            <a:noFill/>
+            <a:miter lim="800000"/>
+            <a:headEnd/>
+            <a:tailEnd/>
+          </a:ln>
         </p:spPr>
         <p:txBody>
-          <a:bodyPr wrap="square" rtlCol="0">
+          <a:bodyPr>
             <a:spAutoFit/>
           </a:bodyPr>
           <a:lstStyle/>
           <a:p>
-            <a:pPr lvl="0"/>
-            <a:r>
-              <a:rPr lang="es-PE" sz="2000" b="1" i="1" u="sng" dirty="0" smtClean="0">
+            <a:r>
+              <a:rPr lang="es-PE" sz="2000" b="1" i="1" u="sng">
                 <a:solidFill>
                   <a:schemeClr val="tx2"/>
                 </a:solidFill>
@@ -17993,7 +17808,7 @@
               <a:t>OBSERVACIÓN</a:t>
             </a:r>
             <a:r>
-              <a:rPr lang="es-PE" sz="2000" i="1" dirty="0" smtClean="0">
+              <a:rPr lang="es-PE" sz="2000" i="1">
                 <a:solidFill>
                   <a:schemeClr val="tx2"/>
                 </a:solidFill>
@@ -18001,17 +17816,10 @@
               </a:rPr>
               <a:t>: </a:t>
             </a:r>
-            <a:endParaRPr lang="es-PE" sz="2000" i="1" dirty="0" smtClean="0">
-              <a:solidFill>
-                <a:schemeClr val="tx2"/>
-              </a:solidFill>
-              <a:latin typeface="Candara" pitchFamily="34" charset="0"/>
-            </a:endParaRPr>
-          </a:p>
-          <a:p>
-            <a:pPr lvl="0"/>
-            <a:r>
-              <a:rPr lang="es-PE" sz="2000" i="1" dirty="0" smtClean="0">
+          </a:p>
+          <a:p>
+            <a:r>
+              <a:rPr lang="es-PE" sz="2000" i="1">
                 <a:solidFill>
                   <a:schemeClr val="tx2"/>
                 </a:solidFill>
@@ -18024,29 +17832,36 @@
       </p:sp>
       <p:sp>
         <p:nvSpPr>
-          <p:cNvPr id="5" name="4 CuadroTexto"/>
-          <p:cNvSpPr txBox="1"/>
+          <p:cNvPr id="33803" name="4 CuadroTexto"/>
+          <p:cNvSpPr txBox="1">
+            <a:spLocks noChangeArrowheads="1"/>
+          </p:cNvSpPr>
           <p:nvPr/>
         </p:nvSpPr>
-        <p:spPr>
+        <p:spPr bwMode="auto">
           <a:xfrm>
-            <a:off x="251520" y="5013176"/>
-            <a:ext cx="8640960" cy="1692771"/>
+            <a:off x="250825" y="5013325"/>
+            <a:ext cx="8642350" cy="1692275"/>
           </a:xfrm>
           <a:prstGeom prst="rect">
             <a:avLst/>
           </a:prstGeom>
           <a:noFill/>
+          <a:ln w="9525">
+            <a:noFill/>
+            <a:miter lim="800000"/>
+            <a:headEnd/>
+            <a:tailEnd/>
+          </a:ln>
         </p:spPr>
         <p:txBody>
-          <a:bodyPr wrap="square" rtlCol="0">
+          <a:bodyPr>
             <a:spAutoFit/>
           </a:bodyPr>
           <a:lstStyle/>
           <a:p>
-            <a:pPr lvl="0"/>
-            <a:r>
-              <a:rPr lang="es-PE" sz="2000" b="1" i="1" u="sng" dirty="0" smtClean="0">
+            <a:r>
+              <a:rPr lang="es-PE" sz="2000" b="1" i="1" u="sng">
                 <a:solidFill>
                   <a:srgbClr val="0070C0"/>
                 </a:solidFill>
@@ -18055,7 +17870,7 @@
               <a:t>CORRECCIÓN</a:t>
             </a:r>
             <a:r>
-              <a:rPr lang="es-PE" sz="2000" i="1" dirty="0" smtClean="0">
+              <a:rPr lang="es-PE" sz="2000" i="1">
                 <a:solidFill>
                   <a:srgbClr val="0070C0"/>
                 </a:solidFill>
@@ -18065,71 +17880,16 @@
             </a:r>
           </a:p>
           <a:p>
-            <a:pPr lvl="0"/>
-            <a:r>
-              <a:rPr lang="en-US" sz="2000" i="1" dirty="0" smtClean="0">
+            <a:r>
+              <a:rPr lang="en-US" sz="2000" i="1">
                 <a:solidFill>
                   <a:srgbClr val="0070C0"/>
                 </a:solidFill>
                 <a:latin typeface="Candara" pitchFamily="34" charset="0"/>
               </a:rPr>
-              <a:t>Se </a:t>
-            </a:r>
-            <a:r>
-              <a:rPr lang="en-US" sz="2000" i="1" dirty="0" err="1" smtClean="0">
-                <a:solidFill>
-                  <a:srgbClr val="0070C0"/>
-                </a:solidFill>
-                <a:latin typeface="Candara" pitchFamily="34" charset="0"/>
-              </a:rPr>
-              <a:t>encapsuló</a:t>
-            </a:r>
-            <a:r>
-              <a:rPr lang="en-US" sz="2000" i="1" dirty="0" smtClean="0">
-                <a:solidFill>
-                  <a:srgbClr val="0070C0"/>
-                </a:solidFill>
-                <a:latin typeface="Candara" pitchFamily="34" charset="0"/>
-              </a:rPr>
-              <a:t> en un solo </a:t>
-            </a:r>
-            <a:r>
-              <a:rPr lang="en-US" sz="2000" i="1" dirty="0" err="1" smtClean="0">
-                <a:solidFill>
-                  <a:srgbClr val="0070C0"/>
-                </a:solidFill>
-                <a:latin typeface="Candara" pitchFamily="34" charset="0"/>
-              </a:rPr>
-              <a:t>requerimiento</a:t>
-            </a:r>
-            <a:r>
-              <a:rPr lang="en-US" sz="2000" i="1" dirty="0" smtClean="0">
-                <a:solidFill>
-                  <a:srgbClr val="0070C0"/>
-                </a:solidFill>
-                <a:latin typeface="Candara" pitchFamily="34" charset="0"/>
-              </a:rPr>
-              <a:t> </a:t>
-            </a:r>
-            <a:r>
-              <a:rPr lang="en-US" sz="2000" i="1" dirty="0" err="1" smtClean="0">
-                <a:solidFill>
-                  <a:srgbClr val="0070C0"/>
-                </a:solidFill>
-                <a:latin typeface="Candara" pitchFamily="34" charset="0"/>
-              </a:rPr>
-              <a:t>funcional</a:t>
-            </a:r>
-            <a:r>
-              <a:rPr lang="en-US" sz="2000" i="1" dirty="0" smtClean="0">
-                <a:solidFill>
-                  <a:srgbClr val="0070C0"/>
-                </a:solidFill>
-                <a:latin typeface="Candara" pitchFamily="34" charset="0"/>
-              </a:rPr>
-              <a:t>:</a:t>
-            </a:r>
-            <a:endParaRPr lang="es-PE" sz="2000" i="1" dirty="0" smtClean="0">
+              <a:t>Se encapsuló en un solo requerimiento funcional:</a:t>
+            </a:r>
+            <a:endParaRPr lang="es-PE" sz="2000" i="1">
               <a:solidFill>
                 <a:srgbClr val="0070C0"/>
               </a:solidFill>
@@ -18137,7 +17897,7 @@
             </a:endParaRPr>
           </a:p>
           <a:p>
-            <a:pPr lvl="0" eaLnBrk="0" hangingPunct="0">
+            <a:pPr eaLnBrk="0" hangingPunct="0">
               <a:spcBef>
                 <a:spcPct val="20000"/>
               </a:spcBef>
@@ -18147,7 +17907,7 @@
               <a:buSzPct val="100000"/>
             </a:pPr>
             <a:r>
-              <a:rPr lang="es-PE" sz="2000" b="1" i="1" dirty="0" smtClean="0">
+              <a:rPr lang="es-PE" sz="2000" b="1" i="1">
                 <a:solidFill>
                   <a:srgbClr val="0070C0"/>
                 </a:solidFill>
@@ -18159,29 +17919,14 @@
           <a:p>
             <a:pPr algn="just"/>
             <a:r>
-              <a:rPr lang="es-PE" sz="2000" i="1" dirty="0" smtClean="0">
+              <a:rPr lang="es-PE" sz="2000" i="1">
                 <a:solidFill>
                   <a:srgbClr val="0070C0"/>
                 </a:solidFill>
                 <a:latin typeface="Candara" pitchFamily="34" charset="0"/>
               </a:rPr>
-              <a:t>El sistema debe permitir crear nuevos contratos, eliminar, modificar y consultar la información de los contratos</a:t>
-            </a:r>
-            <a:r>
-              <a:rPr lang="es-PE" sz="2000" i="1" dirty="0" smtClean="0">
-                <a:solidFill>
-                  <a:srgbClr val="0070C0"/>
-                </a:solidFill>
-                <a:latin typeface="Candara" pitchFamily="34" charset="0"/>
-              </a:rPr>
-              <a:t>.</a:t>
-            </a:r>
-            <a:endParaRPr lang="es-PE" sz="2000" i="1" dirty="0" smtClean="0">
-              <a:solidFill>
-                <a:srgbClr val="0070C0"/>
-              </a:solidFill>
-              <a:latin typeface="Candara" pitchFamily="34" charset="0"/>
-            </a:endParaRPr>
+              <a:t>El sistema debe permitir crear nuevos contratos, eliminar, modificar y consultar la información de los contratos.</a:t>
+            </a:r>
           </a:p>
         </p:txBody>
       </p:sp>
@@ -18219,7 +17964,7 @@
       </p:grpSpPr>
       <p:sp>
         <p:nvSpPr>
-          <p:cNvPr id="18433" name="2 Título"/>
+          <p:cNvPr id="16385" name="2 Título"/>
           <p:cNvSpPr>
             <a:spLocks noGrp="1"/>
           </p:cNvSpPr>
@@ -18239,20 +17984,12 @@
           <a:p>
             <a:pPr eaLnBrk="1" hangingPunct="1"/>
             <a:r>
-              <a:rPr lang="es-PE" b="1" dirty="0" smtClean="0">
+              <a:rPr lang="es-PE" b="1" smtClean="0">
                 <a:solidFill>
                   <a:schemeClr val="tx2"/>
                 </a:solidFill>
               </a:rPr>
-              <a:t>CORRECCIONES </a:t>
-            </a:r>
-            <a:r>
-              <a:rPr lang="es-PE" b="1" dirty="0" smtClean="0">
-                <a:solidFill>
-                  <a:schemeClr val="tx2"/>
-                </a:solidFill>
-              </a:rPr>
-              <a:t>AL ENTREGABLE ANTERIOR</a:t>
+              <a:t>CORRECCIONES AL ENTREGABLE ANTERIOR</a:t>
             </a:r>
           </a:p>
         </p:txBody>
@@ -18284,7 +18021,7 @@
       </p:grpSpPr>
       <p:sp>
         <p:nvSpPr>
-          <p:cNvPr id="20481" name="2 Título"/>
+          <p:cNvPr id="35841" name="2 Título"/>
           <p:cNvSpPr>
             <a:spLocks noGrp="1"/>
           </p:cNvSpPr>
@@ -18304,26 +18041,13 @@
           <a:p>
             <a:pPr eaLnBrk="1" hangingPunct="1"/>
             <a:r>
-              <a:rPr lang="es-PE" b="1" dirty="0" smtClean="0">
+              <a:rPr lang="es-PE" b="1" smtClean="0">
                 <a:solidFill>
                   <a:schemeClr val="tx2"/>
                 </a:solidFill>
               </a:rPr>
-              <a:t>REQUERIMIENTOS </a:t>
-            </a:r>
-            <a:r>
-              <a:rPr lang="es-PE" b="1" dirty="0" smtClean="0">
-                <a:solidFill>
-                  <a:schemeClr val="tx2"/>
-                </a:solidFill>
-              </a:rPr>
-              <a:t>NO FUNCIONALES</a:t>
-            </a:r>
-            <a:endParaRPr lang="es-PE" b="1" dirty="0" smtClean="0">
-              <a:solidFill>
-                <a:schemeClr val="tx2"/>
-              </a:solidFill>
-            </a:endParaRPr>
+              <a:t>REQUERIMIENTOS NO FUNCIONALES</a:t>
+            </a:r>
           </a:p>
         </p:txBody>
       </p:sp>
@@ -18396,8 +18120,8 @@
           <p:nvPr/>
         </p:nvGraphicFramePr>
         <p:xfrm>
-          <a:off x="323850" y="2564904"/>
-          <a:ext cx="8568630" cy="2029976"/>
+          <a:off x="323850" y="2565400"/>
+          <a:ext cx="8569325" cy="2028825"/>
         </p:xfrm>
         <a:graphic>
           <a:graphicData uri="http://schemas.openxmlformats.org/drawingml/2006/table">
@@ -18445,18 +18169,6 @@
                         </a:rPr>
                         <a:t>RNF_004_Disponibilidad_del_sistema</a:t>
                       </a:r>
-                      <a:endParaRPr kumimoji="0" lang="es-PE" sz="2000" b="1" i="1" u="none" strike="noStrike" kern="1200" cap="none" normalizeH="0" baseline="0" dirty="0" smtClean="0">
-                        <a:ln>
-                          <a:noFill/>
-                        </a:ln>
-                        <a:solidFill>
-                          <a:schemeClr val="tx2"/>
-                        </a:solidFill>
-                        <a:effectLst/>
-                        <a:latin typeface="Candara" pitchFamily="34" charset="0"/>
-                        <a:ea typeface="+mn-ea"/>
-                        <a:cs typeface="+mn-cs"/>
-                      </a:endParaRPr>
                     </a:p>
                     <a:p>
                       <a:pPr marL="0" marR="0" lvl="1" indent="0" algn="just" defTabSz="914400" rtl="0" eaLnBrk="1" fontAlgn="auto" latinLnBrk="0" hangingPunct="1">
@@ -18711,29 +18423,36 @@
       </p:graphicFrame>
       <p:sp>
         <p:nvSpPr>
-          <p:cNvPr id="4" name="3 CuadroTexto"/>
-          <p:cNvSpPr txBox="1"/>
+          <p:cNvPr id="36874" name="3 CuadroTexto"/>
+          <p:cNvSpPr txBox="1">
+            <a:spLocks noChangeArrowheads="1"/>
+          </p:cNvSpPr>
           <p:nvPr/>
         </p:nvSpPr>
-        <p:spPr>
+        <p:spPr bwMode="auto">
           <a:xfrm>
-            <a:off x="251520" y="1844824"/>
-            <a:ext cx="8640960" cy="707886"/>
+            <a:off x="250825" y="1844675"/>
+            <a:ext cx="8642350" cy="708025"/>
           </a:xfrm>
           <a:prstGeom prst="rect">
             <a:avLst/>
           </a:prstGeom>
           <a:noFill/>
+          <a:ln w="9525">
+            <a:noFill/>
+            <a:miter lim="800000"/>
+            <a:headEnd/>
+            <a:tailEnd/>
+          </a:ln>
         </p:spPr>
         <p:txBody>
-          <a:bodyPr wrap="square" rtlCol="0">
+          <a:bodyPr>
             <a:spAutoFit/>
           </a:bodyPr>
           <a:lstStyle/>
           <a:p>
-            <a:pPr lvl="0"/>
-            <a:r>
-              <a:rPr lang="es-PE" sz="2000" b="1" i="1" u="sng" dirty="0" smtClean="0">
+            <a:r>
+              <a:rPr lang="es-PE" sz="2000" b="1" i="1" u="sng">
                 <a:solidFill>
                   <a:schemeClr val="tx2"/>
                 </a:solidFill>
@@ -18742,7 +18461,7 @@
               <a:t>OBSERVACIÓN</a:t>
             </a:r>
             <a:r>
-              <a:rPr lang="es-PE" sz="2000" i="1" dirty="0" smtClean="0">
+              <a:rPr lang="es-PE" sz="2000" i="1">
                 <a:solidFill>
                   <a:schemeClr val="tx2"/>
                 </a:solidFill>
@@ -18750,17 +18469,10 @@
               </a:rPr>
               <a:t>: </a:t>
             </a:r>
-            <a:endParaRPr lang="es-PE" sz="2000" i="1" dirty="0" smtClean="0">
-              <a:solidFill>
-                <a:schemeClr val="tx2"/>
-              </a:solidFill>
-              <a:latin typeface="Candara" pitchFamily="34" charset="0"/>
-            </a:endParaRPr>
-          </a:p>
-          <a:p>
-            <a:pPr lvl="0"/>
-            <a:r>
-              <a:rPr lang="es-PE" sz="2000" i="1" dirty="0" smtClean="0">
+          </a:p>
+          <a:p>
+            <a:r>
+              <a:rPr lang="es-PE" sz="2000" i="1">
                 <a:solidFill>
                   <a:schemeClr val="tx2"/>
                 </a:solidFill>
@@ -18773,29 +18485,36 @@
       </p:sp>
       <p:sp>
         <p:nvSpPr>
-          <p:cNvPr id="5" name="4 CuadroTexto"/>
-          <p:cNvSpPr txBox="1"/>
+          <p:cNvPr id="36875" name="4 CuadroTexto"/>
+          <p:cNvSpPr txBox="1">
+            <a:spLocks noChangeArrowheads="1"/>
+          </p:cNvSpPr>
           <p:nvPr/>
         </p:nvSpPr>
-        <p:spPr>
+        <p:spPr bwMode="auto">
           <a:xfrm>
-            <a:off x="251520" y="4797152"/>
-            <a:ext cx="8640960" cy="1815882"/>
+            <a:off x="250825" y="4797425"/>
+            <a:ext cx="8642350" cy="1816100"/>
           </a:xfrm>
           <a:prstGeom prst="rect">
             <a:avLst/>
           </a:prstGeom>
           <a:noFill/>
+          <a:ln w="9525">
+            <a:noFill/>
+            <a:miter lim="800000"/>
+            <a:headEnd/>
+            <a:tailEnd/>
+          </a:ln>
         </p:spPr>
         <p:txBody>
-          <a:bodyPr wrap="square" rtlCol="0">
+          <a:bodyPr>
             <a:spAutoFit/>
           </a:bodyPr>
           <a:lstStyle/>
           <a:p>
-            <a:pPr lvl="0"/>
-            <a:r>
-              <a:rPr lang="es-PE" sz="2000" b="1" i="1" u="sng" dirty="0" smtClean="0">
+            <a:r>
+              <a:rPr lang="es-PE" sz="2000" b="1" i="1" u="sng">
                 <a:solidFill>
                   <a:srgbClr val="0070C0"/>
                 </a:solidFill>
@@ -18804,7 +18523,7 @@
               <a:t>CORRECCIÓN</a:t>
             </a:r>
             <a:r>
-              <a:rPr lang="es-PE" sz="2000" i="1" dirty="0" smtClean="0">
+              <a:rPr lang="es-PE" sz="2000" i="1">
                 <a:solidFill>
                   <a:srgbClr val="0070C0"/>
                 </a:solidFill>
@@ -18814,7 +18533,7 @@
             </a:r>
           </a:p>
           <a:p>
-            <a:pPr lvl="0" eaLnBrk="0" hangingPunct="0">
+            <a:pPr eaLnBrk="0" hangingPunct="0">
               <a:spcBef>
                 <a:spcPct val="20000"/>
               </a:spcBef>
@@ -18824,7 +18543,7 @@
               <a:buSzPct val="100000"/>
             </a:pPr>
             <a:r>
-              <a:rPr lang="es-PE" sz="2000" b="1" i="1" dirty="0" smtClean="0">
+              <a:rPr lang="es-PE" sz="2000" b="1" i="1">
                 <a:solidFill>
                   <a:srgbClr val="0070C0"/>
                 </a:solidFill>
@@ -18834,72 +18553,19 @@
             </a:r>
           </a:p>
           <a:p>
-            <a:pPr marL="0" lvl="1" algn="just" fontAlgn="auto">
-              <a:spcBef>
-                <a:spcPts val="0"/>
-              </a:spcBef>
-              <a:spcAft>
-                <a:spcPts val="0"/>
-              </a:spcAft>
-              <a:defRPr/>
-            </a:pPr>
-            <a:r>
-              <a:rPr lang="es-PE" sz="2000" i="1" dirty="0" smtClean="0">
+            <a:pPr marL="0" lvl="1" algn="just"/>
+            <a:r>
+              <a:rPr lang="es-PE" sz="2000" i="1">
                 <a:solidFill>
                   <a:srgbClr val="0070C0"/>
                 </a:solidFill>
                 <a:latin typeface="Candara" pitchFamily="34" charset="0"/>
               </a:rPr>
-              <a:t>El sistema estará disponible al </a:t>
-            </a:r>
-            <a:r>
-              <a:rPr lang="es-PE" sz="2000" i="1" dirty="0" smtClean="0">
-                <a:solidFill>
-                  <a:srgbClr val="0070C0"/>
-                </a:solidFill>
-                <a:latin typeface="Candara" pitchFamily="34" charset="0"/>
-              </a:rPr>
-              <a:t>99% </a:t>
-            </a:r>
-            <a:r>
-              <a:rPr lang="es-PE" sz="2000" i="1" dirty="0" smtClean="0">
-                <a:solidFill>
-                  <a:srgbClr val="0070C0"/>
-                </a:solidFill>
-                <a:latin typeface="Candara" pitchFamily="34" charset="0"/>
-              </a:rPr>
-              <a:t>entre las </a:t>
-            </a:r>
-            <a:r>
-              <a:rPr lang="es-PE" sz="2000" i="1" dirty="0" smtClean="0">
-                <a:solidFill>
-                  <a:srgbClr val="0070C0"/>
-                </a:solidFill>
-                <a:latin typeface="Candara" pitchFamily="34" charset="0"/>
-              </a:rPr>
-              <a:t>9:00 </a:t>
-            </a:r>
-            <a:r>
-              <a:rPr lang="es-PE" sz="2000" i="1" dirty="0" smtClean="0">
-                <a:solidFill>
-                  <a:srgbClr val="0070C0"/>
-                </a:solidFill>
-                <a:latin typeface="Candara" pitchFamily="34" charset="0"/>
-              </a:rPr>
-              <a:t>am y las </a:t>
-            </a:r>
-            <a:r>
-              <a:rPr lang="es-PE" sz="2000" i="1" dirty="0" smtClean="0">
-                <a:solidFill>
-                  <a:srgbClr val="0070C0"/>
-                </a:solidFill>
-                <a:latin typeface="Candara" pitchFamily="34" charset="0"/>
-              </a:rPr>
-              <a:t>6:00 pm</a:t>
-            </a:r>
-          </a:p>
-          <a:p>
-            <a:pPr lvl="0" eaLnBrk="0" hangingPunct="0">
+              <a:t>El sistema estará disponible al 99% entre las 9:00 am y las 6:00 pm</a:t>
+            </a:r>
+          </a:p>
+          <a:p>
+            <a:pPr eaLnBrk="0" hangingPunct="0">
               <a:spcBef>
                 <a:spcPct val="20000"/>
               </a:spcBef>
@@ -18909,7 +18575,7 @@
               <a:buSzPct val="100000"/>
             </a:pPr>
             <a:r>
-              <a:rPr lang="es-PE" sz="2000" b="1" i="1" dirty="0" smtClean="0">
+              <a:rPr lang="es-PE" sz="2000" b="1" i="1">
                 <a:solidFill>
                   <a:srgbClr val="0070C0"/>
                 </a:solidFill>
@@ -18919,7 +18585,7 @@
             </a:r>
           </a:p>
           <a:p>
-            <a:pPr lvl="0" eaLnBrk="0" hangingPunct="0">
+            <a:pPr eaLnBrk="0" hangingPunct="0">
               <a:spcBef>
                 <a:spcPct val="20000"/>
               </a:spcBef>
@@ -18929,87 +18595,15 @@
               <a:buSzPct val="100000"/>
             </a:pPr>
             <a:r>
-              <a:rPr lang="en-US" sz="2000" i="1" dirty="0" smtClean="0">
+              <a:rPr lang="en-US" sz="2000" i="1">
                 <a:solidFill>
                   <a:srgbClr val="0070C0"/>
                 </a:solidFill>
                 <a:latin typeface="Candara" pitchFamily="34" charset="0"/>
               </a:rPr>
-              <a:t>Este </a:t>
-            </a:r>
-            <a:r>
-              <a:rPr lang="en-US" sz="2000" i="1" dirty="0" err="1" smtClean="0">
-                <a:solidFill>
-                  <a:srgbClr val="0070C0"/>
-                </a:solidFill>
-                <a:latin typeface="Candara" pitchFamily="34" charset="0"/>
-              </a:rPr>
-              <a:t>es</a:t>
-            </a:r>
-            <a:r>
-              <a:rPr lang="en-US" sz="2000" i="1" dirty="0" smtClean="0">
-                <a:solidFill>
-                  <a:srgbClr val="0070C0"/>
-                </a:solidFill>
-                <a:latin typeface="Candara" pitchFamily="34" charset="0"/>
-              </a:rPr>
-              <a:t> un </a:t>
-            </a:r>
-            <a:r>
-              <a:rPr lang="en-US" sz="2000" i="1" dirty="0" err="1" smtClean="0">
-                <a:solidFill>
-                  <a:srgbClr val="0070C0"/>
-                </a:solidFill>
-                <a:latin typeface="Candara" pitchFamily="34" charset="0"/>
-              </a:rPr>
-              <a:t>requerimiento</a:t>
-            </a:r>
-            <a:r>
-              <a:rPr lang="en-US" sz="2000" i="1" dirty="0" smtClean="0">
-                <a:solidFill>
-                  <a:srgbClr val="0070C0"/>
-                </a:solidFill>
-                <a:latin typeface="Candara" pitchFamily="34" charset="0"/>
-              </a:rPr>
-              <a:t> no </a:t>
-            </a:r>
-            <a:r>
-              <a:rPr lang="en-US" sz="2000" i="1" dirty="0" err="1" smtClean="0">
-                <a:solidFill>
-                  <a:srgbClr val="0070C0"/>
-                </a:solidFill>
-                <a:latin typeface="Candara" pitchFamily="34" charset="0"/>
-              </a:rPr>
-              <a:t>funcional</a:t>
-            </a:r>
-            <a:r>
-              <a:rPr lang="en-US" sz="2000" i="1" dirty="0" smtClean="0">
-                <a:solidFill>
-                  <a:srgbClr val="0070C0"/>
-                </a:solidFill>
-                <a:latin typeface="Candara" pitchFamily="34" charset="0"/>
-              </a:rPr>
-              <a:t> de </a:t>
-            </a:r>
-            <a:r>
-              <a:rPr lang="en-US" sz="2000" i="1" dirty="0" err="1" smtClean="0">
-                <a:solidFill>
-                  <a:srgbClr val="0070C0"/>
-                </a:solidFill>
-                <a:latin typeface="Candara" pitchFamily="34" charset="0"/>
-              </a:rPr>
-              <a:t>Rendimiento</a:t>
-            </a:r>
-            <a:r>
-              <a:rPr lang="en-US" sz="2000" i="1" dirty="0" smtClean="0">
-                <a:solidFill>
-                  <a:srgbClr val="0070C0"/>
-                </a:solidFill>
-                <a:latin typeface="Candara" pitchFamily="34" charset="0"/>
-              </a:rPr>
-              <a:t>.</a:t>
-            </a:r>
-            <a:endParaRPr lang="es-PE" sz="2000" i="1" dirty="0" smtClean="0">
+              <a:t>Este es un requerimiento no funcional de Rendimiento.</a:t>
+            </a:r>
+            <a:endParaRPr lang="es-PE" sz="2000" i="1">
               <a:solidFill>
                 <a:srgbClr val="0070C0"/>
               </a:solidFill>
@@ -19052,7 +18646,7 @@
       </p:grpSpPr>
       <p:sp>
         <p:nvSpPr>
-          <p:cNvPr id="36865" name="2 Título"/>
+          <p:cNvPr id="38913" name="2 Título"/>
           <p:cNvSpPr>
             <a:spLocks noGrp="1"/>
           </p:cNvSpPr>
@@ -19254,229 +18848,16 @@
       </p:sp>
       <p:sp>
         <p:nvSpPr>
-          <p:cNvPr id="6" name="5 CuadroTexto"/>
-          <p:cNvSpPr txBox="1"/>
+          <p:cNvPr id="39938" name="5 CuadroTexto"/>
+          <p:cNvSpPr txBox="1">
+            <a:spLocks noChangeArrowheads="1"/>
+          </p:cNvSpPr>
           <p:nvPr/>
         </p:nvSpPr>
-        <p:spPr>
-          <a:xfrm>
-            <a:off x="251520" y="1844824"/>
-            <a:ext cx="8640960" cy="1631216"/>
-          </a:xfrm>
-          <a:prstGeom prst="rect">
-            <a:avLst/>
-          </a:prstGeom>
-          <a:noFill/>
-        </p:spPr>
-        <p:txBody>
-          <a:bodyPr wrap="square" rtlCol="0">
-            <a:spAutoFit/>
-          </a:bodyPr>
-          <a:lstStyle/>
-          <a:p>
-            <a:pPr lvl="0"/>
-            <a:r>
-              <a:rPr lang="es-PE" sz="2000" b="1" i="1" u="sng" dirty="0" smtClean="0">
-                <a:solidFill>
-                  <a:schemeClr val="tx2"/>
-                </a:solidFill>
-                <a:latin typeface="Candara" pitchFamily="34" charset="0"/>
-              </a:rPr>
-              <a:t>OBSERVACIÓN</a:t>
-            </a:r>
-            <a:r>
-              <a:rPr lang="es-PE" sz="2000" i="1" dirty="0" smtClean="0">
-                <a:solidFill>
-                  <a:schemeClr val="tx2"/>
-                </a:solidFill>
-                <a:latin typeface="Candara" pitchFamily="34" charset="0"/>
-              </a:rPr>
-              <a:t>: </a:t>
-            </a:r>
-            <a:endParaRPr lang="es-PE" sz="2000" i="1" dirty="0" smtClean="0">
-              <a:solidFill>
-                <a:schemeClr val="tx2"/>
-              </a:solidFill>
-              <a:latin typeface="Candara" pitchFamily="34" charset="0"/>
-            </a:endParaRPr>
-          </a:p>
-          <a:p>
-            <a:pPr lvl="0"/>
-            <a:r>
-              <a:rPr lang="es-PE" sz="2000" i="1" dirty="0" smtClean="0">
-                <a:solidFill>
-                  <a:schemeClr val="tx2"/>
-                </a:solidFill>
-                <a:latin typeface="Candara" pitchFamily="34" charset="0"/>
-              </a:rPr>
-              <a:t>Unir los paquetes </a:t>
-            </a:r>
-            <a:r>
-              <a:rPr lang="es-PE" sz="2000" b="1" i="1" dirty="0" smtClean="0">
-                <a:solidFill>
-                  <a:schemeClr val="tx2"/>
-                </a:solidFill>
-                <a:latin typeface="Candara" pitchFamily="34" charset="0"/>
-              </a:rPr>
-              <a:t>Solicitud de Contrato</a:t>
-            </a:r>
-            <a:r>
-              <a:rPr lang="es-PE" sz="2000" i="1" dirty="0" smtClean="0">
-                <a:solidFill>
-                  <a:schemeClr val="tx2"/>
-                </a:solidFill>
-                <a:latin typeface="Candara" pitchFamily="34" charset="0"/>
-              </a:rPr>
-              <a:t> y </a:t>
-            </a:r>
-            <a:r>
-              <a:rPr lang="es-PE" sz="2000" b="1" i="1" dirty="0" smtClean="0">
-                <a:solidFill>
-                  <a:schemeClr val="tx2"/>
-                </a:solidFill>
-                <a:latin typeface="Candara" pitchFamily="34" charset="0"/>
-              </a:rPr>
-              <a:t>Evaluación de Contrato.</a:t>
-            </a:r>
-          </a:p>
-          <a:p>
-            <a:endParaRPr lang="en-US" sz="2000" b="1" i="1" u="sng" dirty="0" smtClean="0">
-              <a:solidFill>
-                <a:srgbClr val="0070C0"/>
-              </a:solidFill>
-              <a:latin typeface="Candara" pitchFamily="34" charset="0"/>
-            </a:endParaRPr>
-          </a:p>
-          <a:p>
-            <a:r>
-              <a:rPr lang="en-US" sz="2000" b="1" i="1" u="sng" dirty="0" smtClean="0">
-                <a:solidFill>
-                  <a:srgbClr val="0070C0"/>
-                </a:solidFill>
-                <a:latin typeface="Candara" pitchFamily="34" charset="0"/>
-              </a:rPr>
-              <a:t>CORRECCIÓN</a:t>
-            </a:r>
-            <a:r>
-              <a:rPr lang="en-US" sz="2000" i="1" dirty="0" smtClean="0">
-                <a:solidFill>
-                  <a:srgbClr val="0070C0"/>
-                </a:solidFill>
-                <a:latin typeface="Candara" pitchFamily="34" charset="0"/>
-              </a:rPr>
-              <a:t>:</a:t>
-            </a:r>
-          </a:p>
-          <a:p>
-            <a:r>
-              <a:rPr lang="en-US" sz="2000" i="1" dirty="0" smtClean="0">
-                <a:solidFill>
-                  <a:srgbClr val="0070C0"/>
-                </a:solidFill>
-                <a:latin typeface="Candara" pitchFamily="34" charset="0"/>
-              </a:rPr>
-              <a:t>Se </a:t>
-            </a:r>
-            <a:r>
-              <a:rPr lang="en-US" sz="2000" i="1" dirty="0" err="1" smtClean="0">
-                <a:solidFill>
-                  <a:srgbClr val="0070C0"/>
-                </a:solidFill>
-                <a:latin typeface="Candara" pitchFamily="34" charset="0"/>
-              </a:rPr>
-              <a:t>unieron</a:t>
-            </a:r>
-            <a:r>
-              <a:rPr lang="en-US" sz="2000" i="1" dirty="0" smtClean="0">
-                <a:solidFill>
-                  <a:srgbClr val="0070C0"/>
-                </a:solidFill>
-                <a:latin typeface="Candara" pitchFamily="34" charset="0"/>
-              </a:rPr>
-              <a:t> en un solo </a:t>
-            </a:r>
-            <a:r>
-              <a:rPr lang="en-US" sz="2000" i="1" dirty="0" err="1" smtClean="0">
-                <a:solidFill>
-                  <a:srgbClr val="0070C0"/>
-                </a:solidFill>
-                <a:latin typeface="Candara" pitchFamily="34" charset="0"/>
-              </a:rPr>
-              <a:t>paquete</a:t>
-            </a:r>
-            <a:r>
-              <a:rPr lang="en-US" sz="2000" b="1" i="1" dirty="0" smtClean="0">
-                <a:solidFill>
-                  <a:srgbClr val="0070C0"/>
-                </a:solidFill>
-                <a:latin typeface="Candara" pitchFamily="34" charset="0"/>
-              </a:rPr>
-              <a:t> </a:t>
-            </a:r>
-            <a:r>
-              <a:rPr lang="en-US" sz="2000" b="1" i="1" dirty="0" err="1" smtClean="0">
-                <a:solidFill>
-                  <a:srgbClr val="0070C0"/>
-                </a:solidFill>
-                <a:latin typeface="Candara" pitchFamily="34" charset="0"/>
-              </a:rPr>
-              <a:t>Solicitud</a:t>
-            </a:r>
-            <a:r>
-              <a:rPr lang="en-US" sz="2000" b="1" i="1" dirty="0" smtClean="0">
-                <a:solidFill>
-                  <a:srgbClr val="0070C0"/>
-                </a:solidFill>
-                <a:latin typeface="Candara" pitchFamily="34" charset="0"/>
-              </a:rPr>
-              <a:t> de </a:t>
-            </a:r>
-            <a:r>
-              <a:rPr lang="en-US" sz="2000" b="1" i="1" dirty="0" err="1" smtClean="0">
-                <a:solidFill>
-                  <a:srgbClr val="0070C0"/>
-                </a:solidFill>
-                <a:latin typeface="Candara" pitchFamily="34" charset="0"/>
-              </a:rPr>
-              <a:t>Contrato</a:t>
-            </a:r>
-            <a:r>
-              <a:rPr lang="en-US" sz="2000" b="1" i="1" dirty="0" smtClean="0">
-                <a:solidFill>
-                  <a:srgbClr val="0070C0"/>
-                </a:solidFill>
-                <a:latin typeface="Candara" pitchFamily="34" charset="0"/>
-              </a:rPr>
-              <a:t>.</a:t>
-            </a:r>
-            <a:endParaRPr lang="en-US" sz="2000" b="1" i="1" dirty="0" smtClean="0">
-              <a:solidFill>
-                <a:srgbClr val="0070C0"/>
-              </a:solidFill>
-              <a:latin typeface="Candara" pitchFamily="34" charset="0"/>
-            </a:endParaRPr>
-          </a:p>
-        </p:txBody>
-      </p:sp>
-      <p:pic>
-        <p:nvPicPr>
-          <p:cNvPr id="24577" name="Picture 1"/>
-          <p:cNvPicPr>
-            <a:picLocks noChangeAspect="1" noChangeArrowheads="1"/>
-          </p:cNvPicPr>
-          <p:nvPr/>
-        </p:nvPicPr>
-        <p:blipFill>
-          <a:blip r:embed="rId2" cstate="print"/>
-          <a:srcRect/>
-          <a:stretch>
-            <a:fillRect/>
-          </a:stretch>
-        </p:blipFill>
         <p:spPr bwMode="auto">
           <a:xfrm>
-            <a:off x="2483768" y="3640142"/>
-            <a:ext cx="4320480" cy="2885202"/>
+            <a:off x="250825" y="1844675"/>
+            <a:ext cx="8642350" cy="1631950"/>
           </a:xfrm>
           <a:prstGeom prst="rect">
             <a:avLst/>
@@ -19488,7 +18869,150 @@
             <a:headEnd/>
             <a:tailEnd/>
           </a:ln>
-          <a:effectLst/>
+        </p:spPr>
+        <p:txBody>
+          <a:bodyPr>
+            <a:spAutoFit/>
+          </a:bodyPr>
+          <a:lstStyle/>
+          <a:p>
+            <a:r>
+              <a:rPr lang="es-PE" sz="2000" b="1" i="1" u="sng">
+                <a:solidFill>
+                  <a:schemeClr val="tx2"/>
+                </a:solidFill>
+                <a:latin typeface="Candara" pitchFamily="34" charset="0"/>
+              </a:rPr>
+              <a:t>OBSERVACIÓN</a:t>
+            </a:r>
+            <a:r>
+              <a:rPr lang="es-PE" sz="2000" i="1">
+                <a:solidFill>
+                  <a:schemeClr val="tx2"/>
+                </a:solidFill>
+                <a:latin typeface="Candara" pitchFamily="34" charset="0"/>
+              </a:rPr>
+              <a:t>: </a:t>
+            </a:r>
+          </a:p>
+          <a:p>
+            <a:r>
+              <a:rPr lang="es-PE" sz="2000" i="1">
+                <a:solidFill>
+                  <a:schemeClr val="tx2"/>
+                </a:solidFill>
+                <a:latin typeface="Candara" pitchFamily="34" charset="0"/>
+              </a:rPr>
+              <a:t>Unir los paquetes </a:t>
+            </a:r>
+            <a:r>
+              <a:rPr lang="es-PE" sz="2000" b="1" i="1">
+                <a:solidFill>
+                  <a:schemeClr val="tx2"/>
+                </a:solidFill>
+                <a:latin typeface="Candara" pitchFamily="34" charset="0"/>
+              </a:rPr>
+              <a:t>Solicitud de Contrato</a:t>
+            </a:r>
+            <a:r>
+              <a:rPr lang="es-PE" sz="2000" i="1">
+                <a:solidFill>
+                  <a:schemeClr val="tx2"/>
+                </a:solidFill>
+                <a:latin typeface="Candara" pitchFamily="34" charset="0"/>
+              </a:rPr>
+              <a:t> y </a:t>
+            </a:r>
+            <a:r>
+              <a:rPr lang="es-PE" sz="2000" b="1" i="1">
+                <a:solidFill>
+                  <a:schemeClr val="tx2"/>
+                </a:solidFill>
+                <a:latin typeface="Candara" pitchFamily="34" charset="0"/>
+              </a:rPr>
+              <a:t>Evaluación de Contrato.</a:t>
+            </a:r>
+          </a:p>
+          <a:p>
+            <a:endParaRPr lang="en-US" sz="2000" b="1" i="1" u="sng">
+              <a:solidFill>
+                <a:srgbClr val="0070C0"/>
+              </a:solidFill>
+              <a:latin typeface="Candara" pitchFamily="34" charset="0"/>
+            </a:endParaRPr>
+          </a:p>
+          <a:p>
+            <a:r>
+              <a:rPr lang="en-US" sz="2000" b="1" i="1" u="sng">
+                <a:solidFill>
+                  <a:srgbClr val="0070C0"/>
+                </a:solidFill>
+                <a:latin typeface="Candara" pitchFamily="34" charset="0"/>
+              </a:rPr>
+              <a:t>CORRECCIÓN</a:t>
+            </a:r>
+            <a:r>
+              <a:rPr lang="en-US" sz="2000" i="1">
+                <a:solidFill>
+                  <a:srgbClr val="0070C0"/>
+                </a:solidFill>
+                <a:latin typeface="Candara" pitchFamily="34" charset="0"/>
+              </a:rPr>
+              <a:t>:</a:t>
+            </a:r>
+          </a:p>
+          <a:p>
+            <a:r>
+              <a:rPr lang="en-US" sz="2000" i="1">
+                <a:solidFill>
+                  <a:srgbClr val="0070C0"/>
+                </a:solidFill>
+                <a:latin typeface="Candara" pitchFamily="34" charset="0"/>
+              </a:rPr>
+              <a:t>Se unieron en un solo paquete</a:t>
+            </a:r>
+            <a:r>
+              <a:rPr lang="en-US" sz="2000" b="1" i="1">
+                <a:solidFill>
+                  <a:srgbClr val="0070C0"/>
+                </a:solidFill>
+                <a:latin typeface="Candara" pitchFamily="34" charset="0"/>
+              </a:rPr>
+              <a:t> Solicitud de Contrato.</a:t>
+            </a:r>
+          </a:p>
+        </p:txBody>
+      </p:sp>
+      <p:pic>
+        <p:nvPicPr>
+          <p:cNvPr id="39939" name="Picture 1"/>
+          <p:cNvPicPr>
+            <a:picLocks noChangeAspect="1" noChangeArrowheads="1"/>
+          </p:cNvPicPr>
+          <p:nvPr/>
+        </p:nvPicPr>
+        <p:blipFill>
+          <a:blip r:embed="rId2"/>
+          <a:srcRect/>
+          <a:stretch>
+            <a:fillRect/>
+          </a:stretch>
+        </p:blipFill>
+        <p:spPr bwMode="auto">
+          <a:xfrm>
+            <a:off x="2484438" y="3640138"/>
+            <a:ext cx="4319587" cy="2884487"/>
+          </a:xfrm>
+          <a:prstGeom prst="rect">
+            <a:avLst/>
+          </a:prstGeom>
+          <a:noFill/>
+          <a:ln w="9525">
+            <a:noFill/>
+            <a:miter lim="800000"/>
+            <a:headEnd/>
+            <a:tailEnd/>
+          </a:ln>
         </p:spPr>
       </p:pic>
     </p:spTree>
@@ -19518,7 +19042,7 @@
       </p:grpSpPr>
       <p:sp>
         <p:nvSpPr>
-          <p:cNvPr id="38913" name="2 Título"/>
+          <p:cNvPr id="40961" name="2 Título"/>
           <p:cNvSpPr>
             <a:spLocks noGrp="1"/>
           </p:cNvSpPr>
@@ -19538,7 +19062,7 @@
           <a:p>
             <a:pPr eaLnBrk="1" hangingPunct="1"/>
             <a:r>
-              <a:rPr lang="es-PE" sz="4000" b="1" dirty="0" smtClean="0">
+              <a:rPr lang="es-PE" sz="4000" b="1" smtClean="0">
                 <a:solidFill>
                   <a:schemeClr val="tx2"/>
                 </a:solidFill>
@@ -19575,7 +19099,7 @@
       </p:grpSpPr>
       <p:sp>
         <p:nvSpPr>
-          <p:cNvPr id="3" name="2 Título"/>
+          <p:cNvPr id="41985" name="2 Título"/>
           <p:cNvSpPr>
             <a:spLocks noGrp="1"/>
           </p:cNvSpPr>
@@ -19585,244 +19109,29 @@
         </p:nvSpPr>
         <p:spPr/>
         <p:txBody>
-          <a:bodyPr rtlCol="0">
-            <a:noAutofit/>
-          </a:bodyPr>
+          <a:bodyPr/>
           <a:lstStyle/>
           <a:p>
-            <a:pPr eaLnBrk="1" fontAlgn="auto" hangingPunct="1">
-              <a:spcAft>
-                <a:spcPts val="0"/>
-              </a:spcAft>
-              <a:defRPr/>
-            </a:pPr>
-            <a:r>
-              <a:rPr lang="es-PE" sz="4000" dirty="0" smtClean="0"/>
+            <a:pPr eaLnBrk="1" hangingPunct="1"/>
+            <a:r>
+              <a:rPr lang="es-PE" sz="4000" smtClean="0"/>
               <a:t>DIAGRAMA DE CASOS DE USO DEL SISTEMA POR PAQUETE</a:t>
             </a:r>
-            <a:endParaRPr lang="es-PE" sz="4000" dirty="0"/>
           </a:p>
         </p:txBody>
       </p:sp>
       <p:sp>
         <p:nvSpPr>
-          <p:cNvPr id="4" name="3 CuadroTexto"/>
-          <p:cNvSpPr txBox="1"/>
+          <p:cNvPr id="41986" name="3 CuadroTexto"/>
+          <p:cNvSpPr txBox="1">
+            <a:spLocks noChangeArrowheads="1"/>
+          </p:cNvSpPr>
           <p:nvPr/>
         </p:nvSpPr>
-        <p:spPr>
-          <a:xfrm>
-            <a:off x="251520" y="2694399"/>
-            <a:ext cx="8640960" cy="2246769"/>
-          </a:xfrm>
-          <a:prstGeom prst="rect">
-            <a:avLst/>
-          </a:prstGeom>
-          <a:noFill/>
-        </p:spPr>
-        <p:txBody>
-          <a:bodyPr wrap="square" rtlCol="0">
-            <a:spAutoFit/>
-          </a:bodyPr>
-          <a:lstStyle/>
-          <a:p>
-            <a:pPr lvl="0"/>
-            <a:r>
-              <a:rPr lang="es-PE" sz="2000" b="1" i="1" u="sng" dirty="0" smtClean="0">
-                <a:solidFill>
-                  <a:schemeClr val="tx2"/>
-                </a:solidFill>
-                <a:latin typeface="Candara" pitchFamily="34" charset="0"/>
-              </a:rPr>
-              <a:t>OBSERVACIÓN</a:t>
-            </a:r>
-            <a:r>
-              <a:rPr lang="es-PE" sz="2000" i="1" dirty="0" smtClean="0">
-                <a:solidFill>
-                  <a:schemeClr val="tx2"/>
-                </a:solidFill>
-                <a:latin typeface="Candara" pitchFamily="34" charset="0"/>
-              </a:rPr>
-              <a:t>: </a:t>
-            </a:r>
-            <a:endParaRPr lang="es-PE" sz="2000" i="1" dirty="0" smtClean="0">
-              <a:solidFill>
-                <a:schemeClr val="tx2"/>
-              </a:solidFill>
-              <a:latin typeface="Candara" pitchFamily="34" charset="0"/>
-            </a:endParaRPr>
-          </a:p>
-          <a:p>
-            <a:pPr lvl="0"/>
-            <a:r>
-              <a:rPr lang="es-PE" sz="2000" i="1" dirty="0" smtClean="0">
-                <a:solidFill>
-                  <a:schemeClr val="tx2"/>
-                </a:solidFill>
-                <a:latin typeface="Candara" pitchFamily="34" charset="0"/>
-              </a:rPr>
-              <a:t>Unir los </a:t>
-            </a:r>
-            <a:r>
-              <a:rPr lang="es-PE" sz="2000" i="1" dirty="0" smtClean="0">
-                <a:solidFill>
-                  <a:schemeClr val="tx2"/>
-                </a:solidFill>
-                <a:latin typeface="Candara" pitchFamily="34" charset="0"/>
-              </a:rPr>
-              <a:t>CUS </a:t>
-            </a:r>
-            <a:r>
-              <a:rPr lang="es-PE" sz="2000" b="1" i="1" dirty="0" smtClean="0">
-                <a:solidFill>
-                  <a:schemeClr val="tx2"/>
-                </a:solidFill>
-                <a:latin typeface="Candara" pitchFamily="34" charset="0"/>
-              </a:rPr>
-              <a:t>CC_CUS003_Consultar_informacion_solicitudes_contrato</a:t>
-            </a:r>
-            <a:r>
-              <a:rPr lang="es-PE" sz="2000" i="1" dirty="0" smtClean="0">
-                <a:solidFill>
-                  <a:schemeClr val="tx2"/>
-                </a:solidFill>
-                <a:latin typeface="Candara" pitchFamily="34" charset="0"/>
-              </a:rPr>
-              <a:t>, </a:t>
-            </a:r>
-            <a:r>
-              <a:rPr lang="es-PE" sz="2000" b="1" i="1" dirty="0" smtClean="0">
-                <a:solidFill>
-                  <a:schemeClr val="tx2"/>
-                </a:solidFill>
-                <a:latin typeface="Candara" pitchFamily="34" charset="0"/>
-              </a:rPr>
-              <a:t>CC_CUS004_Actualizar_informacion_contrato</a:t>
-            </a:r>
-            <a:r>
-              <a:rPr lang="es-PE" sz="2000" i="1" dirty="0" smtClean="0">
-                <a:solidFill>
-                  <a:schemeClr val="tx2"/>
-                </a:solidFill>
-                <a:latin typeface="Candara" pitchFamily="34" charset="0"/>
-              </a:rPr>
-              <a:t> y </a:t>
-            </a:r>
-            <a:r>
-              <a:rPr lang="es-PE" sz="2000" b="1" i="1" dirty="0" smtClean="0">
-                <a:solidFill>
-                  <a:schemeClr val="tx2"/>
-                </a:solidFill>
-                <a:latin typeface="Candara" pitchFamily="34" charset="0"/>
-              </a:rPr>
-              <a:t>CC_CUS005_Actualizar_informacion_adendas</a:t>
-            </a:r>
-            <a:r>
-              <a:rPr lang="es-PE" sz="2000" i="1" dirty="0" smtClean="0">
-                <a:solidFill>
-                  <a:schemeClr val="tx2"/>
-                </a:solidFill>
-                <a:latin typeface="Candara" pitchFamily="34" charset="0"/>
-              </a:rPr>
-              <a:t>.</a:t>
-            </a:r>
-          </a:p>
-          <a:p>
-            <a:endParaRPr lang="en-US" sz="2000" b="1" i="1" u="sng" dirty="0" smtClean="0">
-              <a:solidFill>
-                <a:srgbClr val="0070C0"/>
-              </a:solidFill>
-              <a:latin typeface="Candara" pitchFamily="34" charset="0"/>
-            </a:endParaRPr>
-          </a:p>
-          <a:p>
-            <a:r>
-              <a:rPr lang="en-US" sz="2000" b="1" i="1" u="sng" dirty="0" smtClean="0">
-                <a:solidFill>
-                  <a:srgbClr val="0070C0"/>
-                </a:solidFill>
-                <a:latin typeface="Candara" pitchFamily="34" charset="0"/>
-              </a:rPr>
-              <a:t>CORRECCIÓN</a:t>
-            </a:r>
-            <a:r>
-              <a:rPr lang="en-US" sz="2000" i="1" dirty="0" smtClean="0">
-                <a:solidFill>
-                  <a:srgbClr val="0070C0"/>
-                </a:solidFill>
-                <a:latin typeface="Candara" pitchFamily="34" charset="0"/>
-              </a:rPr>
-              <a:t>:</a:t>
-            </a:r>
-          </a:p>
-          <a:p>
-            <a:r>
-              <a:rPr lang="en-US" sz="2000" i="1" dirty="0" smtClean="0">
-                <a:solidFill>
-                  <a:srgbClr val="0070C0"/>
-                </a:solidFill>
-                <a:latin typeface="Candara" pitchFamily="34" charset="0"/>
-              </a:rPr>
-              <a:t>Se </a:t>
-            </a:r>
-            <a:r>
-              <a:rPr lang="en-US" sz="2000" i="1" dirty="0" err="1" smtClean="0">
-                <a:solidFill>
-                  <a:srgbClr val="0070C0"/>
-                </a:solidFill>
-                <a:latin typeface="Candara" pitchFamily="34" charset="0"/>
-              </a:rPr>
-              <a:t>unieron</a:t>
-            </a:r>
-            <a:r>
-              <a:rPr lang="en-US" sz="2000" i="1" dirty="0" smtClean="0">
-                <a:solidFill>
-                  <a:srgbClr val="0070C0"/>
-                </a:solidFill>
-                <a:latin typeface="Candara" pitchFamily="34" charset="0"/>
-              </a:rPr>
-              <a:t> en un solo CUS </a:t>
-            </a:r>
-            <a:r>
-              <a:rPr lang="es-PE" sz="2000" b="1" i="1" dirty="0" smtClean="0">
-                <a:solidFill>
-                  <a:srgbClr val="0070C0"/>
-                </a:solidFill>
-                <a:latin typeface="Candara" pitchFamily="34" charset="0"/>
-              </a:rPr>
-              <a:t>CC_CUS004_Actualizar_informacion_contrato</a:t>
-            </a:r>
-            <a:r>
-              <a:rPr lang="en-US" sz="2000" i="1" dirty="0" smtClean="0">
-                <a:solidFill>
-                  <a:srgbClr val="0070C0"/>
-                </a:solidFill>
-                <a:latin typeface="Candara" pitchFamily="34" charset="0"/>
-              </a:rPr>
-              <a:t>.</a:t>
-            </a:r>
-          </a:p>
-        </p:txBody>
-      </p:sp>
-      <p:pic>
-        <p:nvPicPr>
-          <p:cNvPr id="22529" name="Picture 1"/>
-          <p:cNvPicPr>
-            <a:picLocks noChangeAspect="1" noChangeArrowheads="1"/>
-          </p:cNvPicPr>
-          <p:nvPr/>
-        </p:nvPicPr>
-        <p:blipFill>
-          <a:blip r:embed="rId2" cstate="print"/>
-          <a:srcRect/>
-          <a:stretch>
-            <a:fillRect/>
-          </a:stretch>
-        </p:blipFill>
         <p:spPr bwMode="auto">
           <a:xfrm>
-            <a:off x="2771800" y="5120647"/>
-            <a:ext cx="3168352" cy="1260681"/>
+            <a:off x="250825" y="2693988"/>
+            <a:ext cx="8642350" cy="2247900"/>
           </a:xfrm>
           <a:prstGeom prst="rect">
             <a:avLst/>
@@ -19834,7 +19143,186 @@
             <a:headEnd/>
             <a:tailEnd/>
           </a:ln>
-          <a:effectLst/>
+        </p:spPr>
+        <p:txBody>
+          <a:bodyPr>
+            <a:spAutoFit/>
+          </a:bodyPr>
+          <a:lstStyle/>
+          <a:p>
+            <a:r>
+              <a:rPr lang="es-PE" sz="2000" b="1" i="1" u="sng">
+                <a:solidFill>
+                  <a:schemeClr val="tx2"/>
+                </a:solidFill>
+                <a:latin typeface="Candara" pitchFamily="34" charset="0"/>
+              </a:rPr>
+              <a:t>OBSERVACIÓN</a:t>
+            </a:r>
+            <a:r>
+              <a:rPr lang="es-PE" sz="2000" i="1">
+                <a:solidFill>
+                  <a:schemeClr val="tx2"/>
+                </a:solidFill>
+                <a:latin typeface="Candara" pitchFamily="34" charset="0"/>
+              </a:rPr>
+              <a:t>: </a:t>
+            </a:r>
+          </a:p>
+          <a:p>
+            <a:r>
+              <a:rPr lang="es-PE" sz="2000" i="1">
+                <a:solidFill>
+                  <a:schemeClr val="tx2"/>
+                </a:solidFill>
+                <a:latin typeface="Candara" pitchFamily="34" charset="0"/>
+              </a:rPr>
+              <a:t>Unir los CUS </a:t>
+            </a:r>
+            <a:r>
+              <a:rPr lang="es-PE" sz="2000" b="1" i="1">
+                <a:solidFill>
+                  <a:schemeClr val="tx2"/>
+                </a:solidFill>
+                <a:latin typeface="Candara" pitchFamily="34" charset="0"/>
+              </a:rPr>
+              <a:t>CC_CUS003_Consultar_informacion_solicitudes_contrato</a:t>
+            </a:r>
+            <a:r>
+              <a:rPr lang="es-PE" sz="2000" i="1">
+                <a:solidFill>
+                  <a:schemeClr val="tx2"/>
+                </a:solidFill>
+                <a:latin typeface="Candara" pitchFamily="34" charset="0"/>
+              </a:rPr>
+              <a:t>, </a:t>
+            </a:r>
+            <a:r>
+              <a:rPr lang="es-PE" sz="2000" b="1" i="1">
+                <a:solidFill>
+                  <a:schemeClr val="tx2"/>
+                </a:solidFill>
+                <a:latin typeface="Candara" pitchFamily="34" charset="0"/>
+              </a:rPr>
+              <a:t>CC_CUS004_Actualizar_informacion_contrato</a:t>
+            </a:r>
+            <a:r>
+              <a:rPr lang="es-PE" sz="2000" i="1">
+                <a:solidFill>
+                  <a:schemeClr val="tx2"/>
+                </a:solidFill>
+                <a:latin typeface="Candara" pitchFamily="34" charset="0"/>
+              </a:rPr>
+              <a:t> y </a:t>
+            </a:r>
+            <a:r>
+              <a:rPr lang="es-PE" sz="2000" b="1" i="1">
+                <a:solidFill>
+                  <a:schemeClr val="tx2"/>
+                </a:solidFill>
+                <a:latin typeface="Candara" pitchFamily="34" charset="0"/>
+              </a:rPr>
+              <a:t>CC_CUS005_Actualizar_informacion_adendas</a:t>
+            </a:r>
+            <a:r>
+              <a:rPr lang="es-PE" sz="2000" i="1">
+                <a:solidFill>
+                  <a:schemeClr val="tx2"/>
+                </a:solidFill>
+                <a:latin typeface="Candara" pitchFamily="34" charset="0"/>
+              </a:rPr>
+              <a:t>.</a:t>
+            </a:r>
+          </a:p>
+          <a:p>
+            <a:endParaRPr lang="en-US" sz="2000" b="1" i="1" u="sng">
+              <a:solidFill>
+                <a:srgbClr val="0070C0"/>
+              </a:solidFill>
+              <a:latin typeface="Candara" pitchFamily="34" charset="0"/>
+            </a:endParaRPr>
+          </a:p>
+          <a:p>
+            <a:r>
+              <a:rPr lang="en-US" sz="2000" b="1" i="1" u="sng">
+                <a:solidFill>
+                  <a:srgbClr val="0070C0"/>
+                </a:solidFill>
+                <a:latin typeface="Candara" pitchFamily="34" charset="0"/>
+              </a:rPr>
+              <a:t>CORRECCIÓN</a:t>
+            </a:r>
+            <a:r>
+              <a:rPr lang="en-US" sz="2000" i="1">
+                <a:solidFill>
+                  <a:srgbClr val="0070C0"/>
+                </a:solidFill>
+                <a:latin typeface="Candara" pitchFamily="34" charset="0"/>
+              </a:rPr>
+              <a:t>:</a:t>
+            </a:r>
+          </a:p>
+          <a:p>
+            <a:r>
+              <a:rPr lang="en-US" sz="2000" i="1">
+                <a:solidFill>
+                  <a:srgbClr val="0070C0"/>
+                </a:solidFill>
+                <a:latin typeface="Candara" pitchFamily="34" charset="0"/>
+              </a:rPr>
+              <a:t>Se unieron en un solo CUS </a:t>
+            </a:r>
+            <a:r>
+              <a:rPr lang="es-PE" sz="2000" b="1" i="1">
+                <a:solidFill>
+                  <a:srgbClr val="0070C0"/>
+                </a:solidFill>
+                <a:latin typeface="Candara" pitchFamily="34" charset="0"/>
+              </a:rPr>
+              <a:t>CC_CUS004_Actualizar_informacion_contrato</a:t>
+            </a:r>
+            <a:r>
+              <a:rPr lang="en-US" sz="2000" i="1">
+                <a:solidFill>
+                  <a:srgbClr val="0070C0"/>
+                </a:solidFill>
+                <a:latin typeface="Candara" pitchFamily="34" charset="0"/>
+              </a:rPr>
+              <a:t>.</a:t>
+            </a:r>
+          </a:p>
+        </p:txBody>
+      </p:sp>
+      <p:pic>
+        <p:nvPicPr>
+          <p:cNvPr id="41987" name="Picture 1"/>
+          <p:cNvPicPr>
+            <a:picLocks noChangeAspect="1" noChangeArrowheads="1"/>
+          </p:cNvPicPr>
+          <p:nvPr/>
+        </p:nvPicPr>
+        <p:blipFill>
+          <a:blip r:embed="rId2"/>
+          <a:srcRect/>
+          <a:stretch>
+            <a:fillRect/>
+          </a:stretch>
+        </p:blipFill>
+        <p:spPr bwMode="auto">
+          <a:xfrm>
+            <a:off x="2771775" y="5121275"/>
+            <a:ext cx="3168650" cy="1260475"/>
+          </a:xfrm>
+          <a:prstGeom prst="rect">
+            <a:avLst/>
+          </a:prstGeom>
+          <a:noFill/>
+          <a:ln w="9525">
+            <a:noFill/>
+            <a:miter lim="800000"/>
+            <a:headEnd/>
+            <a:tailEnd/>
+          </a:ln>
         </p:spPr>
       </p:pic>
     </p:spTree>
@@ -19871,7 +19359,7 @@
       </p:grpSpPr>
       <p:sp>
         <p:nvSpPr>
-          <p:cNvPr id="52225" name="1 Título"/>
+          <p:cNvPr id="43009" name="1 Título"/>
           <p:cNvSpPr>
             <a:spLocks noGrp="1"/>
           </p:cNvSpPr>
@@ -19900,7 +19388,7 @@
       </p:sp>
       <p:sp>
         <p:nvSpPr>
-          <p:cNvPr id="52226" name="2 Subtítulo"/>
+          <p:cNvPr id="43010" name="2 Subtítulo"/>
           <p:cNvSpPr>
             <a:spLocks noGrp="1"/>
           </p:cNvSpPr>
@@ -19919,13 +19407,13 @@
           <a:lstStyle/>
           <a:p>
             <a:pPr eaLnBrk="1" hangingPunct="1"/>
-            <a:endParaRPr lang="es-PE" sz="2800" dirty="0" smtClean="0"/>
+            <a:endParaRPr lang="es-ES" sz="2800" smtClean="0"/>
           </a:p>
         </p:txBody>
       </p:sp>
       <p:sp>
         <p:nvSpPr>
-          <p:cNvPr id="52227" name="3 CuadroTexto"/>
+          <p:cNvPr id="43011" name="3 CuadroTexto"/>
           <p:cNvSpPr txBox="1">
             <a:spLocks noChangeArrowheads="1"/>
           </p:cNvSpPr>
@@ -19934,7 +19422,7 @@
         <p:spPr bwMode="auto">
           <a:xfrm>
             <a:off x="4489450" y="3713163"/>
-            <a:ext cx="4186238" cy="2677656"/>
+            <a:ext cx="4186238" cy="2678112"/>
           </a:xfrm>
           <a:prstGeom prst="rect">
             <a:avLst/>
@@ -19955,49 +19443,25 @@
           <a:p>
             <a:pPr algn="r"/>
             <a:r>
-              <a:rPr lang="es-PE" sz="2400" dirty="0" smtClean="0">
+              <a:rPr lang="es-PE" sz="2400">
                 <a:latin typeface="Candara" pitchFamily="34" charset="0"/>
               </a:rPr>
-              <a:t>Orlando </a:t>
-            </a:r>
-            <a:r>
-              <a:rPr lang="es-PE" sz="2400" dirty="0" err="1" smtClean="0">
+              <a:t>Orlando Sedamano Cornejo</a:t>
+            </a:r>
+          </a:p>
+          <a:p>
+            <a:pPr algn="r"/>
+            <a:r>
+              <a:rPr lang="es-PE" sz="2400">
                 <a:latin typeface="Candara" pitchFamily="34" charset="0"/>
               </a:rPr>
-              <a:t>Sedamano</a:t>
-            </a:r>
-            <a:r>
-              <a:rPr lang="es-PE" sz="2400" dirty="0" smtClean="0">
-                <a:latin typeface="Candara" pitchFamily="34" charset="0"/>
-              </a:rPr>
-              <a:t> Cornejo</a:t>
+              <a:t>Marco Bustinza </a:t>
             </a:r>
           </a:p>
           <a:p>
             <a:pPr algn="r"/>
             <a:r>
-              <a:rPr lang="es-PE" sz="2400" dirty="0" smtClean="0">
-                <a:latin typeface="Candara" pitchFamily="34" charset="0"/>
-              </a:rPr>
-              <a:t>Marco </a:t>
-            </a:r>
-            <a:r>
-              <a:rPr lang="es-PE" sz="2400" dirty="0" err="1" smtClean="0">
-                <a:latin typeface="Candara" pitchFamily="34" charset="0"/>
-              </a:rPr>
-              <a:t>Bustinza</a:t>
-            </a:r>
-            <a:r>
-              <a:rPr lang="es-PE" sz="2400" dirty="0" smtClean="0">
-                <a:latin typeface="Candara" pitchFamily="34" charset="0"/>
-              </a:rPr>
-              <a:t> </a:t>
-            </a:r>
-          </a:p>
-          <a:p>
-            <a:pPr algn="r"/>
-            <a:r>
-              <a:rPr lang="es-PE" sz="2400" dirty="0" smtClean="0">
+              <a:rPr lang="es-PE" sz="2400">
                 <a:latin typeface="Candara" pitchFamily="34" charset="0"/>
               </a:rPr>
               <a:t>Néstor Robles Cacha</a:t>
@@ -20006,66 +19470,33 @@
           <a:p>
             <a:pPr algn="r"/>
             <a:r>
-              <a:rPr lang="es-PE" sz="2400" dirty="0" smtClean="0">
+              <a:rPr lang="es-PE" sz="2400">
                 <a:latin typeface="Candara" pitchFamily="34" charset="0"/>
               </a:rPr>
-              <a:t>Gabriela Rojas </a:t>
-            </a:r>
-            <a:r>
-              <a:rPr lang="es-PE" sz="2400" dirty="0" err="1" smtClean="0">
+              <a:t>Gabriela Rojas Munive </a:t>
+            </a:r>
+          </a:p>
+          <a:p>
+            <a:pPr algn="r"/>
+            <a:r>
+              <a:rPr lang="es-PE" sz="2400">
                 <a:latin typeface="Candara" pitchFamily="34" charset="0"/>
               </a:rPr>
-              <a:t>Munive</a:t>
-            </a:r>
-            <a:r>
-              <a:rPr lang="es-PE" sz="2400" dirty="0" smtClean="0">
+              <a:t>Paola Rojas Chicoma</a:t>
+            </a:r>
+          </a:p>
+          <a:p>
+            <a:pPr algn="r"/>
+            <a:r>
+              <a:rPr lang="es-PE" sz="2400">
                 <a:latin typeface="Candara" pitchFamily="34" charset="0"/>
               </a:rPr>
-              <a:t> </a:t>
+              <a:t>Augusto Suárez Gutiérrez</a:t>
             </a:r>
           </a:p>
           <a:p>
             <a:pPr algn="r"/>
-            <a:r>
-              <a:rPr lang="es-PE" sz="2400" dirty="0" smtClean="0">
-                <a:latin typeface="Candara" pitchFamily="34" charset="0"/>
-              </a:rPr>
-              <a:t>Paola Rojas </a:t>
-            </a:r>
-            <a:r>
-              <a:rPr lang="es-PE" sz="2400" dirty="0" err="1" smtClean="0">
-                <a:latin typeface="Candara" pitchFamily="34" charset="0"/>
-              </a:rPr>
-              <a:t>Chicoma</a:t>
-            </a:r>
-            <a:endParaRPr lang="es-PE" sz="2400" dirty="0" smtClean="0">
-              <a:latin typeface="Candara" pitchFamily="34" charset="0"/>
-            </a:endParaRPr>
-          </a:p>
-          <a:p>
-            <a:pPr algn="r"/>
-            <a:r>
-              <a:rPr lang="es-PE" sz="2400" dirty="0" smtClean="0">
-                <a:latin typeface="Candara" pitchFamily="34" charset="0"/>
-              </a:rPr>
-              <a:t>Augusto </a:t>
-            </a:r>
-            <a:r>
-              <a:rPr lang="es-PE" sz="2400" dirty="0" smtClean="0">
-                <a:latin typeface="Candara" pitchFamily="34" charset="0"/>
-              </a:rPr>
-              <a:t>Suárez </a:t>
-            </a:r>
-            <a:r>
-              <a:rPr lang="es-PE" sz="2400" dirty="0" smtClean="0">
-                <a:latin typeface="Candara" pitchFamily="34" charset="0"/>
-              </a:rPr>
-              <a:t>Gutiérrez</a:t>
-            </a:r>
-          </a:p>
-          <a:p>
-            <a:pPr algn="r"/>
-            <a:endParaRPr lang="es-PE" sz="2400" dirty="0">
+            <a:endParaRPr lang="es-PE" sz="2400">
               <a:solidFill>
                 <a:schemeClr val="bg1"/>
               </a:solidFill>
@@ -20076,7 +19507,7 @@
       </p:sp>
       <p:sp>
         <p:nvSpPr>
-          <p:cNvPr id="52228" name="4 CuadroTexto"/>
+          <p:cNvPr id="43012" name="4 CuadroTexto"/>
           <p:cNvSpPr txBox="1">
             <a:spLocks noChangeArrowheads="1"/>
           </p:cNvSpPr>
@@ -20159,7 +19590,7 @@
       </p:grpSpPr>
       <p:sp>
         <p:nvSpPr>
-          <p:cNvPr id="20481" name="2 Título"/>
+          <p:cNvPr id="17409" name="2 Título"/>
           <p:cNvSpPr>
             <a:spLocks noGrp="1"/>
           </p:cNvSpPr>
@@ -20179,18 +19610,13 @@
           <a:p>
             <a:pPr eaLnBrk="1" hangingPunct="1"/>
             <a:r>
-              <a:rPr lang="es-PE" b="1" dirty="0" smtClean="0">
+              <a:rPr lang="es-PE" b="1" smtClean="0">
                 <a:solidFill>
                   <a:schemeClr val="tx2"/>
                 </a:solidFill>
               </a:rPr>
               <a:t>REGLAS DEL NEGOCIO</a:t>
             </a:r>
-            <a:endParaRPr lang="es-PE" b="1" dirty="0" smtClean="0">
-              <a:solidFill>
-                <a:schemeClr val="tx2"/>
-              </a:solidFill>
-            </a:endParaRPr>
           </a:p>
         </p:txBody>
       </p:sp>
@@ -20221,29 +19647,36 @@
       </p:grpSpPr>
       <p:sp>
         <p:nvSpPr>
-          <p:cNvPr id="2" name="1 CuadroTexto"/>
-          <p:cNvSpPr txBox="1"/>
+          <p:cNvPr id="18433" name="1 CuadroTexto"/>
+          <p:cNvSpPr txBox="1">
+            <a:spLocks noChangeArrowheads="1"/>
+          </p:cNvSpPr>
           <p:nvPr/>
         </p:nvSpPr>
-        <p:spPr>
+        <p:spPr bwMode="auto">
           <a:xfrm>
-            <a:off x="251520" y="2420888"/>
-            <a:ext cx="8640960" cy="2862322"/>
+            <a:off x="250825" y="2420938"/>
+            <a:ext cx="8642350" cy="2862262"/>
           </a:xfrm>
           <a:prstGeom prst="rect">
             <a:avLst/>
           </a:prstGeom>
           <a:noFill/>
+          <a:ln w="9525">
+            <a:noFill/>
+            <a:miter lim="800000"/>
+            <a:headEnd/>
+            <a:tailEnd/>
+          </a:ln>
         </p:spPr>
         <p:txBody>
-          <a:bodyPr wrap="square" rtlCol="0">
+          <a:bodyPr>
             <a:spAutoFit/>
           </a:bodyPr>
           <a:lstStyle/>
           <a:p>
-            <a:pPr lvl="0"/>
-            <a:r>
-              <a:rPr lang="es-PE" sz="2000" b="1" i="1" u="sng" dirty="0" smtClean="0">
+            <a:r>
+              <a:rPr lang="es-PE" sz="2000" b="1" i="1" u="sng">
                 <a:solidFill>
                   <a:schemeClr val="tx2"/>
                 </a:solidFill>
@@ -20252,25 +19685,16 @@
               <a:t>OBSERVACIÓN</a:t>
             </a:r>
             <a:r>
-              <a:rPr lang="es-PE" sz="2000" i="1" dirty="0" smtClean="0">
+              <a:rPr lang="es-PE" sz="2000" i="1">
                 <a:solidFill>
                   <a:schemeClr val="tx2"/>
                 </a:solidFill>
                 <a:latin typeface="Candara" pitchFamily="34" charset="0"/>
               </a:rPr>
-              <a:t>: La </a:t>
-            </a:r>
-            <a:r>
-              <a:rPr lang="es-PE" sz="2000" i="1" dirty="0" smtClean="0">
-                <a:solidFill>
-                  <a:schemeClr val="tx2"/>
-                </a:solidFill>
-                <a:latin typeface="Candara" pitchFamily="34" charset="0"/>
-              </a:rPr>
-              <a:t>regla de negocio </a:t>
-            </a:r>
-            <a:r>
-              <a:rPr lang="es-PE" sz="2000" b="1" i="1" dirty="0" smtClean="0">
+              <a:t>: La regla de negocio </a:t>
+            </a:r>
+            <a:r>
+              <a:rPr lang="es-PE" sz="2000" b="1" i="1">
                 <a:solidFill>
                   <a:schemeClr val="tx2"/>
                 </a:solidFill>
@@ -20279,45 +19703,18 @@
               <a:t>CC_RN001_Líneas_de_Servicio</a:t>
             </a:r>
             <a:r>
-              <a:rPr lang="es-PE" sz="2000" i="1" dirty="0" smtClean="0">
+              <a:rPr lang="es-PE" sz="2000" i="1">
                 <a:solidFill>
                   <a:schemeClr val="tx2"/>
                 </a:solidFill>
                 <a:latin typeface="Candara" pitchFamily="34" charset="0"/>
               </a:rPr>
-              <a:t> no puede ser </a:t>
-            </a:r>
-            <a:r>
-              <a:rPr lang="es-PE" sz="2000" i="1" dirty="0" smtClean="0">
-                <a:solidFill>
-                  <a:schemeClr val="tx2"/>
-                </a:solidFill>
-                <a:latin typeface="Candara" pitchFamily="34" charset="0"/>
-              </a:rPr>
-              <a:t>REGLA DE NEGOCIO, </a:t>
-            </a:r>
-            <a:r>
-              <a:rPr lang="es-PE" sz="2000" i="1" dirty="0" smtClean="0">
-                <a:solidFill>
-                  <a:schemeClr val="tx2"/>
-                </a:solidFill>
-                <a:latin typeface="Candara" pitchFamily="34" charset="0"/>
-              </a:rPr>
-              <a:t>debe ser ENTIDAD DE NEGOCIO</a:t>
-            </a:r>
-            <a:r>
-              <a:rPr lang="es-PE" sz="2000" i="1" dirty="0" smtClean="0">
-                <a:solidFill>
-                  <a:schemeClr val="tx2"/>
-                </a:solidFill>
-                <a:latin typeface="Candara" pitchFamily="34" charset="0"/>
-              </a:rPr>
-              <a:t>.</a:t>
-            </a:r>
-          </a:p>
-          <a:p>
-            <a:r>
-              <a:rPr lang="en-US" sz="2000" b="1" i="1" u="sng" dirty="0" smtClean="0">
+              <a:t> no puede ser REGLA DE NEGOCIO, debe ser ENTIDAD DE NEGOCIO.</a:t>
+            </a:r>
+          </a:p>
+          <a:p>
+            <a:r>
+              <a:rPr lang="en-US" sz="2000" b="1" i="1" u="sng">
                 <a:solidFill>
                   <a:srgbClr val="0070C0"/>
                 </a:solidFill>
@@ -20326,7 +19723,7 @@
               <a:t>CORRECCIÓN</a:t>
             </a:r>
             <a:r>
-              <a:rPr lang="en-US" sz="2000" i="1" dirty="0" smtClean="0">
+              <a:rPr lang="en-US" sz="2000" i="1">
                 <a:solidFill>
                   <a:srgbClr val="0070C0"/>
                 </a:solidFill>
@@ -20335,7 +19732,7 @@
               <a:t>: Se define la ENTIDAD DE NEGOCIO </a:t>
             </a:r>
             <a:r>
-              <a:rPr lang="es-PE" sz="2000" b="1" i="1" dirty="0" smtClean="0">
+              <a:rPr lang="es-PE" sz="2000" b="1" i="1">
                 <a:solidFill>
                   <a:srgbClr val="0070C0"/>
                 </a:solidFill>
@@ -20343,7 +19740,7 @@
               </a:rPr>
               <a:t>CC_EN005_Linea_Servicio</a:t>
             </a:r>
-            <a:endParaRPr lang="en-US" sz="2000" b="1" i="1" dirty="0" smtClean="0">
+            <a:endParaRPr lang="en-US" sz="2000" b="1" i="1">
               <a:solidFill>
                 <a:srgbClr val="0070C0"/>
               </a:solidFill>
@@ -20351,8 +19748,7 @@
             </a:endParaRPr>
           </a:p>
           <a:p>
-            <a:pPr lvl="0"/>
-            <a:endParaRPr lang="es-PE" sz="2000" i="1" dirty="0" smtClean="0">
+            <a:endParaRPr lang="es-PE" sz="2000" i="1">
               <a:solidFill>
                 <a:schemeClr val="tx2"/>
               </a:solidFill>
@@ -20360,9 +19756,8 @@
             </a:endParaRPr>
           </a:p>
           <a:p>
-            <a:pPr lvl="0"/>
-            <a:r>
-              <a:rPr lang="es-PE" sz="2000" b="1" i="1" u="sng" dirty="0" smtClean="0">
+            <a:r>
+              <a:rPr lang="es-PE" sz="2000" b="1" i="1" u="sng">
                 <a:solidFill>
                   <a:schemeClr val="tx2"/>
                 </a:solidFill>
@@ -20371,7 +19766,7 @@
               <a:t>OBSERVACIÓN</a:t>
             </a:r>
             <a:r>
-              <a:rPr lang="es-PE" sz="2000" b="1" i="1" dirty="0" smtClean="0">
+              <a:rPr lang="es-PE" sz="2000" b="1" i="1">
                 <a:solidFill>
                   <a:schemeClr val="tx2"/>
                 </a:solidFill>
@@ -20380,25 +19775,16 @@
               <a:t>: </a:t>
             </a:r>
             <a:r>
-              <a:rPr lang="es-PE" sz="2000" i="1" dirty="0" smtClean="0">
+              <a:rPr lang="es-PE" sz="2000" i="1">
                 <a:solidFill>
                   <a:schemeClr val="tx2"/>
                 </a:solidFill>
                 <a:latin typeface="Candara" pitchFamily="34" charset="0"/>
               </a:rPr>
-              <a:t>Crear una </a:t>
-            </a:r>
-            <a:r>
-              <a:rPr lang="es-PE" sz="2000" i="1" dirty="0" smtClean="0">
-                <a:solidFill>
-                  <a:schemeClr val="tx2"/>
-                </a:solidFill>
-                <a:latin typeface="Candara" pitchFamily="34" charset="0"/>
-              </a:rPr>
-              <a:t>nueva regla de negocio </a:t>
-            </a:r>
-            <a:r>
-              <a:rPr lang="es-PE" sz="2000" b="1" i="1" dirty="0" smtClean="0">
+              <a:t>Crear una nueva regla de negocio </a:t>
+            </a:r>
+            <a:r>
+              <a:rPr lang="es-PE" sz="2000" b="1" i="1">
                 <a:solidFill>
                   <a:schemeClr val="tx2"/>
                 </a:solidFill>
@@ -20407,28 +19793,18 @@
               <a:t>CC_RN001_Plazos_Líneas_de_Servicio</a:t>
             </a:r>
             <a:r>
-              <a:rPr lang="es-PE" sz="2000" i="1" dirty="0" smtClean="0">
+              <a:rPr lang="es-PE" sz="2000" i="1">
                 <a:solidFill>
                   <a:schemeClr val="tx2"/>
                 </a:solidFill>
                 <a:latin typeface="Candara" pitchFamily="34" charset="0"/>
               </a:rPr>
-              <a:t>. Se debe detallar los plazos para cada línea de servicio</a:t>
-            </a:r>
-            <a:r>
-              <a:rPr lang="es-PE" sz="2000" i="1" dirty="0" smtClean="0">
-                <a:solidFill>
-                  <a:schemeClr val="tx2"/>
-                </a:solidFill>
-                <a:latin typeface="Candara" pitchFamily="34" charset="0"/>
-              </a:rPr>
-              <a:t>.</a:t>
-            </a:r>
-          </a:p>
-          <a:p>
-            <a:pPr lvl="0"/>
-            <a:r>
-              <a:rPr lang="en-US" sz="2000" b="1" i="1" u="sng" dirty="0" smtClean="0">
+              <a:t>. Se debe detallar los plazos para cada línea de servicio.</a:t>
+            </a:r>
+          </a:p>
+          <a:p>
+            <a:r>
+              <a:rPr lang="en-US" sz="2000" b="1" i="1" u="sng">
                 <a:solidFill>
                   <a:srgbClr val="0070C0"/>
                 </a:solidFill>
@@ -20437,7 +19813,7 @@
               <a:t>CORRECCIÓN</a:t>
             </a:r>
             <a:r>
-              <a:rPr lang="en-US" sz="2000" b="1" i="1" dirty="0" smtClean="0">
+              <a:rPr lang="en-US" sz="2000" b="1" i="1">
                 <a:solidFill>
                   <a:srgbClr val="0070C0"/>
                 </a:solidFill>
@@ -20446,70 +19822,16 @@
               <a:t>:</a:t>
             </a:r>
             <a:r>
-              <a:rPr lang="en-US" sz="2000" i="1" dirty="0" smtClean="0">
+              <a:rPr lang="en-US" sz="2000" i="1">
                 <a:solidFill>
                   <a:srgbClr val="0070C0"/>
                 </a:solidFill>
                 <a:latin typeface="Candara" pitchFamily="34" charset="0"/>
               </a:rPr>
-              <a:t> Se </a:t>
-            </a:r>
-            <a:r>
-              <a:rPr lang="en-US" sz="2000" i="1" dirty="0" err="1" smtClean="0">
-                <a:solidFill>
-                  <a:srgbClr val="0070C0"/>
-                </a:solidFill>
-                <a:latin typeface="Candara" pitchFamily="34" charset="0"/>
-              </a:rPr>
-              <a:t>crea</a:t>
-            </a:r>
-            <a:r>
-              <a:rPr lang="en-US" sz="2000" i="1" dirty="0" smtClean="0">
-                <a:solidFill>
-                  <a:srgbClr val="0070C0"/>
-                </a:solidFill>
-                <a:latin typeface="Candara" pitchFamily="34" charset="0"/>
-              </a:rPr>
-              <a:t> la </a:t>
-            </a:r>
-            <a:r>
-              <a:rPr lang="en-US" sz="2000" i="1" dirty="0" err="1" smtClean="0">
-                <a:solidFill>
-                  <a:srgbClr val="0070C0"/>
-                </a:solidFill>
-                <a:latin typeface="Candara" pitchFamily="34" charset="0"/>
-              </a:rPr>
-              <a:t>regla</a:t>
-            </a:r>
-            <a:r>
-              <a:rPr lang="en-US" sz="2000" i="1" dirty="0" smtClean="0">
-                <a:solidFill>
-                  <a:srgbClr val="0070C0"/>
-                </a:solidFill>
-                <a:latin typeface="Candara" pitchFamily="34" charset="0"/>
-              </a:rPr>
-              <a:t> de </a:t>
-            </a:r>
-            <a:r>
-              <a:rPr lang="en-US" sz="2000" i="1" dirty="0" err="1" smtClean="0">
-                <a:solidFill>
-                  <a:srgbClr val="0070C0"/>
-                </a:solidFill>
-                <a:latin typeface="Candara" pitchFamily="34" charset="0"/>
-              </a:rPr>
-              <a:t>negocio</a:t>
-            </a:r>
-            <a:r>
-              <a:rPr lang="en-US" sz="2000" i="1" dirty="0" smtClean="0">
-                <a:solidFill>
-                  <a:srgbClr val="0070C0"/>
-                </a:solidFill>
-                <a:latin typeface="Candara" pitchFamily="34" charset="0"/>
-              </a:rPr>
-              <a:t> </a:t>
-            </a:r>
-            <a:r>
-              <a:rPr lang="es-PE" sz="2000" b="1" i="1" dirty="0" smtClean="0">
+              <a:t> Se crea la regla de negocio </a:t>
+            </a:r>
+            <a:r>
+              <a:rPr lang="es-PE" sz="2000" b="1" i="1">
                 <a:solidFill>
                   <a:srgbClr val="0070C0"/>
                 </a:solidFill>
@@ -20517,7 +19839,7 @@
               </a:rPr>
               <a:t>CC_RN001_Plazos_Líneas_de_Servicio</a:t>
             </a:r>
-            <a:endParaRPr lang="en-US" sz="2000" i="1" dirty="0" smtClean="0">
+            <a:endParaRPr lang="en-US" sz="2000" i="1">
               <a:solidFill>
                 <a:srgbClr val="0070C0"/>
               </a:solidFill>
@@ -20525,8 +19847,7 @@
             </a:endParaRPr>
           </a:p>
           <a:p>
-            <a:pPr lvl="0"/>
-            <a:endParaRPr lang="en-US" sz="2000" b="1" i="1" dirty="0" smtClean="0">
+            <a:endParaRPr lang="en-US" sz="2000" b="1" i="1">
               <a:solidFill>
                 <a:schemeClr val="tx2"/>
               </a:solidFill>
@@ -20560,33 +19881,19 @@
           </a:ln>
         </p:spPr>
         <p:txBody>
-          <a:bodyPr vert="horz" wrap="square" lIns="91440" tIns="45720" rIns="91440" bIns="45720" numCol="1" rtlCol="0" anchor="ctr" anchorCtr="0" compatLnSpc="1">
-            <a:prstTxWarp prst="textNoShape">
-              <a:avLst/>
-            </a:prstTxWarp>
+          <a:bodyPr anchor="ctr">
             <a:normAutofit fontScale="97500"/>
           </a:bodyPr>
           <a:lstStyle/>
           <a:p>
-            <a:pPr marL="0" marR="0" lvl="0" indent="0" algn="ctr" defTabSz="914400" rtl="0" eaLnBrk="1" fontAlgn="auto" latinLnBrk="0" hangingPunct="1">
-              <a:lnSpc>
-                <a:spcPct val="100000"/>
-              </a:lnSpc>
-              <a:spcBef>
-                <a:spcPct val="0"/>
-              </a:spcBef>
+            <a:pPr algn="ctr" fontAlgn="auto">
               <a:spcAft>
                 <a:spcPts val="0"/>
               </a:spcAft>
-              <a:buClrTx/>
-              <a:buSzTx/>
-              <a:buFontTx/>
-              <a:buNone/>
-              <a:tabLst/>
               <a:defRPr/>
             </a:pPr>
             <a:r>
-              <a:rPr lang="en-US" sz="4400" dirty="0" smtClean="0">
+              <a:rPr lang="en-US" sz="4400" dirty="0">
                 <a:solidFill>
                   <a:srgbClr val="FFFFFF"/>
                 </a:solidFill>
@@ -20596,16 +19903,10 @@
               </a:rPr>
               <a:t>REGLAS DEL NEGOCIO</a:t>
             </a:r>
-            <a:endParaRPr kumimoji="0" lang="es-PE" sz="4400" b="0" i="0" u="none" strike="noStrike" kern="1200" cap="none" spc="0" normalizeH="0" baseline="0" noProof="0" dirty="0">
-              <a:ln>
-                <a:noFill/>
-              </a:ln>
+            <a:endParaRPr lang="es-PE" sz="4400" dirty="0">
               <a:solidFill>
                 <a:srgbClr val="FFFFFF"/>
               </a:solidFill>
-              <a:effectLst/>
-              <a:uLnTx/>
-              <a:uFillTx/>
               <a:latin typeface="+mj-lt"/>
               <a:ea typeface="+mj-ea"/>
               <a:cs typeface="+mj-cs"/>
@@ -20640,29 +19941,36 @@
       </p:grpSpPr>
       <p:sp>
         <p:nvSpPr>
-          <p:cNvPr id="2" name="1 CuadroTexto"/>
-          <p:cNvSpPr txBox="1"/>
+          <p:cNvPr id="19457" name="1 CuadroTexto"/>
+          <p:cNvSpPr txBox="1">
+            <a:spLocks noChangeArrowheads="1"/>
+          </p:cNvSpPr>
           <p:nvPr/>
         </p:nvSpPr>
-        <p:spPr>
+        <p:spPr bwMode="auto">
           <a:xfrm>
-            <a:off x="251520" y="2420888"/>
-            <a:ext cx="8640960" cy="1938992"/>
+            <a:off x="250825" y="2420938"/>
+            <a:ext cx="8642350" cy="1938337"/>
           </a:xfrm>
           <a:prstGeom prst="rect">
             <a:avLst/>
           </a:prstGeom>
           <a:noFill/>
+          <a:ln w="9525">
+            <a:noFill/>
+            <a:miter lim="800000"/>
+            <a:headEnd/>
+            <a:tailEnd/>
+          </a:ln>
         </p:spPr>
         <p:txBody>
-          <a:bodyPr wrap="square" rtlCol="0">
+          <a:bodyPr>
             <a:spAutoFit/>
           </a:bodyPr>
           <a:lstStyle/>
           <a:p>
-            <a:pPr lvl="0"/>
-            <a:r>
-              <a:rPr lang="es-PE" sz="2000" b="1" i="1" u="sng" dirty="0" smtClean="0">
+            <a:r>
+              <a:rPr lang="es-PE" sz="2000" b="1" i="1" u="sng">
                 <a:solidFill>
                   <a:schemeClr val="tx2"/>
                 </a:solidFill>
@@ -20671,7 +19979,7 @@
               <a:t>OBSERVACIÓN</a:t>
             </a:r>
             <a:r>
-              <a:rPr lang="es-PE" sz="2000" b="1" i="1" dirty="0" smtClean="0">
+              <a:rPr lang="es-PE" sz="2000" b="1" i="1">
                 <a:solidFill>
                   <a:schemeClr val="tx2"/>
                 </a:solidFill>
@@ -20680,7 +19988,7 @@
               <a:t>: </a:t>
             </a:r>
             <a:r>
-              <a:rPr lang="es-PE" sz="2000" i="1" dirty="0" smtClean="0">
+              <a:rPr lang="es-PE" sz="2000" i="1">
                 <a:solidFill>
                   <a:schemeClr val="tx2"/>
                 </a:solidFill>
@@ -20689,7 +19997,7 @@
               <a:t>Crear una nueva regla de negocio </a:t>
             </a:r>
             <a:r>
-              <a:rPr lang="es-PE" sz="2000" b="1" i="1" dirty="0" smtClean="0">
+              <a:rPr lang="es-PE" sz="2000" b="1" i="1">
                 <a:solidFill>
                   <a:schemeClr val="tx2"/>
                 </a:solidFill>
@@ -20698,27 +20006,17 @@
               <a:t>CC_RN002_Penalidad_Incumplimiento_Servicio</a:t>
             </a:r>
             <a:r>
-              <a:rPr lang="es-PE" sz="2000" i="1" dirty="0" smtClean="0">
+              <a:rPr lang="es-PE" sz="2000" i="1">
                 <a:solidFill>
                   <a:schemeClr val="tx2"/>
                 </a:solidFill>
                 <a:latin typeface="Candara" pitchFamily="34" charset="0"/>
               </a:rPr>
-              <a:t>. Se debe detallar las penalidades para cada línea de servicio</a:t>
-            </a:r>
-            <a:r>
-              <a:rPr lang="es-PE" sz="2000" i="1" dirty="0" smtClean="0">
-                <a:solidFill>
-                  <a:schemeClr val="tx2"/>
-                </a:solidFill>
-                <a:latin typeface="Candara" pitchFamily="34" charset="0"/>
-              </a:rPr>
-              <a:t>.</a:t>
-            </a:r>
-          </a:p>
-          <a:p>
-            <a:pPr lvl="0"/>
-            <a:endParaRPr lang="es-PE" sz="2000" i="1" dirty="0" smtClean="0">
+              <a:t>. Se debe detallar las penalidades para cada línea de servicio.</a:t>
+            </a:r>
+          </a:p>
+          <a:p>
+            <a:endParaRPr lang="es-PE" sz="2000" i="1">
               <a:solidFill>
                 <a:schemeClr val="tx2"/>
               </a:solidFill>
@@ -20727,7 +20025,7 @@
           </a:p>
           <a:p>
             <a:r>
-              <a:rPr lang="en-US" sz="2000" b="1" i="1" u="sng" dirty="0" smtClean="0">
+              <a:rPr lang="en-US" sz="2000" b="1" i="1" u="sng">
                 <a:solidFill>
                   <a:srgbClr val="0070C0"/>
                 </a:solidFill>
@@ -20736,7 +20034,7 @@
               <a:t>CORRECCIÓN</a:t>
             </a:r>
             <a:r>
-              <a:rPr lang="en-US" sz="2000" b="1" i="1" dirty="0" smtClean="0">
+              <a:rPr lang="en-US" sz="2000" b="1" i="1">
                 <a:solidFill>
                   <a:srgbClr val="0070C0"/>
                 </a:solidFill>
@@ -20745,70 +20043,16 @@
               <a:t>: </a:t>
             </a:r>
             <a:r>
-              <a:rPr lang="en-US" sz="2000" i="1" dirty="0" smtClean="0">
+              <a:rPr lang="en-US" sz="2000" i="1">
                 <a:solidFill>
                   <a:srgbClr val="0070C0"/>
                 </a:solidFill>
                 <a:latin typeface="Candara" pitchFamily="34" charset="0"/>
               </a:rPr>
-              <a:t>Se </a:t>
-            </a:r>
-            <a:r>
-              <a:rPr lang="en-US" sz="2000" i="1" dirty="0" err="1" smtClean="0">
-                <a:solidFill>
-                  <a:srgbClr val="0070C0"/>
-                </a:solidFill>
-                <a:latin typeface="Candara" pitchFamily="34" charset="0"/>
-              </a:rPr>
-              <a:t>crea</a:t>
-            </a:r>
-            <a:r>
-              <a:rPr lang="en-US" sz="2000" i="1" dirty="0" smtClean="0">
-                <a:solidFill>
-                  <a:srgbClr val="0070C0"/>
-                </a:solidFill>
-                <a:latin typeface="Candara" pitchFamily="34" charset="0"/>
-              </a:rPr>
-              <a:t> la </a:t>
-            </a:r>
-            <a:r>
-              <a:rPr lang="en-US" sz="2000" i="1" dirty="0" err="1" smtClean="0">
-                <a:solidFill>
-                  <a:srgbClr val="0070C0"/>
-                </a:solidFill>
-                <a:latin typeface="Candara" pitchFamily="34" charset="0"/>
-              </a:rPr>
-              <a:t>regla</a:t>
-            </a:r>
-            <a:r>
-              <a:rPr lang="en-US" sz="2000" i="1" dirty="0" smtClean="0">
-                <a:solidFill>
-                  <a:srgbClr val="0070C0"/>
-                </a:solidFill>
-                <a:latin typeface="Candara" pitchFamily="34" charset="0"/>
-              </a:rPr>
-              <a:t> de </a:t>
-            </a:r>
-            <a:r>
-              <a:rPr lang="en-US" sz="2000" i="1" dirty="0" err="1" smtClean="0">
-                <a:solidFill>
-                  <a:srgbClr val="0070C0"/>
-                </a:solidFill>
-                <a:latin typeface="Candara" pitchFamily="34" charset="0"/>
-              </a:rPr>
-              <a:t>negocio</a:t>
-            </a:r>
-            <a:r>
-              <a:rPr lang="en-US" sz="2000" i="1" dirty="0" smtClean="0">
-                <a:solidFill>
-                  <a:srgbClr val="0070C0"/>
-                </a:solidFill>
-                <a:latin typeface="Candara" pitchFamily="34" charset="0"/>
-              </a:rPr>
-              <a:t> </a:t>
-            </a:r>
-            <a:r>
-              <a:rPr lang="es-PE" sz="2000" b="1" i="1" dirty="0" smtClean="0">
+              <a:t>Se crea la regla de negocio </a:t>
+            </a:r>
+            <a:r>
+              <a:rPr lang="es-PE" sz="2000" b="1" i="1">
                 <a:solidFill>
                   <a:srgbClr val="0070C0"/>
                 </a:solidFill>
@@ -20816,7 +20060,7 @@
               </a:rPr>
               <a:t>CC_RN002_Penalidad_Incumplimiento_Servicio</a:t>
             </a:r>
-            <a:endParaRPr lang="en-US" sz="2000" b="1" i="1" dirty="0" smtClean="0">
+            <a:endParaRPr lang="en-US" sz="2000" b="1" i="1">
               <a:solidFill>
                 <a:srgbClr val="0070C0"/>
               </a:solidFill>
@@ -20850,33 +20094,19 @@
           </a:ln>
         </p:spPr>
         <p:txBody>
-          <a:bodyPr vert="horz" wrap="square" lIns="91440" tIns="45720" rIns="91440" bIns="45720" numCol="1" rtlCol="0" anchor="ctr" anchorCtr="0" compatLnSpc="1">
-            <a:prstTxWarp prst="textNoShape">
-              <a:avLst/>
-            </a:prstTxWarp>
+          <a:bodyPr anchor="ctr">
             <a:normAutofit fontScale="97500"/>
           </a:bodyPr>
           <a:lstStyle/>
           <a:p>
-            <a:pPr marL="0" marR="0" lvl="0" indent="0" algn="ctr" defTabSz="914400" rtl="0" eaLnBrk="1" fontAlgn="auto" latinLnBrk="0" hangingPunct="1">
-              <a:lnSpc>
-                <a:spcPct val="100000"/>
-              </a:lnSpc>
-              <a:spcBef>
-                <a:spcPct val="0"/>
-              </a:spcBef>
+            <a:pPr algn="ctr" fontAlgn="auto">
               <a:spcAft>
                 <a:spcPts val="0"/>
               </a:spcAft>
-              <a:buClrTx/>
-              <a:buSzTx/>
-              <a:buFontTx/>
-              <a:buNone/>
-              <a:tabLst/>
               <a:defRPr/>
             </a:pPr>
             <a:r>
-              <a:rPr lang="en-US" sz="4400" dirty="0" smtClean="0">
+              <a:rPr lang="en-US" sz="4400" dirty="0">
                 <a:solidFill>
                   <a:srgbClr val="FFFFFF"/>
                 </a:solidFill>
@@ -20886,16 +20116,10 @@
               </a:rPr>
               <a:t>REGLAS DEL NEGOCIO</a:t>
             </a:r>
-            <a:endParaRPr kumimoji="0" lang="es-PE" sz="4400" b="0" i="0" u="none" strike="noStrike" kern="1200" cap="none" spc="0" normalizeH="0" baseline="0" noProof="0" dirty="0">
-              <a:ln>
-                <a:noFill/>
-              </a:ln>
+            <a:endParaRPr lang="es-PE" sz="4400" dirty="0">
               <a:solidFill>
                 <a:srgbClr val="FFFFFF"/>
               </a:solidFill>
-              <a:effectLst/>
-              <a:uLnTx/>
-              <a:uFillTx/>
               <a:latin typeface="+mj-lt"/>
               <a:ea typeface="+mj-ea"/>
               <a:cs typeface="+mj-cs"/>
@@ -20930,29 +20154,36 @@
       </p:grpSpPr>
       <p:sp>
         <p:nvSpPr>
-          <p:cNvPr id="2" name="1 CuadroTexto"/>
-          <p:cNvSpPr txBox="1"/>
+          <p:cNvPr id="20481" name="1 CuadroTexto"/>
+          <p:cNvSpPr txBox="1">
+            <a:spLocks noChangeArrowheads="1"/>
+          </p:cNvSpPr>
           <p:nvPr/>
         </p:nvSpPr>
-        <p:spPr>
+        <p:spPr bwMode="auto">
           <a:xfrm>
-            <a:off x="251520" y="2420888"/>
-            <a:ext cx="8640960" cy="1631216"/>
+            <a:off x="250825" y="2420938"/>
+            <a:ext cx="8642350" cy="1616075"/>
           </a:xfrm>
           <a:prstGeom prst="rect">
             <a:avLst/>
           </a:prstGeom>
           <a:noFill/>
+          <a:ln w="9525">
+            <a:noFill/>
+            <a:miter lim="800000"/>
+            <a:headEnd/>
+            <a:tailEnd/>
+          </a:ln>
         </p:spPr>
         <p:txBody>
-          <a:bodyPr wrap="square" rtlCol="0">
+          <a:bodyPr>
             <a:spAutoFit/>
           </a:bodyPr>
           <a:lstStyle/>
           <a:p>
-            <a:pPr lvl="0"/>
-            <a:r>
-              <a:rPr lang="es-PE" sz="2000" b="1" i="1" u="sng" dirty="0" smtClean="0">
+            <a:r>
+              <a:rPr lang="es-PE" sz="2000" b="1" i="1" u="sng">
                 <a:solidFill>
                   <a:schemeClr val="tx2"/>
                 </a:solidFill>
@@ -20961,7 +20192,7 @@
               <a:t>OBSERVACIÓN</a:t>
             </a:r>
             <a:r>
-              <a:rPr lang="es-PE" sz="2000" b="1" i="1" dirty="0" smtClean="0">
+              <a:rPr lang="es-PE" sz="2000" b="1" i="1">
                 <a:solidFill>
                   <a:schemeClr val="tx2"/>
                 </a:solidFill>
@@ -20970,7 +20201,7 @@
               <a:t>: </a:t>
             </a:r>
             <a:r>
-              <a:rPr lang="es-PE" sz="2000" i="1" dirty="0" smtClean="0">
+              <a:rPr lang="es-PE" sz="2000" i="1">
                 <a:solidFill>
                   <a:schemeClr val="tx2"/>
                 </a:solidFill>
@@ -20979,7 +20210,7 @@
               <a:t>Validar si </a:t>
             </a:r>
             <a:r>
-              <a:rPr lang="es-PE" sz="2000" b="1" i="1" dirty="0" smtClean="0">
+              <a:rPr lang="es-PE" sz="2000" b="1" i="1">
                 <a:solidFill>
                   <a:schemeClr val="tx2"/>
                 </a:solidFill>
@@ -20988,7 +20219,7 @@
               <a:t>CC_RN002_Categoría_de_Tipos_de_Cliente</a:t>
             </a:r>
             <a:r>
-              <a:rPr lang="es-PE" sz="2000" i="1" dirty="0" smtClean="0">
+              <a:rPr lang="es-PE" sz="2000" i="1">
                 <a:solidFill>
                   <a:schemeClr val="tx2"/>
                 </a:solidFill>
@@ -20997,54 +20228,26 @@
               <a:t>, </a:t>
             </a:r>
             <a:r>
-              <a:rPr lang="es-PE" sz="2000" b="1" i="1" dirty="0" smtClean="0">
+              <a:rPr lang="es-PE" sz="2000" b="1" i="1">
                 <a:solidFill>
                   <a:schemeClr val="tx2"/>
                 </a:solidFill>
                 <a:latin typeface="Candara" pitchFamily="34" charset="0"/>
               </a:rPr>
-              <a:t>CC_RN003_Tipos_de_Servicio, </a:t>
-            </a:r>
-            <a:r>
-              <a:rPr lang="es-PE" sz="2000" b="1" i="1" dirty="0" smtClean="0">
+              <a:t>CC_RN003_Tipos_de_Servicio, CC_RN007_Polémica_de_Contrato y CC_RN009_Tipos_de_Penalidad</a:t>
+            </a:r>
+            <a:r>
+              <a:rPr lang="es-PE" sz="2000" i="1">
                 <a:solidFill>
                   <a:schemeClr val="tx2"/>
                 </a:solidFill>
                 <a:latin typeface="Candara" pitchFamily="34" charset="0"/>
               </a:rPr>
-              <a:t>CC_RN007_Polémica_de_Contrato y </a:t>
-            </a:r>
-            <a:r>
-              <a:rPr lang="es-PE" sz="2000" b="1" i="1" dirty="0" smtClean="0">
-                <a:solidFill>
-                  <a:schemeClr val="tx2"/>
-                </a:solidFill>
-                <a:latin typeface="Candara" pitchFamily="34" charset="0"/>
-              </a:rPr>
-              <a:t>CC_RN009_Tipos_de_Penalidad</a:t>
-            </a:r>
-            <a:r>
-              <a:rPr lang="es-PE" sz="2000" i="1" dirty="0" smtClean="0">
-                <a:solidFill>
-                  <a:schemeClr val="tx2"/>
-                </a:solidFill>
-                <a:latin typeface="Candara" pitchFamily="34" charset="0"/>
-              </a:rPr>
-              <a:t> deben ser borradas o se mantendrán</a:t>
-            </a:r>
-            <a:r>
-              <a:rPr lang="es-PE" sz="2000" i="1" dirty="0" smtClean="0">
-                <a:solidFill>
-                  <a:schemeClr val="tx2"/>
-                </a:solidFill>
-                <a:latin typeface="Candara" pitchFamily="34" charset="0"/>
-              </a:rPr>
-              <a:t>.</a:t>
-            </a:r>
-          </a:p>
-          <a:p>
-            <a:pPr lvl="0"/>
-            <a:endParaRPr lang="es-PE" sz="2000" i="1" dirty="0" smtClean="0">
+              <a:t> deben ser borradas o se mantendrán.</a:t>
+            </a:r>
+          </a:p>
+          <a:p>
+            <a:endParaRPr lang="es-PE" sz="2000" i="1">
               <a:solidFill>
                 <a:schemeClr val="tx2"/>
               </a:solidFill>
@@ -21053,29 +20256,23 @@
           </a:p>
           <a:p>
             <a:r>
-              <a:rPr lang="en-US" sz="2000" b="1" i="1" u="sng" dirty="0" smtClean="0">
+              <a:rPr lang="en-US" sz="2000" b="1" i="1" u="sng">
                 <a:solidFill>
-                  <a:srgbClr val="0070C0"/>
+                  <a:srgbClr val="8C2902"/>
                 </a:solidFill>
                 <a:latin typeface="Candara" pitchFamily="34" charset="0"/>
               </a:rPr>
               <a:t>CORRECCIÓN</a:t>
             </a:r>
             <a:r>
-              <a:rPr lang="en-US" sz="2000" b="1" i="1" dirty="0" smtClean="0">
+              <a:rPr lang="en-US" sz="2000" b="1" i="1">
                 <a:solidFill>
-                  <a:srgbClr val="0070C0"/>
+                  <a:srgbClr val="8C2902"/>
                 </a:solidFill>
                 <a:latin typeface="Candara" pitchFamily="34" charset="0"/>
               </a:rPr>
-              <a:t>:</a:t>
-            </a:r>
-            <a:endParaRPr lang="en-US" sz="2000" b="1" i="1" dirty="0" smtClean="0">
-              <a:solidFill>
-                <a:srgbClr val="0070C0"/>
-              </a:solidFill>
-              <a:latin typeface="Candara" pitchFamily="34" charset="0"/>
-            </a:endParaRPr>
+              <a:t>: En Evaluación</a:t>
+            </a:r>
           </a:p>
         </p:txBody>
       </p:sp>
@@ -21104,33 +20301,19 @@
           </a:ln>
         </p:spPr>
         <p:txBody>
-          <a:bodyPr vert="horz" wrap="square" lIns="91440" tIns="45720" rIns="91440" bIns="45720" numCol="1" rtlCol="0" anchor="ctr" anchorCtr="0" compatLnSpc="1">
-            <a:prstTxWarp prst="textNoShape">
-              <a:avLst/>
-            </a:prstTxWarp>
+          <a:bodyPr anchor="ctr">
             <a:normAutofit fontScale="97500"/>
           </a:bodyPr>
           <a:lstStyle/>
           <a:p>
-            <a:pPr marL="0" marR="0" lvl="0" indent="0" algn="ctr" defTabSz="914400" rtl="0" eaLnBrk="1" fontAlgn="auto" latinLnBrk="0" hangingPunct="1">
-              <a:lnSpc>
-                <a:spcPct val="100000"/>
-              </a:lnSpc>
-              <a:spcBef>
-                <a:spcPct val="0"/>
-              </a:spcBef>
+            <a:pPr algn="ctr" fontAlgn="auto">
               <a:spcAft>
                 <a:spcPts val="0"/>
               </a:spcAft>
-              <a:buClrTx/>
-              <a:buSzTx/>
-              <a:buFontTx/>
-              <a:buNone/>
-              <a:tabLst/>
               <a:defRPr/>
             </a:pPr>
             <a:r>
-              <a:rPr lang="en-US" sz="4400" dirty="0" smtClean="0">
+              <a:rPr lang="en-US" sz="4400" dirty="0">
                 <a:solidFill>
                   <a:srgbClr val="FFFFFF"/>
                 </a:solidFill>
@@ -21140,16 +20323,10 @@
               </a:rPr>
               <a:t>REGLAS DEL NEGOCIO</a:t>
             </a:r>
-            <a:endParaRPr kumimoji="0" lang="es-PE" sz="4400" b="0" i="0" u="none" strike="noStrike" kern="1200" cap="none" spc="0" normalizeH="0" baseline="0" noProof="0" dirty="0">
-              <a:ln>
-                <a:noFill/>
-              </a:ln>
+            <a:endParaRPr lang="es-PE" sz="4400" dirty="0">
               <a:solidFill>
                 <a:srgbClr val="FFFFFF"/>
               </a:solidFill>
-              <a:effectLst/>
-              <a:uLnTx/>
-              <a:uFillTx/>
               <a:latin typeface="+mj-lt"/>
               <a:ea typeface="+mj-ea"/>
               <a:cs typeface="+mj-cs"/>
@@ -21184,29 +20361,36 @@
       </p:grpSpPr>
       <p:sp>
         <p:nvSpPr>
-          <p:cNvPr id="2" name="1 CuadroTexto"/>
-          <p:cNvSpPr txBox="1"/>
+          <p:cNvPr id="21505" name="1 CuadroTexto"/>
+          <p:cNvSpPr txBox="1">
+            <a:spLocks noChangeArrowheads="1"/>
+          </p:cNvSpPr>
           <p:nvPr/>
         </p:nvSpPr>
-        <p:spPr>
+        <p:spPr bwMode="auto">
           <a:xfrm>
-            <a:off x="251520" y="1916832"/>
-            <a:ext cx="8640960" cy="1323439"/>
+            <a:off x="250825" y="1916113"/>
+            <a:ext cx="8642350" cy="1323975"/>
           </a:xfrm>
           <a:prstGeom prst="rect">
             <a:avLst/>
           </a:prstGeom>
           <a:noFill/>
+          <a:ln w="9525">
+            <a:noFill/>
+            <a:miter lim="800000"/>
+            <a:headEnd/>
+            <a:tailEnd/>
+          </a:ln>
         </p:spPr>
         <p:txBody>
-          <a:bodyPr wrap="square" rtlCol="0">
+          <a:bodyPr>
             <a:spAutoFit/>
           </a:bodyPr>
           <a:lstStyle/>
           <a:p>
-            <a:pPr lvl="0"/>
-            <a:r>
-              <a:rPr lang="es-PE" sz="2000" b="1" i="1" u="sng" dirty="0" smtClean="0">
+            <a:r>
+              <a:rPr lang="es-PE" sz="2000" b="1" i="1" u="sng">
                 <a:solidFill>
                   <a:schemeClr val="tx2"/>
                 </a:solidFill>
@@ -21215,7 +20399,7 @@
               <a:t>OBSERVACIÓN</a:t>
             </a:r>
             <a:r>
-              <a:rPr lang="es-PE" sz="2000" b="1" i="1" dirty="0" smtClean="0">
+              <a:rPr lang="es-PE" sz="2000" b="1" i="1">
                 <a:solidFill>
                   <a:schemeClr val="tx2"/>
                 </a:solidFill>
@@ -21224,7 +20408,7 @@
               <a:t>: </a:t>
             </a:r>
             <a:r>
-              <a:rPr lang="es-PE" sz="2000" i="1" dirty="0" smtClean="0">
+              <a:rPr lang="es-PE" sz="2000" i="1">
                 <a:solidFill>
                   <a:schemeClr val="tx2"/>
                 </a:solidFill>
@@ -21233,7 +20417,7 @@
               <a:t>Completar </a:t>
             </a:r>
             <a:r>
-              <a:rPr lang="es-PE" sz="2000" b="1" i="1" dirty="0" smtClean="0">
+              <a:rPr lang="es-PE" sz="2000" b="1" i="1">
                 <a:solidFill>
                   <a:schemeClr val="tx2"/>
                 </a:solidFill>
@@ -21244,7 +20428,7 @@
           </a:p>
           <a:p>
             <a:r>
-              <a:rPr lang="en-US" sz="2000" b="1" i="1" u="sng" dirty="0" smtClean="0">
+              <a:rPr lang="en-US" sz="2000" b="1" i="1" u="sng">
                 <a:solidFill>
                   <a:srgbClr val="0070C0"/>
                 </a:solidFill>
@@ -21253,7 +20437,7 @@
               <a:t>CORRECCIÓN</a:t>
             </a:r>
             <a:r>
-              <a:rPr lang="en-US" sz="2000" b="1" i="1" dirty="0" smtClean="0">
+              <a:rPr lang="en-US" sz="2000" b="1" i="1">
                 <a:solidFill>
                   <a:srgbClr val="0070C0"/>
                 </a:solidFill>
@@ -21264,7 +20448,7 @@
           </a:p>
           <a:p>
             <a:r>
-              <a:rPr lang="es-PE" sz="2000" b="1" i="1" dirty="0" smtClean="0">
+              <a:rPr lang="es-PE" sz="2000" b="1" i="1">
                 <a:solidFill>
                   <a:srgbClr val="0070C0"/>
                 </a:solidFill>
@@ -21275,7 +20459,7 @@
           </a:p>
           <a:p>
             <a:r>
-              <a:rPr lang="es-PE" sz="2000" i="1" dirty="0" smtClean="0">
+              <a:rPr lang="es-PE" sz="2000" i="1">
                 <a:solidFill>
                   <a:srgbClr val="0070C0"/>
                 </a:solidFill>
@@ -21283,7 +20467,7 @@
               </a:rPr>
               <a:t>El número de Adendas a generarse dependerá de los siguientes Tipos de Contrato</a:t>
             </a:r>
-            <a:endParaRPr lang="en-US" sz="2000" i="1" dirty="0" smtClean="0">
+            <a:endParaRPr lang="en-US" sz="2000" i="1">
               <a:solidFill>
                 <a:srgbClr val="0070C0"/>
               </a:solidFill>
@@ -21317,33 +20501,19 @@
           </a:ln>
         </p:spPr>
         <p:txBody>
-          <a:bodyPr vert="horz" wrap="square" lIns="91440" tIns="45720" rIns="91440" bIns="45720" numCol="1" rtlCol="0" anchor="ctr" anchorCtr="0" compatLnSpc="1">
-            <a:prstTxWarp prst="textNoShape">
-              <a:avLst/>
-            </a:prstTxWarp>
+          <a:bodyPr anchor="ctr">
             <a:normAutofit fontScale="97500"/>
           </a:bodyPr>
           <a:lstStyle/>
           <a:p>
-            <a:pPr marL="0" marR="0" lvl="0" indent="0" algn="ctr" defTabSz="914400" rtl="0" eaLnBrk="1" fontAlgn="auto" latinLnBrk="0" hangingPunct="1">
-              <a:lnSpc>
-                <a:spcPct val="100000"/>
-              </a:lnSpc>
-              <a:spcBef>
-                <a:spcPct val="0"/>
-              </a:spcBef>
+            <a:pPr algn="ctr" fontAlgn="auto">
               <a:spcAft>
                 <a:spcPts val="0"/>
               </a:spcAft>
-              <a:buClrTx/>
-              <a:buSzTx/>
-              <a:buFontTx/>
-              <a:buNone/>
-              <a:tabLst/>
               <a:defRPr/>
             </a:pPr>
             <a:r>
-              <a:rPr lang="en-US" sz="4400" dirty="0" smtClean="0">
+              <a:rPr lang="en-US" sz="4400" dirty="0">
                 <a:solidFill>
                   <a:srgbClr val="FFFFFF"/>
                 </a:solidFill>
@@ -21353,16 +20523,10 @@
               </a:rPr>
               <a:t>REGLAS DEL NEGOCIO</a:t>
             </a:r>
-            <a:endParaRPr kumimoji="0" lang="es-PE" sz="4400" b="0" i="0" u="none" strike="noStrike" kern="1200" cap="none" spc="0" normalizeH="0" baseline="0" noProof="0" dirty="0">
-              <a:ln>
-                <a:noFill/>
-              </a:ln>
+            <a:endParaRPr lang="es-PE" sz="4400" dirty="0">
               <a:solidFill>
                 <a:srgbClr val="FFFFFF"/>
               </a:solidFill>
-              <a:effectLst/>
-              <a:uLnTx/>
-              <a:uFillTx/>
               <a:latin typeface="+mj-lt"/>
               <a:ea typeface="+mj-ea"/>
               <a:cs typeface="+mj-cs"/>
@@ -21372,350 +20536,1402 @@
       </p:sp>
       <p:graphicFrame>
         <p:nvGraphicFramePr>
-          <p:cNvPr id="5" name="4 Tabla"/>
+          <p:cNvPr id="21537" name="Group 33"/>
           <p:cNvGraphicFramePr>
             <a:graphicFrameLocks noGrp="1"/>
           </p:cNvGraphicFramePr>
           <p:nvPr/>
         </p:nvGraphicFramePr>
         <p:xfrm>
-          <a:off x="1475656" y="3286080"/>
-          <a:ext cx="6096000" cy="3383280"/>
+          <a:off x="1476375" y="3286125"/>
+          <a:ext cx="6096000" cy="3387725"/>
         </p:xfrm>
         <a:graphic>
           <a:graphicData uri="http://schemas.openxmlformats.org/drawingml/2006/table">
             <a:tbl>
-              <a:tblPr firstRow="1" bandRow="1">
-                <a:tableStyleId>{5C22544A-7EE6-4342-B048-85BDC9FD1C3A}</a:tableStyleId>
-              </a:tblPr>
+              <a:tblPr/>
               <a:tblGrid>
                 <a:gridCol w="3048000"/>
                 <a:gridCol w="3048000"/>
               </a:tblGrid>
-              <a:tr h="370840">
+              <a:tr h="371475">
                 <a:tc>
                   <a:txBody>
                     <a:bodyPr/>
                     <a:lstStyle/>
                     <a:p>
-                      <a:pPr algn="ctr"/>
+                      <a:pPr marL="0" marR="0" lvl="0" indent="0" algn="ctr" defTabSz="914400" rtl="0" eaLnBrk="1" fontAlgn="base" latinLnBrk="0" hangingPunct="1">
+                        <a:lnSpc>
+                          <a:spcPct val="100000"/>
+                        </a:lnSpc>
+                        <a:spcBef>
+                          <a:spcPct val="0"/>
+                        </a:spcBef>
+                        <a:spcAft>
+                          <a:spcPct val="0"/>
+                        </a:spcAft>
+                        <a:buClrTx/>
+                        <a:buSzTx/>
+                        <a:buFontTx/>
+                        <a:buNone/>
+                        <a:tabLst/>
+                      </a:pPr>
                       <a:r>
-                        <a:rPr lang="en-US" sz="1600" dirty="0" err="1" smtClean="0"/>
-                        <a:t>Tipos</a:t>
+                        <a:rPr kumimoji="0" lang="en-US" sz="1600" b="1" i="0" u="none" strike="noStrike" cap="none" normalizeH="0" baseline="0" smtClean="0">
+                          <a:ln>
+                            <a:noFill/>
+                          </a:ln>
+                          <a:solidFill>
+                            <a:srgbClr val="FFFFFF"/>
+                          </a:solidFill>
+                          <a:effectLst/>
+                          <a:latin typeface="Candara" pitchFamily="34" charset="0"/>
+                        </a:rPr>
+                        <a:t>Tipos de Contrato</a:t>
                       </a:r>
-                      <a:r>
-                        <a:rPr lang="en-US" sz="1600" dirty="0" smtClean="0"/>
-                        <a:t> de </a:t>
-                      </a:r>
-                      <a:r>
-                        <a:rPr lang="en-US" sz="1600" dirty="0" err="1" smtClean="0"/>
-                        <a:t>Contrato</a:t>
-                      </a:r>
-                      <a:endParaRPr lang="es-PE" sz="1600" dirty="0"/>
+                      <a:endParaRPr kumimoji="0" lang="es-PE" sz="1600" b="1" i="0" u="none" strike="noStrike" cap="none" normalizeH="0" baseline="0" smtClean="0">
+                        <a:ln>
+                          <a:noFill/>
+                        </a:ln>
+                        <a:solidFill>
+                          <a:srgbClr val="FFFFFF"/>
+                        </a:solidFill>
+                        <a:effectLst/>
+                        <a:latin typeface="Candara" pitchFamily="34" charset="0"/>
+                      </a:endParaRPr>
                     </a:p>
                   </a:txBody>
-                  <a:tcPr/>
+                  <a:tcPr horzOverflow="overflow">
+                    <a:lnL w="12700" cap="flat" cmpd="sng" algn="ctr">
+                      <a:solidFill>
+                        <a:schemeClr val="bg1"/>
+                      </a:solidFill>
+                      <a:prstDash val="solid"/>
+                      <a:round/>
+                      <a:headEnd type="none" w="med" len="med"/>
+                      <a:tailEnd type="none" w="med" len="med"/>
+                    </a:lnL>
+                    <a:lnR w="12700" cap="flat" cmpd="sng" algn="ctr">
+                      <a:solidFill>
+                        <a:schemeClr val="bg1"/>
+                      </a:solidFill>
+                      <a:prstDash val="solid"/>
+                      <a:round/>
+                      <a:headEnd type="none" w="med" len="med"/>
+                      <a:tailEnd type="none" w="med" len="med"/>
+                    </a:lnR>
+                    <a:lnT w="12700" cap="flat" cmpd="sng" algn="ctr">
+                      <a:solidFill>
+                        <a:schemeClr val="bg1"/>
+                      </a:solidFill>
+                      <a:prstDash val="solid"/>
+                      <a:round/>
+                      <a:headEnd type="none" w="med" len="med"/>
+                      <a:tailEnd type="none" w="med" len="med"/>
+                    </a:lnT>
+                    <a:lnB w="38100" cap="flat" cmpd="sng" algn="ctr">
+                      <a:solidFill>
+                        <a:schemeClr val="bg1"/>
+                      </a:solidFill>
+                      <a:prstDash val="solid"/>
+                      <a:round/>
+                      <a:headEnd type="none" w="med" len="med"/>
+                      <a:tailEnd type="none" w="med" len="med"/>
+                    </a:lnB>
+                    <a:lnTlToBr>
+                      <a:noFill/>
+                    </a:lnTlToBr>
+                    <a:lnBlToTr>
+                      <a:noFill/>
+                    </a:lnBlToTr>
+                    <a:solidFill>
+                      <a:schemeClr val="accent1"/>
+                    </a:solidFill>
+                  </a:tcPr>
                 </a:tc>
                 <a:tc>
                   <a:txBody>
                     <a:bodyPr/>
                     <a:lstStyle/>
                     <a:p>
-                      <a:pPr algn="ctr"/>
+                      <a:pPr marL="0" marR="0" lvl="0" indent="0" algn="ctr" defTabSz="914400" rtl="0" eaLnBrk="1" fontAlgn="base" latinLnBrk="0" hangingPunct="1">
+                        <a:lnSpc>
+                          <a:spcPct val="100000"/>
+                        </a:lnSpc>
+                        <a:spcBef>
+                          <a:spcPct val="0"/>
+                        </a:spcBef>
+                        <a:spcAft>
+                          <a:spcPct val="0"/>
+                        </a:spcAft>
+                        <a:buClrTx/>
+                        <a:buSzTx/>
+                        <a:buFontTx/>
+                        <a:buNone/>
+                        <a:tabLst/>
+                      </a:pPr>
                       <a:r>
-                        <a:rPr lang="en-US" sz="1600" dirty="0" err="1" smtClean="0"/>
-                        <a:t>Nro</a:t>
+                        <a:rPr kumimoji="0" lang="en-US" sz="1600" b="1" i="0" u="none" strike="noStrike" cap="none" normalizeH="0" baseline="0" smtClean="0">
+                          <a:ln>
+                            <a:noFill/>
+                          </a:ln>
+                          <a:solidFill>
+                            <a:srgbClr val="FFFFFF"/>
+                          </a:solidFill>
+                          <a:effectLst/>
+                          <a:latin typeface="Candara" pitchFamily="34" charset="0"/>
+                        </a:rPr>
+                        <a:t>Nro. máximo de Adendas</a:t>
                       </a:r>
-                      <a:r>
-                        <a:rPr lang="en-US" sz="1600" dirty="0" smtClean="0"/>
-                        <a:t>.</a:t>
-                      </a:r>
-                      <a:r>
-                        <a:rPr lang="en-US" sz="1600" baseline="0" dirty="0" smtClean="0"/>
-                        <a:t> </a:t>
-                      </a:r>
-                      <a:r>
-                        <a:rPr lang="en-US" sz="1600" baseline="0" dirty="0" err="1" smtClean="0"/>
-                        <a:t>máximo</a:t>
-                      </a:r>
-                      <a:r>
-                        <a:rPr lang="en-US" sz="1600" baseline="0" dirty="0" smtClean="0"/>
-                        <a:t> de </a:t>
-                      </a:r>
-                      <a:r>
-                        <a:rPr lang="en-US" sz="1600" baseline="0" dirty="0" err="1" smtClean="0"/>
-                        <a:t>Adendas</a:t>
-                      </a:r>
-                      <a:endParaRPr lang="es-PE" sz="1600" dirty="0"/>
+                      <a:endParaRPr kumimoji="0" lang="es-PE" sz="1600" b="1" i="0" u="none" strike="noStrike" cap="none" normalizeH="0" baseline="0" smtClean="0">
+                        <a:ln>
+                          <a:noFill/>
+                        </a:ln>
+                        <a:solidFill>
+                          <a:srgbClr val="FFFFFF"/>
+                        </a:solidFill>
+                        <a:effectLst/>
+                        <a:latin typeface="Candara" pitchFamily="34" charset="0"/>
+                      </a:endParaRPr>
                     </a:p>
                   </a:txBody>
-                  <a:tcPr/>
+                  <a:tcPr horzOverflow="overflow">
+                    <a:lnL w="12700" cap="flat" cmpd="sng" algn="ctr">
+                      <a:solidFill>
+                        <a:schemeClr val="bg1"/>
+                      </a:solidFill>
+                      <a:prstDash val="solid"/>
+                      <a:round/>
+                      <a:headEnd type="none" w="med" len="med"/>
+                      <a:tailEnd type="none" w="med" len="med"/>
+                    </a:lnL>
+                    <a:lnR w="12700" cap="flat" cmpd="sng" algn="ctr">
+                      <a:solidFill>
+                        <a:schemeClr val="bg1"/>
+                      </a:solidFill>
+                      <a:prstDash val="solid"/>
+                      <a:round/>
+                      <a:headEnd type="none" w="med" len="med"/>
+                      <a:tailEnd type="none" w="med" len="med"/>
+                    </a:lnR>
+                    <a:lnT w="12700" cap="flat" cmpd="sng" algn="ctr">
+                      <a:solidFill>
+                        <a:schemeClr val="bg1"/>
+                      </a:solidFill>
+                      <a:prstDash val="solid"/>
+                      <a:round/>
+                      <a:headEnd type="none" w="med" len="med"/>
+                      <a:tailEnd type="none" w="med" len="med"/>
+                    </a:lnT>
+                    <a:lnB w="38100" cap="flat" cmpd="sng" algn="ctr">
+                      <a:solidFill>
+                        <a:schemeClr val="bg1"/>
+                      </a:solidFill>
+                      <a:prstDash val="solid"/>
+                      <a:round/>
+                      <a:headEnd type="none" w="med" len="med"/>
+                      <a:tailEnd type="none" w="med" len="med"/>
+                    </a:lnB>
+                    <a:lnTlToBr>
+                      <a:noFill/>
+                    </a:lnTlToBr>
+                    <a:lnBlToTr>
+                      <a:noFill/>
+                    </a:lnBlToTr>
+                    <a:solidFill>
+                      <a:schemeClr val="accent1"/>
+                    </a:solidFill>
+                  </a:tcPr>
                 </a:tc>
               </a:tr>
-              <a:tr h="370840">
+              <a:tr h="371475">
                 <a:tc>
                   <a:txBody>
                     <a:bodyPr/>
                     <a:lstStyle/>
                     <a:p>
+                      <a:pPr marL="0" marR="0" lvl="0" indent="0" algn="l" defTabSz="914400" rtl="0" eaLnBrk="1" fontAlgn="base" latinLnBrk="0" hangingPunct="1">
+                        <a:lnSpc>
+                          <a:spcPct val="100000"/>
+                        </a:lnSpc>
+                        <a:spcBef>
+                          <a:spcPct val="0"/>
+                        </a:spcBef>
+                        <a:spcAft>
+                          <a:spcPct val="0"/>
+                        </a:spcAft>
+                        <a:buClrTx/>
+                        <a:buSzTx/>
+                        <a:buFontTx/>
+                        <a:buNone/>
+                        <a:tabLst/>
+                      </a:pPr>
                       <a:r>
-                        <a:rPr lang="es-PE" sz="1600" kern="1200" dirty="0" smtClean="0">
+                        <a:rPr kumimoji="0" lang="es-PE" sz="1600" b="0" i="0" u="none" strike="noStrike" cap="none" normalizeH="0" baseline="0" smtClean="0">
+                          <a:ln>
+                            <a:noFill/>
+                          </a:ln>
                           <a:solidFill>
                             <a:srgbClr val="002060"/>
                           </a:solidFill>
-                          <a:latin typeface="+mj-lt"/>
-                          <a:ea typeface="+mn-ea"/>
-                          <a:cs typeface="+mn-cs"/>
+                          <a:effectLst/>
+                          <a:latin typeface="Candara" pitchFamily="34" charset="0"/>
                         </a:rPr>
                         <a:t>Prestación de servicio sin suministro de repuestos</a:t>
                       </a:r>
-                      <a:endParaRPr lang="es-PE" sz="1600" dirty="0">
-                        <a:solidFill>
-                          <a:srgbClr val="002060"/>
-                        </a:solidFill>
-                        <a:latin typeface="+mj-lt"/>
-                      </a:endParaRPr>
                     </a:p>
                   </a:txBody>
-                  <a:tcPr/>
+                  <a:tcPr horzOverflow="overflow">
+                    <a:lnL w="12700" cap="flat" cmpd="sng" algn="ctr">
+                      <a:solidFill>
+                        <a:schemeClr val="bg1"/>
+                      </a:solidFill>
+                      <a:prstDash val="solid"/>
+                      <a:round/>
+                      <a:headEnd type="none" w="med" len="med"/>
+                      <a:tailEnd type="none" w="med" len="med"/>
+                    </a:lnL>
+                    <a:lnR w="12700" cap="flat" cmpd="sng" algn="ctr">
+                      <a:solidFill>
+                        <a:schemeClr val="bg1"/>
+                      </a:solidFill>
+                      <a:prstDash val="solid"/>
+                      <a:round/>
+                      <a:headEnd type="none" w="med" len="med"/>
+                      <a:tailEnd type="none" w="med" len="med"/>
+                    </a:lnR>
+                    <a:lnT w="38100" cap="flat" cmpd="sng" algn="ctr">
+                      <a:solidFill>
+                        <a:schemeClr val="bg1"/>
+                      </a:solidFill>
+                      <a:prstDash val="solid"/>
+                      <a:round/>
+                      <a:headEnd type="none" w="med" len="med"/>
+                      <a:tailEnd type="none" w="med" len="med"/>
+                    </a:lnT>
+                    <a:lnB w="12700" cap="flat" cmpd="sng" algn="ctr">
+                      <a:solidFill>
+                        <a:schemeClr val="bg1"/>
+                      </a:solidFill>
+                      <a:prstDash val="solid"/>
+                      <a:round/>
+                      <a:headEnd type="none" w="med" len="med"/>
+                      <a:tailEnd type="none" w="med" len="med"/>
+                    </a:lnB>
+                    <a:lnTlToBr>
+                      <a:noFill/>
+                    </a:lnTlToBr>
+                    <a:lnBlToTr>
+                      <a:noFill/>
+                    </a:lnBlToTr>
+                    <a:solidFill>
+                      <a:srgbClr val="CDE5FE"/>
+                    </a:solidFill>
+                  </a:tcPr>
                 </a:tc>
                 <a:tc>
                   <a:txBody>
                     <a:bodyPr/>
                     <a:lstStyle/>
                     <a:p>
-                      <a:endParaRPr lang="es-PE" sz="1600"/>
+                      <a:pPr marL="0" marR="0" lvl="0" indent="0" algn="l" defTabSz="914400" rtl="0" eaLnBrk="1" fontAlgn="base" latinLnBrk="0" hangingPunct="1">
+                        <a:lnSpc>
+                          <a:spcPct val="100000"/>
+                        </a:lnSpc>
+                        <a:spcBef>
+                          <a:spcPct val="0"/>
+                        </a:spcBef>
+                        <a:spcAft>
+                          <a:spcPct val="0"/>
+                        </a:spcAft>
+                        <a:buClrTx/>
+                        <a:buSzTx/>
+                        <a:buFontTx/>
+                        <a:buNone/>
+                        <a:tabLst/>
+                      </a:pPr>
+                      <a:r>
+                        <a:rPr kumimoji="0" lang="es-ES" sz="1600" b="0" i="0" u="none" strike="noStrike" cap="none" normalizeH="0" baseline="0" smtClean="0">
+                          <a:ln>
+                            <a:noFill/>
+                          </a:ln>
+                          <a:solidFill>
+                            <a:srgbClr val="8C2902"/>
+                          </a:solidFill>
+                          <a:effectLst/>
+                          <a:latin typeface="Candara" pitchFamily="34" charset="0"/>
+                        </a:rPr>
+                        <a:t>Por definir</a:t>
+                      </a:r>
                     </a:p>
                   </a:txBody>
-                  <a:tcPr/>
+                  <a:tcPr horzOverflow="overflow">
+                    <a:lnL w="12700" cap="flat" cmpd="sng" algn="ctr">
+                      <a:solidFill>
+                        <a:schemeClr val="bg1"/>
+                      </a:solidFill>
+                      <a:prstDash val="solid"/>
+                      <a:round/>
+                      <a:headEnd type="none" w="med" len="med"/>
+                      <a:tailEnd type="none" w="med" len="med"/>
+                    </a:lnL>
+                    <a:lnR w="12700" cap="flat" cmpd="sng" algn="ctr">
+                      <a:solidFill>
+                        <a:schemeClr val="bg1"/>
+                      </a:solidFill>
+                      <a:prstDash val="solid"/>
+                      <a:round/>
+                      <a:headEnd type="none" w="med" len="med"/>
+                      <a:tailEnd type="none" w="med" len="med"/>
+                    </a:lnR>
+                    <a:lnT w="38100" cap="flat" cmpd="sng" algn="ctr">
+                      <a:solidFill>
+                        <a:schemeClr val="bg1"/>
+                      </a:solidFill>
+                      <a:prstDash val="solid"/>
+                      <a:round/>
+                      <a:headEnd type="none" w="med" len="med"/>
+                      <a:tailEnd type="none" w="med" len="med"/>
+                    </a:lnT>
+                    <a:lnB w="12700" cap="flat" cmpd="sng" algn="ctr">
+                      <a:solidFill>
+                        <a:schemeClr val="bg1"/>
+                      </a:solidFill>
+                      <a:prstDash val="solid"/>
+                      <a:round/>
+                      <a:headEnd type="none" w="med" len="med"/>
+                      <a:tailEnd type="none" w="med" len="med"/>
+                    </a:lnB>
+                    <a:lnTlToBr>
+                      <a:noFill/>
+                    </a:lnTlToBr>
+                    <a:lnBlToTr>
+                      <a:noFill/>
+                    </a:lnBlToTr>
+                    <a:solidFill>
+                      <a:srgbClr val="CDE5FE"/>
+                    </a:solidFill>
+                  </a:tcPr>
                 </a:tc>
               </a:tr>
-              <a:tr h="370840">
+              <a:tr h="371475">
                 <a:tc>
                   <a:txBody>
                     <a:bodyPr/>
                     <a:lstStyle/>
                     <a:p>
+                      <a:pPr marL="0" marR="0" lvl="0" indent="0" algn="l" defTabSz="914400" rtl="0" eaLnBrk="1" fontAlgn="base" latinLnBrk="0" hangingPunct="1">
+                        <a:lnSpc>
+                          <a:spcPct val="100000"/>
+                        </a:lnSpc>
+                        <a:spcBef>
+                          <a:spcPct val="0"/>
+                        </a:spcBef>
+                        <a:spcAft>
+                          <a:spcPct val="0"/>
+                        </a:spcAft>
+                        <a:buClrTx/>
+                        <a:buSzTx/>
+                        <a:buFontTx/>
+                        <a:buNone/>
+                        <a:tabLst/>
+                      </a:pPr>
                       <a:r>
-                        <a:rPr lang="es-PE" sz="1600" kern="1200" dirty="0" smtClean="0">
+                        <a:rPr kumimoji="0" lang="es-PE" sz="1600" b="0" i="0" u="none" strike="noStrike" cap="none" normalizeH="0" baseline="0" smtClean="0">
+                          <a:ln>
+                            <a:noFill/>
+                          </a:ln>
                           <a:solidFill>
                             <a:srgbClr val="002060"/>
                           </a:solidFill>
-                          <a:latin typeface="+mj-lt"/>
-                          <a:ea typeface="+mn-ea"/>
-                          <a:cs typeface="+mn-cs"/>
+                          <a:effectLst/>
+                          <a:latin typeface="Candara" pitchFamily="34" charset="0"/>
                         </a:rPr>
                         <a:t>Prestación de servicio con suministro de repuestos</a:t>
                       </a:r>
-                      <a:endParaRPr lang="es-PE" sz="1600" dirty="0">
-                        <a:solidFill>
-                          <a:srgbClr val="002060"/>
-                        </a:solidFill>
-                        <a:latin typeface="+mj-lt"/>
-                      </a:endParaRPr>
                     </a:p>
                   </a:txBody>
-                  <a:tcPr/>
+                  <a:tcPr horzOverflow="overflow">
+                    <a:lnL w="12700" cap="flat" cmpd="sng" algn="ctr">
+                      <a:solidFill>
+                        <a:schemeClr val="bg1"/>
+                      </a:solidFill>
+                      <a:prstDash val="solid"/>
+                      <a:round/>
+                      <a:headEnd type="none" w="med" len="med"/>
+                      <a:tailEnd type="none" w="med" len="med"/>
+                    </a:lnL>
+                    <a:lnR w="12700" cap="flat" cmpd="sng" algn="ctr">
+                      <a:solidFill>
+                        <a:schemeClr val="bg1"/>
+                      </a:solidFill>
+                      <a:prstDash val="solid"/>
+                      <a:round/>
+                      <a:headEnd type="none" w="med" len="med"/>
+                      <a:tailEnd type="none" w="med" len="med"/>
+                    </a:lnR>
+                    <a:lnT w="12700" cap="flat" cmpd="sng" algn="ctr">
+                      <a:solidFill>
+                        <a:schemeClr val="bg1"/>
+                      </a:solidFill>
+                      <a:prstDash val="solid"/>
+                      <a:round/>
+                      <a:headEnd type="none" w="med" len="med"/>
+                      <a:tailEnd type="none" w="med" len="med"/>
+                    </a:lnT>
+                    <a:lnB w="12700" cap="flat" cmpd="sng" algn="ctr">
+                      <a:solidFill>
+                        <a:schemeClr val="bg1"/>
+                      </a:solidFill>
+                      <a:prstDash val="solid"/>
+                      <a:round/>
+                      <a:headEnd type="none" w="med" len="med"/>
+                      <a:tailEnd type="none" w="med" len="med"/>
+                    </a:lnB>
+                    <a:lnTlToBr>
+                      <a:noFill/>
+                    </a:lnTlToBr>
+                    <a:lnBlToTr>
+                      <a:noFill/>
+                    </a:lnBlToTr>
+                    <a:solidFill>
+                      <a:srgbClr val="E8F3FF"/>
+                    </a:solidFill>
+                  </a:tcPr>
                 </a:tc>
                 <a:tc>
                   <a:txBody>
                     <a:bodyPr/>
                     <a:lstStyle/>
                     <a:p>
-                      <a:endParaRPr lang="es-PE" sz="1600" dirty="0"/>
+                      <a:pPr marL="0" marR="0" lvl="0" indent="0" algn="l" defTabSz="914400" rtl="0" eaLnBrk="1" fontAlgn="base" latinLnBrk="0" hangingPunct="1">
+                        <a:lnSpc>
+                          <a:spcPct val="100000"/>
+                        </a:lnSpc>
+                        <a:spcBef>
+                          <a:spcPct val="0"/>
+                        </a:spcBef>
+                        <a:spcAft>
+                          <a:spcPct val="0"/>
+                        </a:spcAft>
+                        <a:buClrTx/>
+                        <a:buSzTx/>
+                        <a:buFontTx/>
+                        <a:buNone/>
+                        <a:tabLst/>
+                      </a:pPr>
+                      <a:r>
+                        <a:rPr kumimoji="0" lang="es-ES" sz="1600" b="0" i="0" u="none" strike="noStrike" cap="none" normalizeH="0" baseline="0" smtClean="0">
+                          <a:ln>
+                            <a:noFill/>
+                          </a:ln>
+                          <a:solidFill>
+                            <a:srgbClr val="8C2902"/>
+                          </a:solidFill>
+                          <a:effectLst/>
+                          <a:latin typeface="Candara" pitchFamily="34" charset="0"/>
+                        </a:rPr>
+                        <a:t>Por definir</a:t>
+                      </a:r>
                     </a:p>
                   </a:txBody>
-                  <a:tcPr/>
+                  <a:tcPr horzOverflow="overflow">
+                    <a:lnL w="12700" cap="flat" cmpd="sng" algn="ctr">
+                      <a:solidFill>
+                        <a:schemeClr val="bg1"/>
+                      </a:solidFill>
+                      <a:prstDash val="solid"/>
+                      <a:round/>
+                      <a:headEnd type="none" w="med" len="med"/>
+                      <a:tailEnd type="none" w="med" len="med"/>
+                    </a:lnL>
+                    <a:lnR w="12700" cap="flat" cmpd="sng" algn="ctr">
+                      <a:solidFill>
+                        <a:schemeClr val="bg1"/>
+                      </a:solidFill>
+                      <a:prstDash val="solid"/>
+                      <a:round/>
+                      <a:headEnd type="none" w="med" len="med"/>
+                      <a:tailEnd type="none" w="med" len="med"/>
+                    </a:lnR>
+                    <a:lnT w="12700" cap="flat" cmpd="sng" algn="ctr">
+                      <a:solidFill>
+                        <a:schemeClr val="bg1"/>
+                      </a:solidFill>
+                      <a:prstDash val="solid"/>
+                      <a:round/>
+                      <a:headEnd type="none" w="med" len="med"/>
+                      <a:tailEnd type="none" w="med" len="med"/>
+                    </a:lnT>
+                    <a:lnB w="12700" cap="flat" cmpd="sng" algn="ctr">
+                      <a:solidFill>
+                        <a:schemeClr val="bg1"/>
+                      </a:solidFill>
+                      <a:prstDash val="solid"/>
+                      <a:round/>
+                      <a:headEnd type="none" w="med" len="med"/>
+                      <a:tailEnd type="none" w="med" len="med"/>
+                    </a:lnB>
+                    <a:lnTlToBr>
+                      <a:noFill/>
+                    </a:lnTlToBr>
+                    <a:lnBlToTr>
+                      <a:noFill/>
+                    </a:lnBlToTr>
+                    <a:solidFill>
+                      <a:srgbClr val="E8F3FF"/>
+                    </a:solidFill>
+                  </a:tcPr>
                 </a:tc>
               </a:tr>
-              <a:tr h="370840">
+              <a:tr h="371475">
                 <a:tc>
                   <a:txBody>
                     <a:bodyPr/>
                     <a:lstStyle/>
                     <a:p>
+                      <a:pPr marL="0" marR="0" lvl="0" indent="0" algn="l" defTabSz="914400" rtl="0" eaLnBrk="1" fontAlgn="base" latinLnBrk="0" hangingPunct="1">
+                        <a:lnSpc>
+                          <a:spcPct val="100000"/>
+                        </a:lnSpc>
+                        <a:spcBef>
+                          <a:spcPct val="0"/>
+                        </a:spcBef>
+                        <a:spcAft>
+                          <a:spcPct val="0"/>
+                        </a:spcAft>
+                        <a:buClrTx/>
+                        <a:buSzTx/>
+                        <a:buFontTx/>
+                        <a:buNone/>
+                        <a:tabLst/>
+                      </a:pPr>
                       <a:r>
-                        <a:rPr lang="es-PE" sz="1600" kern="1200" dirty="0" smtClean="0">
+                        <a:rPr kumimoji="0" lang="es-PE" sz="1600" b="0" i="0" u="none" strike="noStrike" cap="none" normalizeH="0" baseline="0" smtClean="0">
+                          <a:ln>
+                            <a:noFill/>
+                          </a:ln>
                           <a:solidFill>
                             <a:srgbClr val="002060"/>
                           </a:solidFill>
-                          <a:latin typeface="+mj-lt"/>
-                          <a:ea typeface="+mn-ea"/>
-                          <a:cs typeface="+mn-cs"/>
+                          <a:effectLst/>
+                          <a:latin typeface="Candara" pitchFamily="34" charset="0"/>
                         </a:rPr>
                         <a:t>Servicio prestado</a:t>
                       </a:r>
-                      <a:endParaRPr lang="es-PE" sz="1600" dirty="0">
-                        <a:solidFill>
-                          <a:srgbClr val="002060"/>
-                        </a:solidFill>
-                        <a:latin typeface="+mj-lt"/>
-                      </a:endParaRPr>
                     </a:p>
                   </a:txBody>
-                  <a:tcPr/>
+                  <a:tcPr horzOverflow="overflow">
+                    <a:lnL w="12700" cap="flat" cmpd="sng" algn="ctr">
+                      <a:solidFill>
+                        <a:schemeClr val="bg1"/>
+                      </a:solidFill>
+                      <a:prstDash val="solid"/>
+                      <a:round/>
+                      <a:headEnd type="none" w="med" len="med"/>
+                      <a:tailEnd type="none" w="med" len="med"/>
+                    </a:lnL>
+                    <a:lnR w="12700" cap="flat" cmpd="sng" algn="ctr">
+                      <a:solidFill>
+                        <a:schemeClr val="bg1"/>
+                      </a:solidFill>
+                      <a:prstDash val="solid"/>
+                      <a:round/>
+                      <a:headEnd type="none" w="med" len="med"/>
+                      <a:tailEnd type="none" w="med" len="med"/>
+                    </a:lnR>
+                    <a:lnT w="12700" cap="flat" cmpd="sng" algn="ctr">
+                      <a:solidFill>
+                        <a:schemeClr val="bg1"/>
+                      </a:solidFill>
+                      <a:prstDash val="solid"/>
+                      <a:round/>
+                      <a:headEnd type="none" w="med" len="med"/>
+                      <a:tailEnd type="none" w="med" len="med"/>
+                    </a:lnT>
+                    <a:lnB w="12700" cap="flat" cmpd="sng" algn="ctr">
+                      <a:solidFill>
+                        <a:schemeClr val="bg1"/>
+                      </a:solidFill>
+                      <a:prstDash val="solid"/>
+                      <a:round/>
+                      <a:headEnd type="none" w="med" len="med"/>
+                      <a:tailEnd type="none" w="med" len="med"/>
+                    </a:lnB>
+                    <a:lnTlToBr>
+                      <a:noFill/>
+                    </a:lnTlToBr>
+                    <a:lnBlToTr>
+                      <a:noFill/>
+                    </a:lnBlToTr>
+                    <a:solidFill>
+                      <a:srgbClr val="CDE5FE"/>
+                    </a:solidFill>
+                  </a:tcPr>
                 </a:tc>
                 <a:tc>
                   <a:txBody>
                     <a:bodyPr/>
                     <a:lstStyle/>
                     <a:p>
-                      <a:endParaRPr lang="es-PE" sz="1600"/>
+                      <a:pPr marL="0" marR="0" lvl="0" indent="0" algn="l" defTabSz="914400" rtl="0" eaLnBrk="1" fontAlgn="base" latinLnBrk="0" hangingPunct="1">
+                        <a:lnSpc>
+                          <a:spcPct val="100000"/>
+                        </a:lnSpc>
+                        <a:spcBef>
+                          <a:spcPct val="0"/>
+                        </a:spcBef>
+                        <a:spcAft>
+                          <a:spcPct val="0"/>
+                        </a:spcAft>
+                        <a:buClrTx/>
+                        <a:buSzTx/>
+                        <a:buFontTx/>
+                        <a:buNone/>
+                        <a:tabLst/>
+                      </a:pPr>
+                      <a:r>
+                        <a:rPr kumimoji="0" lang="es-ES" sz="1600" b="0" i="0" u="none" strike="noStrike" cap="none" normalizeH="0" baseline="0" smtClean="0">
+                          <a:ln>
+                            <a:noFill/>
+                          </a:ln>
+                          <a:solidFill>
+                            <a:srgbClr val="8C2902"/>
+                          </a:solidFill>
+                          <a:effectLst/>
+                          <a:latin typeface="Candara" pitchFamily="34" charset="0"/>
+                        </a:rPr>
+                        <a:t>Por definir</a:t>
+                      </a:r>
                     </a:p>
                   </a:txBody>
-                  <a:tcPr/>
+                  <a:tcPr horzOverflow="overflow">
+                    <a:lnL w="12700" cap="flat" cmpd="sng" algn="ctr">
+                      <a:solidFill>
+                        <a:schemeClr val="bg1"/>
+                      </a:solidFill>
+                      <a:prstDash val="solid"/>
+                      <a:round/>
+                      <a:headEnd type="none" w="med" len="med"/>
+                      <a:tailEnd type="none" w="med" len="med"/>
+                    </a:lnL>
+                    <a:lnR w="12700" cap="flat" cmpd="sng" algn="ctr">
+                      <a:solidFill>
+                        <a:schemeClr val="bg1"/>
+                      </a:solidFill>
+                      <a:prstDash val="solid"/>
+                      <a:round/>
+                      <a:headEnd type="none" w="med" len="med"/>
+                      <a:tailEnd type="none" w="med" len="med"/>
+                    </a:lnR>
+                    <a:lnT w="12700" cap="flat" cmpd="sng" algn="ctr">
+                      <a:solidFill>
+                        <a:schemeClr val="bg1"/>
+                      </a:solidFill>
+                      <a:prstDash val="solid"/>
+                      <a:round/>
+                      <a:headEnd type="none" w="med" len="med"/>
+                      <a:tailEnd type="none" w="med" len="med"/>
+                    </a:lnT>
+                    <a:lnB w="12700" cap="flat" cmpd="sng" algn="ctr">
+                      <a:solidFill>
+                        <a:schemeClr val="bg1"/>
+                      </a:solidFill>
+                      <a:prstDash val="solid"/>
+                      <a:round/>
+                      <a:headEnd type="none" w="med" len="med"/>
+                      <a:tailEnd type="none" w="med" len="med"/>
+                    </a:lnB>
+                    <a:lnTlToBr>
+                      <a:noFill/>
+                    </a:lnTlToBr>
+                    <a:lnBlToTr>
+                      <a:noFill/>
+                    </a:lnBlToTr>
+                    <a:solidFill>
+                      <a:srgbClr val="CDE5FE"/>
+                    </a:solidFill>
+                  </a:tcPr>
                 </a:tc>
               </a:tr>
-              <a:tr h="370840">
+              <a:tr h="371475">
                 <a:tc>
                   <a:txBody>
                     <a:bodyPr/>
                     <a:lstStyle/>
                     <a:p>
+                      <a:pPr marL="0" marR="0" lvl="0" indent="0" algn="l" defTabSz="914400" rtl="0" eaLnBrk="1" fontAlgn="base" latinLnBrk="0" hangingPunct="1">
+                        <a:lnSpc>
+                          <a:spcPct val="100000"/>
+                        </a:lnSpc>
+                        <a:spcBef>
+                          <a:spcPct val="0"/>
+                        </a:spcBef>
+                        <a:spcAft>
+                          <a:spcPct val="0"/>
+                        </a:spcAft>
+                        <a:buClrTx/>
+                        <a:buSzTx/>
+                        <a:buFontTx/>
+                        <a:buNone/>
+                        <a:tabLst/>
+                      </a:pPr>
                       <a:r>
-                        <a:rPr lang="es-PE" sz="1600" kern="1200" dirty="0" smtClean="0">
+                        <a:rPr kumimoji="0" lang="es-PE" sz="1600" b="0" i="0" u="none" strike="noStrike" cap="none" normalizeH="0" baseline="0" smtClean="0">
+                          <a:ln>
+                            <a:noFill/>
+                          </a:ln>
                           <a:solidFill>
                             <a:srgbClr val="002060"/>
                           </a:solidFill>
-                          <a:latin typeface="+mj-lt"/>
-                          <a:ea typeface="+mn-ea"/>
-                          <a:cs typeface="+mn-cs"/>
+                          <a:effectLst/>
+                          <a:latin typeface="Candara" pitchFamily="34" charset="0"/>
                         </a:rPr>
                         <a:t>Mantenimiento Integral</a:t>
                       </a:r>
-                      <a:endParaRPr lang="es-PE" sz="1600" dirty="0">
-                        <a:solidFill>
-                          <a:srgbClr val="002060"/>
-                        </a:solidFill>
-                        <a:latin typeface="+mj-lt"/>
-                      </a:endParaRPr>
                     </a:p>
                   </a:txBody>
-                  <a:tcPr/>
+                  <a:tcPr horzOverflow="overflow">
+                    <a:lnL w="12700" cap="flat" cmpd="sng" algn="ctr">
+                      <a:solidFill>
+                        <a:schemeClr val="bg1"/>
+                      </a:solidFill>
+                      <a:prstDash val="solid"/>
+                      <a:round/>
+                      <a:headEnd type="none" w="med" len="med"/>
+                      <a:tailEnd type="none" w="med" len="med"/>
+                    </a:lnL>
+                    <a:lnR w="12700" cap="flat" cmpd="sng" algn="ctr">
+                      <a:solidFill>
+                        <a:schemeClr val="bg1"/>
+                      </a:solidFill>
+                      <a:prstDash val="solid"/>
+                      <a:round/>
+                      <a:headEnd type="none" w="med" len="med"/>
+                      <a:tailEnd type="none" w="med" len="med"/>
+                    </a:lnR>
+                    <a:lnT w="12700" cap="flat" cmpd="sng" algn="ctr">
+                      <a:solidFill>
+                        <a:schemeClr val="bg1"/>
+                      </a:solidFill>
+                      <a:prstDash val="solid"/>
+                      <a:round/>
+                      <a:headEnd type="none" w="med" len="med"/>
+                      <a:tailEnd type="none" w="med" len="med"/>
+                    </a:lnT>
+                    <a:lnB w="12700" cap="flat" cmpd="sng" algn="ctr">
+                      <a:solidFill>
+                        <a:schemeClr val="bg1"/>
+                      </a:solidFill>
+                      <a:prstDash val="solid"/>
+                      <a:round/>
+                      <a:headEnd type="none" w="med" len="med"/>
+                      <a:tailEnd type="none" w="med" len="med"/>
+                    </a:lnB>
+                    <a:lnTlToBr>
+                      <a:noFill/>
+                    </a:lnTlToBr>
+                    <a:lnBlToTr>
+                      <a:noFill/>
+                    </a:lnBlToTr>
+                    <a:solidFill>
+                      <a:srgbClr val="E8F3FF"/>
+                    </a:solidFill>
+                  </a:tcPr>
                 </a:tc>
                 <a:tc>
                   <a:txBody>
                     <a:bodyPr/>
                     <a:lstStyle/>
                     <a:p>
-                      <a:endParaRPr lang="es-PE" sz="1600"/>
+                      <a:pPr marL="0" marR="0" lvl="0" indent="0" algn="l" defTabSz="914400" rtl="0" eaLnBrk="1" fontAlgn="base" latinLnBrk="0" hangingPunct="1">
+                        <a:lnSpc>
+                          <a:spcPct val="100000"/>
+                        </a:lnSpc>
+                        <a:spcBef>
+                          <a:spcPct val="0"/>
+                        </a:spcBef>
+                        <a:spcAft>
+                          <a:spcPct val="0"/>
+                        </a:spcAft>
+                        <a:buClrTx/>
+                        <a:buSzTx/>
+                        <a:buFontTx/>
+                        <a:buNone/>
+                        <a:tabLst/>
+                      </a:pPr>
+                      <a:r>
+                        <a:rPr kumimoji="0" lang="es-ES" sz="1600" b="0" i="0" u="none" strike="noStrike" cap="none" normalizeH="0" baseline="0" smtClean="0">
+                          <a:ln>
+                            <a:noFill/>
+                          </a:ln>
+                          <a:solidFill>
+                            <a:srgbClr val="8C2902"/>
+                          </a:solidFill>
+                          <a:effectLst/>
+                          <a:latin typeface="Candara" pitchFamily="34" charset="0"/>
+                        </a:rPr>
+                        <a:t>Por definir</a:t>
+                      </a:r>
                     </a:p>
                   </a:txBody>
-                  <a:tcPr/>
+                  <a:tcPr horzOverflow="overflow">
+                    <a:lnL w="12700" cap="flat" cmpd="sng" algn="ctr">
+                      <a:solidFill>
+                        <a:schemeClr val="bg1"/>
+                      </a:solidFill>
+                      <a:prstDash val="solid"/>
+                      <a:round/>
+                      <a:headEnd type="none" w="med" len="med"/>
+                      <a:tailEnd type="none" w="med" len="med"/>
+                    </a:lnL>
+                    <a:lnR w="12700" cap="flat" cmpd="sng" algn="ctr">
+                      <a:solidFill>
+                        <a:schemeClr val="bg1"/>
+                      </a:solidFill>
+                      <a:prstDash val="solid"/>
+                      <a:round/>
+                      <a:headEnd type="none" w="med" len="med"/>
+                      <a:tailEnd type="none" w="med" len="med"/>
+                    </a:lnR>
+                    <a:lnT w="12700" cap="flat" cmpd="sng" algn="ctr">
+                      <a:solidFill>
+                        <a:schemeClr val="bg1"/>
+                      </a:solidFill>
+                      <a:prstDash val="solid"/>
+                      <a:round/>
+                      <a:headEnd type="none" w="med" len="med"/>
+                      <a:tailEnd type="none" w="med" len="med"/>
+                    </a:lnT>
+                    <a:lnB w="12700" cap="flat" cmpd="sng" algn="ctr">
+                      <a:solidFill>
+                        <a:schemeClr val="bg1"/>
+                      </a:solidFill>
+                      <a:prstDash val="solid"/>
+                      <a:round/>
+                      <a:headEnd type="none" w="med" len="med"/>
+                      <a:tailEnd type="none" w="med" len="med"/>
+                    </a:lnB>
+                    <a:lnTlToBr>
+                      <a:noFill/>
+                    </a:lnTlToBr>
+                    <a:lnBlToTr>
+                      <a:noFill/>
+                    </a:lnBlToTr>
+                    <a:solidFill>
+                      <a:srgbClr val="E8F3FF"/>
+                    </a:solidFill>
+                  </a:tcPr>
                 </a:tc>
               </a:tr>
-              <a:tr h="370840">
+              <a:tr h="371475">
                 <a:tc>
                   <a:txBody>
                     <a:bodyPr/>
                     <a:lstStyle/>
                     <a:p>
+                      <a:pPr marL="0" marR="0" lvl="0" indent="0" algn="l" defTabSz="914400" rtl="0" eaLnBrk="1" fontAlgn="base" latinLnBrk="0" hangingPunct="1">
+                        <a:lnSpc>
+                          <a:spcPct val="100000"/>
+                        </a:lnSpc>
+                        <a:spcBef>
+                          <a:spcPct val="0"/>
+                        </a:spcBef>
+                        <a:spcAft>
+                          <a:spcPct val="0"/>
+                        </a:spcAft>
+                        <a:buClrTx/>
+                        <a:buSzTx/>
+                        <a:buFontTx/>
+                        <a:buNone/>
+                        <a:tabLst/>
+                      </a:pPr>
                       <a:r>
-                        <a:rPr lang="es-PE" sz="1600" kern="1200" dirty="0" smtClean="0">
+                        <a:rPr kumimoji="0" lang="es-PE" sz="1600" b="0" i="0" u="none" strike="noStrike" cap="none" normalizeH="0" baseline="0" smtClean="0">
+                          <a:ln>
+                            <a:noFill/>
+                          </a:ln>
                           <a:solidFill>
                             <a:srgbClr val="002060"/>
                           </a:solidFill>
-                          <a:latin typeface="+mj-lt"/>
-                          <a:ea typeface="+mn-ea"/>
-                          <a:cs typeface="+mn-cs"/>
+                          <a:effectLst/>
+                          <a:latin typeface="Candara" pitchFamily="34" charset="0"/>
                         </a:rPr>
                         <a:t>Mantenimiento preventivo</a:t>
                       </a:r>
-                      <a:endParaRPr lang="es-PE" sz="1600" dirty="0">
-                        <a:solidFill>
-                          <a:srgbClr val="002060"/>
-                        </a:solidFill>
-                        <a:latin typeface="+mj-lt"/>
-                      </a:endParaRPr>
                     </a:p>
                   </a:txBody>
-                  <a:tcPr/>
+                  <a:tcPr horzOverflow="overflow">
+                    <a:lnL w="12700" cap="flat" cmpd="sng" algn="ctr">
+                      <a:solidFill>
+                        <a:schemeClr val="bg1"/>
+                      </a:solidFill>
+                      <a:prstDash val="solid"/>
+                      <a:round/>
+                      <a:headEnd type="none" w="med" len="med"/>
+                      <a:tailEnd type="none" w="med" len="med"/>
+                    </a:lnL>
+                    <a:lnR w="12700" cap="flat" cmpd="sng" algn="ctr">
+                      <a:solidFill>
+                        <a:schemeClr val="bg1"/>
+                      </a:solidFill>
+                      <a:prstDash val="solid"/>
+                      <a:round/>
+                      <a:headEnd type="none" w="med" len="med"/>
+                      <a:tailEnd type="none" w="med" len="med"/>
+                    </a:lnR>
+                    <a:lnT w="12700" cap="flat" cmpd="sng" algn="ctr">
+                      <a:solidFill>
+                        <a:schemeClr val="bg1"/>
+                      </a:solidFill>
+                      <a:prstDash val="solid"/>
+                      <a:round/>
+                      <a:headEnd type="none" w="med" len="med"/>
+                      <a:tailEnd type="none" w="med" len="med"/>
+                    </a:lnT>
+                    <a:lnB w="12700" cap="flat" cmpd="sng" algn="ctr">
+                      <a:solidFill>
+                        <a:schemeClr val="bg1"/>
+                      </a:solidFill>
+                      <a:prstDash val="solid"/>
+                      <a:round/>
+                      <a:headEnd type="none" w="med" len="med"/>
+                      <a:tailEnd type="none" w="med" len="med"/>
+                    </a:lnB>
+                    <a:lnTlToBr>
+                      <a:noFill/>
+                    </a:lnTlToBr>
+                    <a:lnBlToTr>
+                      <a:noFill/>
+                    </a:lnBlToTr>
+                    <a:solidFill>
+                      <a:srgbClr val="CDE5FE"/>
+                    </a:solidFill>
+                  </a:tcPr>
                 </a:tc>
                 <a:tc>
                   <a:txBody>
                     <a:bodyPr/>
                     <a:lstStyle/>
                     <a:p>
-                      <a:endParaRPr lang="es-PE" sz="1600"/>
+                      <a:pPr marL="0" marR="0" lvl="0" indent="0" algn="l" defTabSz="914400" rtl="0" eaLnBrk="1" fontAlgn="base" latinLnBrk="0" hangingPunct="1">
+                        <a:lnSpc>
+                          <a:spcPct val="100000"/>
+                        </a:lnSpc>
+                        <a:spcBef>
+                          <a:spcPct val="0"/>
+                        </a:spcBef>
+                        <a:spcAft>
+                          <a:spcPct val="0"/>
+                        </a:spcAft>
+                        <a:buClrTx/>
+                        <a:buSzTx/>
+                        <a:buFontTx/>
+                        <a:buNone/>
+                        <a:tabLst/>
+                      </a:pPr>
+                      <a:r>
+                        <a:rPr kumimoji="0" lang="es-ES" sz="1600" b="0" i="0" u="none" strike="noStrike" cap="none" normalizeH="0" baseline="0" smtClean="0">
+                          <a:ln>
+                            <a:noFill/>
+                          </a:ln>
+                          <a:solidFill>
+                            <a:srgbClr val="8C2902"/>
+                          </a:solidFill>
+                          <a:effectLst/>
+                          <a:latin typeface="Candara" pitchFamily="34" charset="0"/>
+                        </a:rPr>
+                        <a:t>Por definir</a:t>
+                      </a:r>
                     </a:p>
                   </a:txBody>
-                  <a:tcPr/>
+                  <a:tcPr horzOverflow="overflow">
+                    <a:lnL w="12700" cap="flat" cmpd="sng" algn="ctr">
+                      <a:solidFill>
+                        <a:schemeClr val="bg1"/>
+                      </a:solidFill>
+                      <a:prstDash val="solid"/>
+                      <a:round/>
+                      <a:headEnd type="none" w="med" len="med"/>
+                      <a:tailEnd type="none" w="med" len="med"/>
+                    </a:lnL>
+                    <a:lnR w="12700" cap="flat" cmpd="sng" algn="ctr">
+                      <a:solidFill>
+                        <a:schemeClr val="bg1"/>
+                      </a:solidFill>
+                      <a:prstDash val="solid"/>
+                      <a:round/>
+                      <a:headEnd type="none" w="med" len="med"/>
+                      <a:tailEnd type="none" w="med" len="med"/>
+                    </a:lnR>
+                    <a:lnT w="12700" cap="flat" cmpd="sng" algn="ctr">
+                      <a:solidFill>
+                        <a:schemeClr val="bg1"/>
+                      </a:solidFill>
+                      <a:prstDash val="solid"/>
+                      <a:round/>
+                      <a:headEnd type="none" w="med" len="med"/>
+                      <a:tailEnd type="none" w="med" len="med"/>
+                    </a:lnT>
+                    <a:lnB w="12700" cap="flat" cmpd="sng" algn="ctr">
+                      <a:solidFill>
+                        <a:schemeClr val="bg1"/>
+                      </a:solidFill>
+                      <a:prstDash val="solid"/>
+                      <a:round/>
+                      <a:headEnd type="none" w="med" len="med"/>
+                      <a:tailEnd type="none" w="med" len="med"/>
+                    </a:lnB>
+                    <a:lnTlToBr>
+                      <a:noFill/>
+                    </a:lnTlToBr>
+                    <a:lnBlToTr>
+                      <a:noFill/>
+                    </a:lnBlToTr>
+                    <a:solidFill>
+                      <a:srgbClr val="CDE5FE"/>
+                    </a:solidFill>
+                  </a:tcPr>
                 </a:tc>
               </a:tr>
-              <a:tr h="370840">
+              <a:tr h="371475">
                 <a:tc>
                   <a:txBody>
                     <a:bodyPr/>
                     <a:lstStyle/>
                     <a:p>
+                      <a:pPr marL="0" marR="0" lvl="0" indent="0" algn="l" defTabSz="914400" rtl="0" eaLnBrk="1" fontAlgn="base" latinLnBrk="0" hangingPunct="1">
+                        <a:lnSpc>
+                          <a:spcPct val="100000"/>
+                        </a:lnSpc>
+                        <a:spcBef>
+                          <a:spcPct val="0"/>
+                        </a:spcBef>
+                        <a:spcAft>
+                          <a:spcPct val="0"/>
+                        </a:spcAft>
+                        <a:buClrTx/>
+                        <a:buSzTx/>
+                        <a:buFontTx/>
+                        <a:buNone/>
+                        <a:tabLst/>
+                      </a:pPr>
                       <a:r>
-                        <a:rPr lang="es-PE" sz="1600" kern="1200" dirty="0" smtClean="0">
+                        <a:rPr kumimoji="0" lang="es-PE" sz="1600" b="0" i="0" u="none" strike="noStrike" cap="none" normalizeH="0" baseline="0" smtClean="0">
+                          <a:ln>
+                            <a:noFill/>
+                          </a:ln>
                           <a:solidFill>
                             <a:srgbClr val="002060"/>
                           </a:solidFill>
-                          <a:latin typeface="+mj-lt"/>
-                          <a:ea typeface="+mn-ea"/>
-                          <a:cs typeface="+mn-cs"/>
+                          <a:effectLst/>
+                          <a:latin typeface="Candara" pitchFamily="34" charset="0"/>
                         </a:rPr>
                         <a:t>Mantenimiento correctivo</a:t>
                       </a:r>
-                      <a:endParaRPr lang="es-PE" sz="1600" dirty="0">
-                        <a:solidFill>
-                          <a:srgbClr val="002060"/>
-                        </a:solidFill>
-                        <a:latin typeface="+mj-lt"/>
-                      </a:endParaRPr>
                     </a:p>
                   </a:txBody>
-                  <a:tcPr/>
+                  <a:tcPr horzOverflow="overflow">
+                    <a:lnL w="12700" cap="flat" cmpd="sng" algn="ctr">
+                      <a:solidFill>
+                        <a:schemeClr val="bg1"/>
+                      </a:solidFill>
+                      <a:prstDash val="solid"/>
+                      <a:round/>
+                      <a:headEnd type="none" w="med" len="med"/>
+                      <a:tailEnd type="none" w="med" len="med"/>
+                    </a:lnL>
+                    <a:lnR w="12700" cap="flat" cmpd="sng" algn="ctr">
+                      <a:solidFill>
+                        <a:schemeClr val="bg1"/>
+                      </a:solidFill>
+                      <a:prstDash val="solid"/>
+                      <a:round/>
+                      <a:headEnd type="none" w="med" len="med"/>
+                      <a:tailEnd type="none" w="med" len="med"/>
+                    </a:lnR>
+                    <a:lnT w="12700" cap="flat" cmpd="sng" algn="ctr">
+                      <a:solidFill>
+                        <a:schemeClr val="bg1"/>
+                      </a:solidFill>
+                      <a:prstDash val="solid"/>
+                      <a:round/>
+                      <a:headEnd type="none" w="med" len="med"/>
+                      <a:tailEnd type="none" w="med" len="med"/>
+                    </a:lnT>
+                    <a:lnB w="12700" cap="flat" cmpd="sng" algn="ctr">
+                      <a:solidFill>
+                        <a:schemeClr val="bg1"/>
+                      </a:solidFill>
+                      <a:prstDash val="solid"/>
+                      <a:round/>
+                      <a:headEnd type="none" w="med" len="med"/>
+                      <a:tailEnd type="none" w="med" len="med"/>
+                    </a:lnB>
+                    <a:lnTlToBr>
+                      <a:noFill/>
+                    </a:lnTlToBr>
+                    <a:lnBlToTr>
+                      <a:noFill/>
+                    </a:lnBlToTr>
+                    <a:solidFill>
+                      <a:srgbClr val="E8F3FF"/>
+                    </a:solidFill>
+                  </a:tcPr>
                 </a:tc>
                 <a:tc>
                   <a:txBody>
                     <a:bodyPr/>
                     <a:lstStyle/>
                     <a:p>
-                      <a:endParaRPr lang="es-PE" sz="1600"/>
+                      <a:pPr marL="0" marR="0" lvl="0" indent="0" algn="l" defTabSz="914400" rtl="0" eaLnBrk="1" fontAlgn="base" latinLnBrk="0" hangingPunct="1">
+                        <a:lnSpc>
+                          <a:spcPct val="100000"/>
+                        </a:lnSpc>
+                        <a:spcBef>
+                          <a:spcPct val="0"/>
+                        </a:spcBef>
+                        <a:spcAft>
+                          <a:spcPct val="0"/>
+                        </a:spcAft>
+                        <a:buClrTx/>
+                        <a:buSzTx/>
+                        <a:buFontTx/>
+                        <a:buNone/>
+                        <a:tabLst/>
+                      </a:pPr>
+                      <a:r>
+                        <a:rPr kumimoji="0" lang="es-ES" sz="1600" b="0" i="0" u="none" strike="noStrike" cap="none" normalizeH="0" baseline="0" smtClean="0">
+                          <a:ln>
+                            <a:noFill/>
+                          </a:ln>
+                          <a:solidFill>
+                            <a:srgbClr val="8C2902"/>
+                          </a:solidFill>
+                          <a:effectLst/>
+                          <a:latin typeface="Candara" pitchFamily="34" charset="0"/>
+                        </a:rPr>
+                        <a:t>Por definir</a:t>
+                      </a:r>
                     </a:p>
                   </a:txBody>
-                  <a:tcPr/>
+                  <a:tcPr horzOverflow="overflow">
+                    <a:lnL w="12700" cap="flat" cmpd="sng" algn="ctr">
+                      <a:solidFill>
+                        <a:schemeClr val="bg1"/>
+                      </a:solidFill>
+                      <a:prstDash val="solid"/>
+                      <a:round/>
+                      <a:headEnd type="none" w="med" len="med"/>
+                      <a:tailEnd type="none" w="med" len="med"/>
+                    </a:lnL>
+                    <a:lnR w="12700" cap="flat" cmpd="sng" algn="ctr">
+                      <a:solidFill>
+                        <a:schemeClr val="bg1"/>
+                      </a:solidFill>
+                      <a:prstDash val="solid"/>
+                      <a:round/>
+                      <a:headEnd type="none" w="med" len="med"/>
+                      <a:tailEnd type="none" w="med" len="med"/>
+                    </a:lnR>
+                    <a:lnT w="12700" cap="flat" cmpd="sng" algn="ctr">
+                      <a:solidFill>
+                        <a:schemeClr val="bg1"/>
+                      </a:solidFill>
+                      <a:prstDash val="solid"/>
+                      <a:round/>
+                      <a:headEnd type="none" w="med" len="med"/>
+                      <a:tailEnd type="none" w="med" len="med"/>
+                    </a:lnT>
+                    <a:lnB w="12700" cap="flat" cmpd="sng" algn="ctr">
+                      <a:solidFill>
+                        <a:schemeClr val="bg1"/>
+                      </a:solidFill>
+                      <a:prstDash val="solid"/>
+                      <a:round/>
+                      <a:headEnd type="none" w="med" len="med"/>
+                      <a:tailEnd type="none" w="med" len="med"/>
+                    </a:lnB>
+                    <a:lnTlToBr>
+                      <a:noFill/>
+                    </a:lnTlToBr>
+                    <a:lnBlToTr>
+                      <a:noFill/>
+                    </a:lnBlToTr>
+                    <a:solidFill>
+                      <a:srgbClr val="E8F3FF"/>
+                    </a:solidFill>
+                  </a:tcPr>
                 </a:tc>
               </a:tr>
-              <a:tr h="370840">
+              <a:tr h="371475">
                 <a:tc>
                   <a:txBody>
                     <a:bodyPr/>
                     <a:lstStyle/>
                     <a:p>
+                      <a:pPr marL="0" marR="0" lvl="0" indent="0" algn="l" defTabSz="914400" rtl="0" eaLnBrk="1" fontAlgn="base" latinLnBrk="0" hangingPunct="1">
+                        <a:lnSpc>
+                          <a:spcPct val="100000"/>
+                        </a:lnSpc>
+                        <a:spcBef>
+                          <a:spcPct val="0"/>
+                        </a:spcBef>
+                        <a:spcAft>
+                          <a:spcPct val="0"/>
+                        </a:spcAft>
+                        <a:buClrTx/>
+                        <a:buSzTx/>
+                        <a:buFontTx/>
+                        <a:buNone/>
+                        <a:tabLst/>
+                      </a:pPr>
                       <a:r>
-                        <a:rPr lang="es-PE" sz="1600" kern="1200" dirty="0" err="1" smtClean="0">
+                        <a:rPr kumimoji="0" lang="es-PE" sz="1600" b="0" i="0" u="none" strike="noStrike" cap="none" normalizeH="0" baseline="0" smtClean="0">
+                          <a:ln>
+                            <a:noFill/>
+                          </a:ln>
                           <a:solidFill>
                             <a:srgbClr val="002060"/>
                           </a:solidFill>
-                          <a:latin typeface="+mj-lt"/>
-                          <a:ea typeface="+mn-ea"/>
-                          <a:cs typeface="+mn-cs"/>
+                          <a:effectLst/>
+                          <a:latin typeface="Candara" pitchFamily="34" charset="0"/>
                         </a:rPr>
                         <a:t>Outsourcing</a:t>
                       </a:r>
-                      <a:endParaRPr lang="es-PE" sz="1600" dirty="0">
-                        <a:solidFill>
-                          <a:srgbClr val="002060"/>
-                        </a:solidFill>
-                        <a:latin typeface="+mj-lt"/>
-                      </a:endParaRPr>
                     </a:p>
                   </a:txBody>
-                  <a:tcPr/>
+                  <a:tcPr horzOverflow="overflow">
+                    <a:lnL w="12700" cap="flat" cmpd="sng" algn="ctr">
+                      <a:solidFill>
+                        <a:schemeClr val="bg1"/>
+                      </a:solidFill>
+                      <a:prstDash val="solid"/>
+                      <a:round/>
+                      <a:headEnd type="none" w="med" len="med"/>
+                      <a:tailEnd type="none" w="med" len="med"/>
+                    </a:lnL>
+                    <a:lnR w="12700" cap="flat" cmpd="sng" algn="ctr">
+                      <a:solidFill>
+                        <a:schemeClr val="bg1"/>
+                      </a:solidFill>
+                      <a:prstDash val="solid"/>
+                      <a:round/>
+                      <a:headEnd type="none" w="med" len="med"/>
+                      <a:tailEnd type="none" w="med" len="med"/>
+                    </a:lnR>
+                    <a:lnT w="12700" cap="flat" cmpd="sng" algn="ctr">
+                      <a:solidFill>
+                        <a:schemeClr val="bg1"/>
+                      </a:solidFill>
+                      <a:prstDash val="solid"/>
+                      <a:round/>
+                      <a:headEnd type="none" w="med" len="med"/>
+                      <a:tailEnd type="none" w="med" len="med"/>
+                    </a:lnT>
+                    <a:lnB w="12700" cap="flat" cmpd="sng" algn="ctr">
+                      <a:solidFill>
+                        <a:schemeClr val="bg1"/>
+                      </a:solidFill>
+                      <a:prstDash val="solid"/>
+                      <a:round/>
+                      <a:headEnd type="none" w="med" len="med"/>
+                      <a:tailEnd type="none" w="med" len="med"/>
+                    </a:lnB>
+                    <a:lnTlToBr>
+                      <a:noFill/>
+                    </a:lnTlToBr>
+                    <a:lnBlToTr>
+                      <a:noFill/>
+                    </a:lnBlToTr>
+                    <a:solidFill>
+                      <a:srgbClr val="CDE5FE"/>
+                    </a:solidFill>
+                  </a:tcPr>
                 </a:tc>
                 <a:tc>
                   <a:txBody>
                     <a:bodyPr/>
                     <a:lstStyle/>
                     <a:p>
-                      <a:endParaRPr lang="es-PE" sz="1600" dirty="0"/>
+                      <a:pPr marL="0" marR="0" lvl="0" indent="0" algn="l" defTabSz="914400" rtl="0" eaLnBrk="1" fontAlgn="base" latinLnBrk="0" hangingPunct="1">
+                        <a:lnSpc>
+                          <a:spcPct val="100000"/>
+                        </a:lnSpc>
+                        <a:spcBef>
+                          <a:spcPct val="0"/>
+                        </a:spcBef>
+                        <a:spcAft>
+                          <a:spcPct val="0"/>
+                        </a:spcAft>
+                        <a:buClrTx/>
+                        <a:buSzTx/>
+                        <a:buFontTx/>
+                        <a:buNone/>
+                        <a:tabLst/>
+                      </a:pPr>
+                      <a:r>
+                        <a:rPr kumimoji="0" lang="es-ES" sz="1600" b="0" i="0" u="none" strike="noStrike" cap="none" normalizeH="0" baseline="0" smtClean="0">
+                          <a:ln>
+                            <a:noFill/>
+                          </a:ln>
+                          <a:solidFill>
+                            <a:srgbClr val="8C2902"/>
+                          </a:solidFill>
+                          <a:effectLst/>
+                          <a:latin typeface="Candara" pitchFamily="34" charset="0"/>
+                        </a:rPr>
+                        <a:t>Por definir</a:t>
+                      </a:r>
                     </a:p>
                   </a:txBody>
-                  <a:tcPr/>
+                  <a:tcPr horzOverflow="overflow">
+                    <a:lnL w="12700" cap="flat" cmpd="sng" algn="ctr">
+                      <a:solidFill>
+                        <a:schemeClr val="bg1"/>
+                      </a:solidFill>
+                      <a:prstDash val="solid"/>
+                      <a:round/>
+                      <a:headEnd type="none" w="med" len="med"/>
+                      <a:tailEnd type="none" w="med" len="med"/>
+                    </a:lnL>
+                    <a:lnR w="12700" cap="flat" cmpd="sng" algn="ctr">
+                      <a:solidFill>
+                        <a:schemeClr val="bg1"/>
+                      </a:solidFill>
+                      <a:prstDash val="solid"/>
+                      <a:round/>
+                      <a:headEnd type="none" w="med" len="med"/>
+                      <a:tailEnd type="none" w="med" len="med"/>
+                    </a:lnR>
+                    <a:lnT w="12700" cap="flat" cmpd="sng" algn="ctr">
+                      <a:solidFill>
+                        <a:schemeClr val="bg1"/>
+                      </a:solidFill>
+                      <a:prstDash val="solid"/>
+                      <a:round/>
+                      <a:headEnd type="none" w="med" len="med"/>
+                      <a:tailEnd type="none" w="med" len="med"/>
+                    </a:lnT>
+                    <a:lnB w="12700" cap="flat" cmpd="sng" algn="ctr">
+                      <a:solidFill>
+                        <a:schemeClr val="bg1"/>
+                      </a:solidFill>
+                      <a:prstDash val="solid"/>
+                      <a:round/>
+                      <a:headEnd type="none" w="med" len="med"/>
+                      <a:tailEnd type="none" w="med" len="med"/>
+                    </a:lnB>
+                    <a:lnTlToBr>
+                      <a:noFill/>
+                    </a:lnTlToBr>
+                    <a:lnBlToTr>
+                      <a:noFill/>
+                    </a:lnBlToTr>
+                    <a:solidFill>
+                      <a:srgbClr val="CDE5FE"/>
+                    </a:solidFill>
+                  </a:tcPr>
                 </a:tc>
               </a:tr>
             </a:tbl>
@@ -21749,7 +21965,7 @@
       </p:grpSpPr>
       <p:sp>
         <p:nvSpPr>
-          <p:cNvPr id="20481" name="2 Título"/>
+          <p:cNvPr id="22529" name="2 Título"/>
           <p:cNvSpPr>
             <a:spLocks noGrp="1"/>
           </p:cNvSpPr>
@@ -21769,26 +21985,13 @@
           <a:p>
             <a:pPr eaLnBrk="1" hangingPunct="1"/>
             <a:r>
-              <a:rPr lang="es-PE" b="1" dirty="0" smtClean="0">
+              <a:rPr lang="es-PE" b="1" smtClean="0">
                 <a:solidFill>
                   <a:schemeClr val="tx2"/>
                 </a:solidFill>
               </a:rPr>
-              <a:t>ACTORES </a:t>
-            </a:r>
-            <a:r>
-              <a:rPr lang="es-PE" b="1" dirty="0" smtClean="0">
-                <a:solidFill>
-                  <a:schemeClr val="tx2"/>
-                </a:solidFill>
-              </a:rPr>
-              <a:t>DEL NEGOCIO</a:t>
-            </a:r>
-            <a:endParaRPr lang="es-PE" b="1" dirty="0" smtClean="0">
-              <a:solidFill>
-                <a:schemeClr val="tx2"/>
-              </a:solidFill>
-            </a:endParaRPr>
+              <a:t>ACTORES DEL NEGOCIO</a:t>
+            </a:r>
           </a:p>
         </p:txBody>
       </p:sp>
@@ -21819,29 +22022,36 @@
       </p:grpSpPr>
       <p:sp>
         <p:nvSpPr>
-          <p:cNvPr id="2" name="1 CuadroTexto"/>
-          <p:cNvSpPr txBox="1"/>
+          <p:cNvPr id="23553" name="1 CuadroTexto"/>
+          <p:cNvSpPr txBox="1">
+            <a:spLocks noChangeArrowheads="1"/>
+          </p:cNvSpPr>
           <p:nvPr/>
         </p:nvSpPr>
-        <p:spPr>
+        <p:spPr bwMode="auto">
           <a:xfrm>
-            <a:off x="251520" y="2420888"/>
-            <a:ext cx="8640960" cy="3785652"/>
+            <a:off x="250825" y="2420938"/>
+            <a:ext cx="8642350" cy="3786187"/>
           </a:xfrm>
           <a:prstGeom prst="rect">
             <a:avLst/>
           </a:prstGeom>
           <a:noFill/>
+          <a:ln w="9525">
+            <a:noFill/>
+            <a:miter lim="800000"/>
+            <a:headEnd/>
+            <a:tailEnd/>
+          </a:ln>
         </p:spPr>
         <p:txBody>
-          <a:bodyPr wrap="square" rtlCol="0">
+          <a:bodyPr>
             <a:spAutoFit/>
           </a:bodyPr>
           <a:lstStyle/>
           <a:p>
-            <a:pPr lvl="0"/>
-            <a:r>
-              <a:rPr lang="es-PE" sz="2000" b="1" i="1" u="sng" dirty="0" smtClean="0">
+            <a:r>
+              <a:rPr lang="es-PE" sz="2000" b="1" i="1" u="sng">
                 <a:solidFill>
                   <a:schemeClr val="tx2"/>
                 </a:solidFill>
@@ -21850,25 +22060,16 @@
               <a:t>OBSERVACIÓN</a:t>
             </a:r>
             <a:r>
-              <a:rPr lang="es-PE" sz="2000" i="1" dirty="0" smtClean="0">
+              <a:rPr lang="es-PE" sz="2000" i="1">
                 <a:solidFill>
                   <a:schemeClr val="tx2"/>
                 </a:solidFill>
                 <a:latin typeface="Candara" pitchFamily="34" charset="0"/>
               </a:rPr>
-              <a:t>: </a:t>
-            </a:r>
-            <a:r>
-              <a:rPr lang="es-PE" sz="2000" i="1" dirty="0" smtClean="0">
-                <a:solidFill>
-                  <a:schemeClr val="tx2"/>
-                </a:solidFill>
-                <a:latin typeface="Candara" pitchFamily="34" charset="0"/>
-              </a:rPr>
-              <a:t>Verificar la descripción de los actores </a:t>
-            </a:r>
-            <a:r>
-              <a:rPr lang="es-PE" sz="2000" b="1" i="1" dirty="0" smtClean="0">
+              <a:t>: Verificar la descripción de los actores </a:t>
+            </a:r>
+            <a:r>
+              <a:rPr lang="es-PE" sz="2000" b="1" i="1">
                 <a:solidFill>
                   <a:schemeClr val="tx2"/>
                 </a:solidFill>
@@ -21877,7 +22078,7 @@
               <a:t>CC_AN001_Gestor_Requerimiento</a:t>
             </a:r>
             <a:r>
-              <a:rPr lang="es-PE" sz="2000" i="1" dirty="0" smtClean="0">
+              <a:rPr lang="es-PE" sz="2000" i="1">
                 <a:solidFill>
                   <a:schemeClr val="tx2"/>
                 </a:solidFill>
@@ -21886,7 +22087,7 @@
               <a:t> y </a:t>
             </a:r>
             <a:r>
-              <a:rPr lang="es-PE" sz="2000" b="1" i="1" dirty="0" smtClean="0">
+              <a:rPr lang="es-PE" sz="2000" b="1" i="1">
                 <a:solidFill>
                   <a:schemeClr val="tx2"/>
                 </a:solidFill>
@@ -21895,34 +22096,16 @@
               <a:t>CC_AN002_Gestor_Cambio</a:t>
             </a:r>
             <a:r>
-              <a:rPr lang="es-PE" sz="2000" i="1" dirty="0" smtClean="0">
+              <a:rPr lang="es-PE" sz="2000" i="1">
                 <a:solidFill>
                   <a:schemeClr val="tx2"/>
                 </a:solidFill>
                 <a:latin typeface="Candara" pitchFamily="34" charset="0"/>
               </a:rPr>
-              <a:t>, tener en cuenta </a:t>
-            </a:r>
-            <a:r>
-              <a:rPr lang="es-PE" sz="2000" i="1" dirty="0" smtClean="0">
-                <a:solidFill>
-                  <a:schemeClr val="tx2"/>
-                </a:solidFill>
-                <a:latin typeface="Candara" pitchFamily="34" charset="0"/>
-              </a:rPr>
-              <a:t>que </a:t>
-            </a:r>
-            <a:r>
-              <a:rPr lang="es-PE" sz="2000" i="1" dirty="0" smtClean="0">
-                <a:solidFill>
-                  <a:schemeClr val="tx2"/>
-                </a:solidFill>
-                <a:latin typeface="Candara" pitchFamily="34" charset="0"/>
-              </a:rPr>
-              <a:t>el actor </a:t>
-            </a:r>
-            <a:r>
-              <a:rPr lang="es-PE" sz="2000" b="1" i="1" dirty="0" smtClean="0">
+              <a:t>, tener en cuenta que el actor </a:t>
+            </a:r>
+            <a:r>
+              <a:rPr lang="es-PE" sz="2000" b="1" i="1">
                 <a:solidFill>
                   <a:schemeClr val="tx2"/>
                 </a:solidFill>
@@ -21931,7 +22114,7 @@
               <a:t>CC_AN003_Gestor_Contratos</a:t>
             </a:r>
             <a:r>
-              <a:rPr lang="es-PE" sz="2000" i="1" dirty="0" smtClean="0">
+              <a:rPr lang="es-PE" sz="2000" i="1">
                 <a:solidFill>
                   <a:schemeClr val="tx2"/>
                 </a:solidFill>
@@ -21939,15 +22122,9 @@
               </a:rPr>
               <a:t> es una generalización de los otros dos.</a:t>
             </a:r>
-            <a:endParaRPr lang="es-PE" sz="2000" i="1" dirty="0" smtClean="0">
-              <a:solidFill>
-                <a:schemeClr val="tx2"/>
-              </a:solidFill>
-              <a:latin typeface="Candara" pitchFamily="34" charset="0"/>
-            </a:endParaRPr>
-          </a:p>
-          <a:p>
-            <a:endParaRPr lang="en-US" sz="2000" b="1" i="1" u="sng" dirty="0" smtClean="0">
+          </a:p>
+          <a:p>
+            <a:endParaRPr lang="en-US" sz="2000" b="1" i="1" u="sng">
               <a:solidFill>
                 <a:srgbClr val="0070C0"/>
               </a:solidFill>
@@ -21956,7 +22133,7 @@
           </a:p>
           <a:p>
             <a:r>
-              <a:rPr lang="en-US" sz="2000" b="1" i="1" u="sng" dirty="0" smtClean="0">
+              <a:rPr lang="en-US" sz="2000" b="1" i="1" u="sng">
                 <a:solidFill>
                   <a:srgbClr val="0070C0"/>
                 </a:solidFill>
@@ -21965,7 +22142,7 @@
               <a:t>CORRECCIÓN</a:t>
             </a:r>
             <a:r>
-              <a:rPr lang="en-US" sz="2000" i="1" dirty="0" smtClean="0">
+              <a:rPr lang="en-US" sz="2000" i="1">
                 <a:solidFill>
                   <a:srgbClr val="0070C0"/>
                 </a:solidFill>
@@ -21976,7 +22153,7 @@
           </a:p>
           <a:p>
             <a:r>
-              <a:rPr lang="es-PE" sz="2000" b="1" i="1" dirty="0" smtClean="0">
+              <a:rPr lang="es-PE" sz="2000" b="1" i="1">
                 <a:solidFill>
                   <a:srgbClr val="0070C0"/>
                 </a:solidFill>
@@ -21984,36 +22161,21 @@
               </a:rPr>
               <a:t>CC_AN001_Gestor_Requerimiento</a:t>
             </a:r>
-            <a:endParaRPr lang="es-PE" sz="2000" b="1" i="1" dirty="0" smtClean="0">
-              <a:solidFill>
-                <a:srgbClr val="0070C0"/>
-              </a:solidFill>
-              <a:latin typeface="Candara" pitchFamily="34" charset="0"/>
-            </a:endParaRPr>
-          </a:p>
-          <a:p>
-            <a:r>
-              <a:rPr lang="es-PE" sz="2000" i="1" dirty="0" smtClean="0">
+          </a:p>
+          <a:p>
+            <a:r>
+              <a:rPr lang="es-PE" sz="2000" i="1">
                 <a:solidFill>
                   <a:srgbClr val="0070C0"/>
                 </a:solidFill>
                 <a:latin typeface="Candara" pitchFamily="34" charset="0"/>
               </a:rPr>
-              <a:t>Es la persona encargada de derivar una Solicitud de Requerimientos, a fin de que se gestione la creación de un </a:t>
-            </a:r>
-            <a:r>
-              <a:rPr lang="es-PE" sz="2000" i="1" dirty="0" smtClean="0">
-                <a:solidFill>
-                  <a:srgbClr val="0070C0"/>
-                </a:solidFill>
-                <a:latin typeface="Candara" pitchFamily="34" charset="0"/>
-              </a:rPr>
-              <a:t>Contrato.</a:t>
-            </a:r>
-          </a:p>
-          <a:p>
-            <a:r>
-              <a:rPr lang="es-PE" sz="2000" b="1" i="1" dirty="0" smtClean="0">
+              <a:t>Es la persona encargada de derivar una Solicitud de Requerimientos, a fin de que se gestione la creación de un Contrato.</a:t>
+            </a:r>
+          </a:p>
+          <a:p>
+            <a:r>
+              <a:rPr lang="es-PE" sz="2000" b="1" i="1">
                 <a:solidFill>
                   <a:srgbClr val="0070C0"/>
                 </a:solidFill>
@@ -22021,33 +22183,18 @@
               </a:rPr>
               <a:t>CC_AN002_Gestor_Cambio</a:t>
             </a:r>
-            <a:endParaRPr lang="es-PE" sz="2000" b="1" i="1" dirty="0" smtClean="0">
-              <a:solidFill>
-                <a:srgbClr val="0070C0"/>
-              </a:solidFill>
-              <a:latin typeface="Candara" pitchFamily="34" charset="0"/>
-            </a:endParaRPr>
-          </a:p>
-          <a:p>
-            <a:r>
-              <a:rPr lang="es-PE" sz="2000" i="1" dirty="0" smtClean="0">
+          </a:p>
+          <a:p>
+            <a:r>
+              <a:rPr lang="es-PE" sz="2000" i="1">
                 <a:solidFill>
                   <a:srgbClr val="0070C0"/>
                 </a:solidFill>
                 <a:latin typeface="Candara" pitchFamily="34" charset="0"/>
               </a:rPr>
-              <a:t>Es la persona encargada de derivar una Solicitud de Cambios, a fin de que se gestione la creación de una Adenda ó la modificación del Contrato según sea el caso</a:t>
-            </a:r>
-            <a:r>
-              <a:rPr lang="es-PE" sz="2000" i="1" dirty="0" smtClean="0">
-                <a:solidFill>
-                  <a:srgbClr val="0070C0"/>
-                </a:solidFill>
-                <a:latin typeface="Candara" pitchFamily="34" charset="0"/>
-              </a:rPr>
-              <a:t>.</a:t>
-            </a:r>
-            <a:endParaRPr lang="en-US" sz="2000" b="1" i="1" dirty="0" smtClean="0">
+              <a:t>Es la persona encargada de derivar una Solicitud de Cambios, a fin de que se gestione la creación de una Adenda ó la modificación del Contrato según sea el caso.</a:t>
+            </a:r>
+            <a:endParaRPr lang="en-US" sz="2000" b="1" i="1">
               <a:solidFill>
                 <a:srgbClr val="0070C0"/>
               </a:solidFill>
@@ -22081,33 +22228,19 @@
           </a:ln>
         </p:spPr>
         <p:txBody>
-          <a:bodyPr vert="horz" wrap="square" lIns="91440" tIns="45720" rIns="91440" bIns="45720" numCol="1" rtlCol="0" anchor="ctr" anchorCtr="0" compatLnSpc="1">
-            <a:prstTxWarp prst="textNoShape">
-              <a:avLst/>
-            </a:prstTxWarp>
+          <a:bodyPr anchor="ctr">
             <a:normAutofit fontScale="97500"/>
           </a:bodyPr>
           <a:lstStyle/>
           <a:p>
-            <a:pPr marL="0" marR="0" lvl="0" indent="0" algn="ctr" defTabSz="914400" rtl="0" eaLnBrk="1" fontAlgn="auto" latinLnBrk="0" hangingPunct="1">
-              <a:lnSpc>
-                <a:spcPct val="100000"/>
-              </a:lnSpc>
-              <a:spcBef>
-                <a:spcPct val="0"/>
-              </a:spcBef>
+            <a:pPr algn="ctr" fontAlgn="auto">
               <a:spcAft>
                 <a:spcPts val="0"/>
               </a:spcAft>
-              <a:buClrTx/>
-              <a:buSzTx/>
-              <a:buFontTx/>
-              <a:buNone/>
-              <a:tabLst/>
               <a:defRPr/>
             </a:pPr>
             <a:r>
-              <a:rPr lang="en-US" sz="4400" dirty="0" smtClean="0">
+              <a:rPr lang="en-US" sz="4400" dirty="0">
                 <a:solidFill>
                   <a:srgbClr val="FFFFFF"/>
                 </a:solidFill>
@@ -22117,16 +22250,10 @@
               </a:rPr>
               <a:t>ACTORES DEL NEGOCIO</a:t>
             </a:r>
-            <a:endParaRPr kumimoji="0" lang="es-PE" sz="4400" b="0" i="0" u="none" strike="noStrike" kern="1200" cap="none" spc="0" normalizeH="0" baseline="0" noProof="0" dirty="0">
-              <a:ln>
-                <a:noFill/>
-              </a:ln>
+            <a:endParaRPr lang="es-PE" sz="4400" dirty="0">
               <a:solidFill>
                 <a:srgbClr val="FFFFFF"/>
               </a:solidFill>
-              <a:effectLst/>
-              <a:uLnTx/>
-              <a:uFillTx/>
               <a:latin typeface="+mj-lt"/>
               <a:ea typeface="+mj-ea"/>
               <a:cs typeface="+mj-cs"/>
